--- a/HR_Analytics.pptx
+++ b/HR_Analytics.pptx
@@ -169,6 +169,7 @@
     <p1510:client id="{336A5091-CF49-4866-A210-D96A40ED73D4}" v="423" dt="2021-02-18T01:10:40.518"/>
     <p1510:client id="{519B333C-A345-4D02-9FAD-3BAAE9F84CB8}" vWet="2" dt="2021-02-17T17:02:23.844"/>
     <p1510:client id="{7E76577F-7060-44F8-8BBB-1EDCEE10989C}" v="3" dt="2021-02-18T00:58:26.310"/>
+    <p1510:client id="{A688DEC6-8EBF-4B79-AA5A-6272EE40F55E}" v="63" dt="2021-02-18T16:42:02.906"/>
     <p1510:client id="{C64053AA-87E3-47A4-97E5-499E311D8167}" v="786" dt="2021-02-17T19:12:03.187"/>
     <p1510:client id="{D4BE9C35-A569-4B6A-A96D-4D31E7A2DD64}" v="43" dt="2021-02-17T17:13:11.600"/>
     <p1510:client id="{EC15F2B0-BB50-4F83-A6E9-AFC514C3D85E}" v="12" dt="2021-02-17T16:59:20.437"/>
@@ -657,6 +658,45 @@
     </pc:docChg>
   </pc:docChgLst>
   <pc:docChgLst>
+    <pc:chgData name="Dorothy Zou" userId="S::leying.zou@mail.mcgill.ca::be9b8a0b-4428-443d-8222-054332039245" providerId="AD" clId="Web-{EC15F2B0-BB50-4F83-A6E9-AFC514C3D85E}"/>
+    <pc:docChg chg="modSld">
+      <pc:chgData name="Dorothy Zou" userId="S::leying.zou@mail.mcgill.ca::be9b8a0b-4428-443d-8222-054332039245" providerId="AD" clId="Web-{EC15F2B0-BB50-4F83-A6E9-AFC514C3D85E}" dt="2021-02-17T16:59:20.437" v="11" actId="14100"/>
+      <pc:docMkLst>
+        <pc:docMk/>
+      </pc:docMkLst>
+      <pc:sldChg chg="addCm">
+        <pc:chgData name="Dorothy Zou" userId="S::leying.zou@mail.mcgill.ca::be9b8a0b-4428-443d-8222-054332039245" providerId="AD" clId="Web-{EC15F2B0-BB50-4F83-A6E9-AFC514C3D85E}" dt="2021-02-17T16:56:24.772" v="0"/>
+        <pc:sldMkLst>
+          <pc:docMk/>
+          <pc:sldMk cId="869470413" sldId="2432"/>
+        </pc:sldMkLst>
+      </pc:sldChg>
+      <pc:sldChg chg="addSp delSp modSp">
+        <pc:chgData name="Dorothy Zou" userId="S::leying.zou@mail.mcgill.ca::be9b8a0b-4428-443d-8222-054332039245" providerId="AD" clId="Web-{EC15F2B0-BB50-4F83-A6E9-AFC514C3D85E}" dt="2021-02-17T16:59:20.437" v="11" actId="14100"/>
+        <pc:sldMkLst>
+          <pc:docMk/>
+          <pc:sldMk cId="839779156" sldId="2450"/>
+        </pc:sldMkLst>
+        <pc:spChg chg="add del">
+          <ac:chgData name="Dorothy Zou" userId="S::leying.zou@mail.mcgill.ca::be9b8a0b-4428-443d-8222-054332039245" providerId="AD" clId="Web-{EC15F2B0-BB50-4F83-A6E9-AFC514C3D85E}" dt="2021-02-17T16:58:45.388" v="2"/>
+          <ac:spMkLst>
+            <pc:docMk/>
+            <pc:sldMk cId="839779156" sldId="2450"/>
+            <ac:spMk id="2" creationId="{5F9193F2-3C60-4D28-A7C2-A8D4EFCFDA1D}"/>
+          </ac:spMkLst>
+        </pc:spChg>
+        <pc:cxnChg chg="mod">
+          <ac:chgData name="Dorothy Zou" userId="S::leying.zou@mail.mcgill.ca::be9b8a0b-4428-443d-8222-054332039245" providerId="AD" clId="Web-{EC15F2B0-BB50-4F83-A6E9-AFC514C3D85E}" dt="2021-02-17T16:59:20.437" v="11" actId="14100"/>
+          <ac:cxnSpMkLst>
+            <pc:docMk/>
+            <pc:sldMk cId="839779156" sldId="2450"/>
+            <ac:cxnSpMk id="36" creationId="{45EA2359-7A67-4698-BC62-4B7A75ED95D5}"/>
+          </ac:cxnSpMkLst>
+        </pc:cxnChg>
+      </pc:sldChg>
+    </pc:docChg>
+  </pc:docChgLst>
+  <pc:docChgLst>
     <pc:chgData name="Steven Liang" userId="S::steven.liang@mail.mcgill.ca::168002cf-6359-4f16-8327-01cc5d5674d9" providerId="AD" clId="Web-{F2A81F6A-F58C-4237-A5DB-FB45824C7BBE}"/>
     <pc:docChg chg="modSld">
       <pc:chgData name="Steven Liang" userId="S::steven.liang@mail.mcgill.ca::168002cf-6359-4f16-8327-01cc5d5674d9" providerId="AD" clId="Web-{F2A81F6A-F58C-4237-A5DB-FB45824C7BBE}" dt="2021-02-17T18:09:50.477" v="56"/>
@@ -739,45 +779,6 @@
             <ac:graphicFrameMk id="12" creationId="{ED43146D-9A79-491B-AB28-355CDD004ADF}"/>
           </ac:graphicFrameMkLst>
         </pc:graphicFrameChg>
-      </pc:sldChg>
-    </pc:docChg>
-  </pc:docChgLst>
-  <pc:docChgLst>
-    <pc:chgData name="Dorothy Zou" userId="S::leying.zou@mail.mcgill.ca::be9b8a0b-4428-443d-8222-054332039245" providerId="AD" clId="Web-{EC15F2B0-BB50-4F83-A6E9-AFC514C3D85E}"/>
-    <pc:docChg chg="modSld">
-      <pc:chgData name="Dorothy Zou" userId="S::leying.zou@mail.mcgill.ca::be9b8a0b-4428-443d-8222-054332039245" providerId="AD" clId="Web-{EC15F2B0-BB50-4F83-A6E9-AFC514C3D85E}" dt="2021-02-17T16:59:20.437" v="11" actId="14100"/>
-      <pc:docMkLst>
-        <pc:docMk/>
-      </pc:docMkLst>
-      <pc:sldChg chg="addCm">
-        <pc:chgData name="Dorothy Zou" userId="S::leying.zou@mail.mcgill.ca::be9b8a0b-4428-443d-8222-054332039245" providerId="AD" clId="Web-{EC15F2B0-BB50-4F83-A6E9-AFC514C3D85E}" dt="2021-02-17T16:56:24.772" v="0"/>
-        <pc:sldMkLst>
-          <pc:docMk/>
-          <pc:sldMk cId="869470413" sldId="2432"/>
-        </pc:sldMkLst>
-      </pc:sldChg>
-      <pc:sldChg chg="addSp delSp modSp">
-        <pc:chgData name="Dorothy Zou" userId="S::leying.zou@mail.mcgill.ca::be9b8a0b-4428-443d-8222-054332039245" providerId="AD" clId="Web-{EC15F2B0-BB50-4F83-A6E9-AFC514C3D85E}" dt="2021-02-17T16:59:20.437" v="11" actId="14100"/>
-        <pc:sldMkLst>
-          <pc:docMk/>
-          <pc:sldMk cId="839779156" sldId="2450"/>
-        </pc:sldMkLst>
-        <pc:spChg chg="add del">
-          <ac:chgData name="Dorothy Zou" userId="S::leying.zou@mail.mcgill.ca::be9b8a0b-4428-443d-8222-054332039245" providerId="AD" clId="Web-{EC15F2B0-BB50-4F83-A6E9-AFC514C3D85E}" dt="2021-02-17T16:58:45.388" v="2"/>
-          <ac:spMkLst>
-            <pc:docMk/>
-            <pc:sldMk cId="839779156" sldId="2450"/>
-            <ac:spMk id="2" creationId="{5F9193F2-3C60-4D28-A7C2-A8D4EFCFDA1D}"/>
-          </ac:spMkLst>
-        </pc:spChg>
-        <pc:cxnChg chg="mod">
-          <ac:chgData name="Dorothy Zou" userId="S::leying.zou@mail.mcgill.ca::be9b8a0b-4428-443d-8222-054332039245" providerId="AD" clId="Web-{EC15F2B0-BB50-4F83-A6E9-AFC514C3D85E}" dt="2021-02-17T16:59:20.437" v="11" actId="14100"/>
-          <ac:cxnSpMkLst>
-            <pc:docMk/>
-            <pc:sldMk cId="839779156" sldId="2450"/>
-            <ac:cxnSpMk id="36" creationId="{45EA2359-7A67-4698-BC62-4B7A75ED95D5}"/>
-          </ac:cxnSpMkLst>
-        </pc:cxnChg>
       </pc:sldChg>
     </pc:docChg>
   </pc:docChgLst>
@@ -934,6 +935,38 @@
             <ac:graphicFrameMk id="6" creationId="{147F1A8A-2961-4139-9A6F-BC0E50583004}"/>
           </ac:graphicFrameMkLst>
         </pc:graphicFrameChg>
+      </pc:sldChg>
+    </pc:docChg>
+  </pc:docChgLst>
+  <pc:docChgLst>
+    <pc:chgData name="Steven Liang" userId="S::steven.liang@mail.mcgill.ca::168002cf-6359-4f16-8327-01cc5d5674d9" providerId="AD" clId="Web-{A688DEC6-8EBF-4B79-AA5A-6272EE40F55E}"/>
+    <pc:docChg chg="modSld">
+      <pc:chgData name="Steven Liang" userId="S::steven.liang@mail.mcgill.ca::168002cf-6359-4f16-8327-01cc5d5674d9" providerId="AD" clId="Web-{A688DEC6-8EBF-4B79-AA5A-6272EE40F55E}" dt="2021-02-18T16:41:57.875" v="39" actId="20577"/>
+      <pc:docMkLst>
+        <pc:docMk/>
+      </pc:docMkLst>
+      <pc:sldChg chg="modSp">
+        <pc:chgData name="Steven Liang" userId="S::steven.liang@mail.mcgill.ca::168002cf-6359-4f16-8327-01cc5d5674d9" providerId="AD" clId="Web-{A688DEC6-8EBF-4B79-AA5A-6272EE40F55E}" dt="2021-02-18T16:41:57.875" v="39" actId="20577"/>
+        <pc:sldMkLst>
+          <pc:docMk/>
+          <pc:sldMk cId="3927832306" sldId="2448"/>
+        </pc:sldMkLst>
+        <pc:spChg chg="mod">
+          <ac:chgData name="Steven Liang" userId="S::steven.liang@mail.mcgill.ca::168002cf-6359-4f16-8327-01cc5d5674d9" providerId="AD" clId="Web-{A688DEC6-8EBF-4B79-AA5A-6272EE40F55E}" dt="2021-02-18T16:41:57.875" v="39" actId="20577"/>
+          <ac:spMkLst>
+            <pc:docMk/>
+            <pc:sldMk cId="3927832306" sldId="2448"/>
+            <ac:spMk id="7" creationId="{5D865526-EC39-4780-A2A8-274A80A5C19B}"/>
+          </ac:spMkLst>
+        </pc:spChg>
+        <pc:spChg chg="mod">
+          <ac:chgData name="Steven Liang" userId="S::steven.liang@mail.mcgill.ca::168002cf-6359-4f16-8327-01cc5d5674d9" providerId="AD" clId="Web-{A688DEC6-8EBF-4B79-AA5A-6272EE40F55E}" dt="2021-02-18T16:41:51.109" v="26" actId="20577"/>
+          <ac:spMkLst>
+            <pc:docMk/>
+            <pc:sldMk cId="3927832306" sldId="2448"/>
+            <ac:spMk id="10" creationId="{38FC930C-FFA3-43EB-B2D2-C96E6E2E025A}"/>
+          </ac:spMkLst>
+        </pc:spChg>
       </pc:sldChg>
     </pc:docChg>
   </pc:docChgLst>
@@ -1097,7 +1130,7 @@
             </a:lvl1pPr>
           </a:lstStyle>
           <a:p>
-            <a:endParaRPr lang="en-US" dirty="0"/>
+            <a:endParaRPr lang="en-US"/>
           </a:p>
         </p:txBody>
       </p:sp>
@@ -1136,9 +1169,9 @@
           <a:p>
             <a:fld id="{966D5B4E-BF3E-3B45-A4BA-D6C3B92870D7}" type="datetimeFigureOut">
               <a:rPr lang="en-US" smtClean="0"/>
-              <a:t>2/16/2021</a:t>
+              <a:t>2/18/2021</a:t>
             </a:fld>
-            <a:endParaRPr lang="en-US" dirty="0"/>
+            <a:endParaRPr lang="en-US"/>
           </a:p>
         </p:txBody>
       </p:sp>
@@ -1175,7 +1208,7 @@
             </a:lvl1pPr>
           </a:lstStyle>
           <a:p>
-            <a:endParaRPr lang="en-US" dirty="0"/>
+            <a:endParaRPr lang="en-US"/>
           </a:p>
         </p:txBody>
       </p:sp>
@@ -1216,7 +1249,7 @@
               <a:rPr lang="en-US" smtClean="0"/>
               <a:t>‹#›</a:t>
             </a:fld>
-            <a:endParaRPr lang="en-US" dirty="0"/>
+            <a:endParaRPr lang="en-US"/>
           </a:p>
         </p:txBody>
       </p:sp>
@@ -1280,7 +1313,7 @@
             </a:lvl1pPr>
           </a:lstStyle>
           <a:p>
-            <a:endParaRPr lang="en-US" dirty="0"/>
+            <a:endParaRPr lang="en-US"/>
           </a:p>
         </p:txBody>
       </p:sp>
@@ -1313,9 +1346,9 @@
           <a:p>
             <a:fld id="{F5A8621B-8C8E-49BA-8772-41D0FE75A082}" type="datetimeFigureOut">
               <a:rPr lang="en-US" smtClean="0"/>
-              <a:t>2/16/2021</a:t>
+              <a:t>2/18/2021</a:t>
             </a:fld>
-            <a:endParaRPr lang="en-US" dirty="0"/>
+            <a:endParaRPr lang="en-US"/>
           </a:p>
         </p:txBody>
       </p:sp>
@@ -1348,7 +1381,7 @@
           <a:bodyPr vert="horz" lIns="91440" tIns="45720" rIns="91440" bIns="45720" rtlCol="0" anchor="ctr"/>
           <a:lstStyle/>
           <a:p>
-            <a:endParaRPr lang="en-US" dirty="0"/>
+            <a:endParaRPr lang="en-US"/>
           </a:p>
         </p:txBody>
       </p:sp>
@@ -1438,7 +1471,7 @@
             </a:lvl1pPr>
           </a:lstStyle>
           <a:p>
-            <a:endParaRPr lang="en-US" dirty="0"/>
+            <a:endParaRPr lang="en-US"/>
           </a:p>
         </p:txBody>
       </p:sp>
@@ -1473,7 +1506,7 @@
               <a:rPr lang="en-US" smtClean="0"/>
               <a:t>‹#›</a:t>
             </a:fld>
-            <a:endParaRPr lang="en-US" dirty="0"/>
+            <a:endParaRPr lang="en-US"/>
           </a:p>
         </p:txBody>
       </p:sp>
@@ -1624,7 +1657,7 @@
           <a:bodyPr/>
           <a:lstStyle/>
           <a:p>
-            <a:endParaRPr lang="en-CA" dirty="0"/>
+            <a:endParaRPr lang="en-CA"/>
           </a:p>
         </p:txBody>
       </p:sp>
@@ -1647,7 +1680,7 @@
               <a:rPr lang="en-US" smtClean="0"/>
               <a:t>1</a:t>
             </a:fld>
-            <a:endParaRPr lang="en-US" dirty="0"/>
+            <a:endParaRPr lang="en-US"/>
           </a:p>
         </p:txBody>
       </p:sp>
@@ -1726,13 +1759,13 @@
               <a:defRPr/>
             </a:pPr>
             <a:r>
-              <a:rPr lang="en-US" sz="1200" b="1" dirty="0">
+              <a:rPr lang="en-US" sz="1200" b="1">
                 <a:cs typeface="Biome Light" panose="020B0303030204020804" pitchFamily="34" charset="0"/>
               </a:rPr>
               <a:t>Cost of Attrition: </a:t>
             </a:r>
             <a:r>
-              <a:rPr lang="en-CA" b="1" i="0" dirty="0">
+              <a:rPr lang="en-CA" b="1" i="0">
                 <a:solidFill>
                   <a:srgbClr val="505056"/>
                 </a:solidFill>
@@ -1742,7 +1775,7 @@
               <a:t> </a:t>
             </a:r>
             <a:r>
-              <a:rPr lang="en-CA" b="0" i="0" dirty="0">
+              <a:rPr lang="en-CA" b="0" i="0">
                 <a:solidFill>
                   <a:srgbClr val="505056"/>
                 </a:solidFill>
@@ -1751,16 +1784,16 @@
               </a:rPr>
               <a:t>Cost of hiring, onboarding/training, Lost productivity, Disengagement in employees who see high turnover, Customer service &amp; errors to name a few.  Can cost as much as 2x and employee’s salary</a:t>
             </a:r>
-            <a:endParaRPr lang="en-US" sz="1200" dirty="0">
+            <a:endParaRPr lang="en-US" sz="1200">
               <a:cs typeface="Biome Light" panose="020B0303030204020804" pitchFamily="34" charset="0"/>
             </a:endParaRPr>
           </a:p>
           <a:p>
-            <a:endParaRPr lang="en-US" dirty="0"/>
+            <a:endParaRPr lang="en-US"/>
           </a:p>
           <a:p>
             <a:r>
-              <a:rPr lang="en-US" b="1" dirty="0"/>
+              <a:rPr lang="en-US" b="1"/>
               <a:t>Business Assumptions:</a:t>
             </a:r>
           </a:p>
@@ -1776,19 +1809,19 @@
               <a:buChar char="§"/>
             </a:pPr>
             <a:r>
-              <a:rPr lang="en-US" sz="1200" dirty="0">
+              <a:rPr lang="en-US" sz="1200">
                 <a:cs typeface="Biome Light" panose="020B0303030204020804" pitchFamily="34" charset="0"/>
               </a:rPr>
               <a:t>The dataset contain</a:t>
             </a:r>
             <a:r>
-              <a:rPr lang="en-US" dirty="0">
+              <a:rPr lang="en-US">
                 <a:cs typeface="Biome Light" panose="020B0303030204020804" pitchFamily="34" charset="0"/>
               </a:rPr>
               <a:t>s valid information to </a:t>
             </a:r>
             <a:r>
-              <a:rPr lang="en-US" sz="1200" dirty="0">
+              <a:rPr lang="en-US" sz="1200">
                 <a:cs typeface="Biome Light" panose="020B0303030204020804" pitchFamily="34" charset="0"/>
               </a:rPr>
               <a:t>create a prediction model to predict whether an employee is likely to leave a company</a:t>
@@ -1806,7 +1839,7 @@
               <a:buChar char="§"/>
             </a:pPr>
             <a:r>
-              <a:rPr lang="en-US" dirty="0">
+              <a:rPr lang="en-US">
                 <a:cs typeface="Biome Light" panose="020B0303030204020804" pitchFamily="34" charset="0"/>
               </a:rPr>
               <a:t>With sufficient predictive power and accuracy, we can utilize the tool to help businesses identify what features or determining factors lead to attrition</a:t>
@@ -1824,14 +1857,14 @@
               <a:buChar char="§"/>
             </a:pPr>
             <a:r>
-              <a:rPr lang="en-US" dirty="0">
+              <a:rPr lang="en-US">
                 <a:cs typeface="Biome Light" panose="020B0303030204020804" pitchFamily="34" charset="0"/>
               </a:rPr>
               <a:t>Vice-versa, we could also determine what factors can retain employees, enabling important costs savings for employers</a:t>
             </a:r>
           </a:p>
           <a:p>
-            <a:endParaRPr lang="en-US" dirty="0"/>
+            <a:endParaRPr lang="en-US"/>
           </a:p>
         </p:txBody>
       </p:sp>
@@ -1854,7 +1887,7 @@
               <a:rPr lang="en-US" smtClean="0"/>
               <a:t>3</a:t>
             </a:fld>
-            <a:endParaRPr lang="en-US" dirty="0"/>
+            <a:endParaRPr lang="en-US"/>
           </a:p>
         </p:txBody>
       </p:sp>
@@ -1915,7 +1948,7 @@
           <a:bodyPr/>
           <a:lstStyle/>
           <a:p>
-            <a:endParaRPr lang="en-CA" dirty="0"/>
+            <a:endParaRPr lang="en-CA"/>
           </a:p>
         </p:txBody>
       </p:sp>
@@ -1938,7 +1971,7 @@
               <a:rPr lang="en-US" smtClean="0"/>
               <a:t>4</a:t>
             </a:fld>
-            <a:endParaRPr lang="en-US" dirty="0"/>
+            <a:endParaRPr lang="en-US"/>
           </a:p>
         </p:txBody>
       </p:sp>
@@ -1999,7 +2032,7 @@
           <a:bodyPr/>
           <a:lstStyle/>
           <a:p>
-            <a:endParaRPr lang="en-CA" dirty="0"/>
+            <a:endParaRPr lang="en-CA"/>
           </a:p>
         </p:txBody>
       </p:sp>
@@ -2022,7 +2055,7 @@
               <a:rPr lang="en-US" smtClean="0"/>
               <a:t>5</a:t>
             </a:fld>
-            <a:endParaRPr lang="en-US" dirty="0"/>
+            <a:endParaRPr lang="en-US"/>
           </a:p>
         </p:txBody>
       </p:sp>
@@ -2083,7 +2116,7 @@
           <a:bodyPr/>
           <a:lstStyle/>
           <a:p>
-            <a:endParaRPr lang="en-US" dirty="0"/>
+            <a:endParaRPr lang="en-US"/>
           </a:p>
         </p:txBody>
       </p:sp>
@@ -2106,7 +2139,7 @@
               <a:rPr lang="en-US" smtClean="0"/>
               <a:t>7</a:t>
             </a:fld>
-            <a:endParaRPr lang="en-US" dirty="0"/>
+            <a:endParaRPr lang="en-US"/>
           </a:p>
         </p:txBody>
       </p:sp>
@@ -2167,7 +2200,7 @@
           <a:bodyPr/>
           <a:lstStyle/>
           <a:p>
-            <a:endParaRPr lang="en-US" dirty="0"/>
+            <a:endParaRPr lang="en-US"/>
           </a:p>
         </p:txBody>
       </p:sp>
@@ -2190,7 +2223,7 @@
               <a:rPr lang="en-US" smtClean="0"/>
               <a:t>8</a:t>
             </a:fld>
-            <a:endParaRPr lang="en-US" dirty="0"/>
+            <a:endParaRPr lang="en-US"/>
           </a:p>
         </p:txBody>
       </p:sp>
@@ -2411,18 +2444,18 @@
           <a:lstStyle/>
           <a:p>
             <a:r>
-              <a:rPr lang="en-US" dirty="0"/>
+              <a:rPr lang="en-US"/>
               <a:t>Ensemble model</a:t>
             </a:r>
             <a:r>
-              <a:rPr lang="en-CA" dirty="0"/>
+              <a:rPr lang="en-CA"/>
               <a:t> -&gt; unstructured data from social media, sentimental analysis</a:t>
             </a:r>
             <a:r>
-              <a:rPr lang="en-US" dirty="0"/>
+              <a:rPr lang="en-US"/>
               <a:t> &amp; other data can be explored to include</a:t>
             </a:r>
-            <a:endParaRPr lang="en-CA" dirty="0"/>
+            <a:endParaRPr lang="en-CA"/>
           </a:p>
         </p:txBody>
       </p:sp>
@@ -2445,7 +2478,7 @@
               <a:rPr lang="en-US" smtClean="0"/>
               <a:t>11</a:t>
             </a:fld>
-            <a:endParaRPr lang="en-US" dirty="0"/>
+            <a:endParaRPr lang="en-US"/>
           </a:p>
         </p:txBody>
       </p:sp>
@@ -2506,7 +2539,7 @@
           <a:bodyPr/>
           <a:lstStyle/>
           <a:p>
-            <a:endParaRPr lang="en-US" dirty="0"/>
+            <a:endParaRPr lang="en-US"/>
           </a:p>
         </p:txBody>
       </p:sp>
@@ -2529,7 +2562,7 @@
               <a:rPr lang="en-US" smtClean="0"/>
               <a:t>12</a:t>
             </a:fld>
-            <a:endParaRPr lang="en-US" dirty="0"/>
+            <a:endParaRPr lang="en-US"/>
           </a:p>
         </p:txBody>
       </p:sp>
@@ -2603,7 +2636,6 @@
               <a:rPr lang="en-US"/>
               <a:t>Click icon to add picture</a:t>
             </a:r>
-            <a:endParaRPr lang="en-US" dirty="0"/>
           </a:p>
         </p:txBody>
       </p:sp>
@@ -2708,7 +2740,7 @@
           </a:lstStyle>
           <a:p>
             <a:r>
-              <a:rPr lang="en-US" spc="300" dirty="0"/>
+              <a:rPr lang="en-US" spc="300"/>
               <a:t>ANNUAL REVIEW</a:t>
             </a:r>
           </a:p>
@@ -2753,7 +2785,7 @@
           </a:lstStyle>
           <a:p>
             <a:r>
-              <a:rPr lang="en-US" dirty="0"/>
+              <a:rPr lang="en-US"/>
               <a:t>Click to edit Master TEXT styles</a:t>
             </a:r>
           </a:p>
@@ -2825,7 +2857,6 @@
               <a:rPr lang="en-US"/>
               <a:t>Click icon to add picture</a:t>
             </a:r>
-            <a:endParaRPr lang="en-US" dirty="0"/>
           </a:p>
         </p:txBody>
       </p:sp>
@@ -2872,7 +2903,7 @@
               <a:rPr lang="en-US" smtClean="0"/>
               <a:t>‹#›</a:t>
             </a:fld>
-            <a:endParaRPr lang="en-US" dirty="0"/>
+            <a:endParaRPr lang="en-US"/>
           </a:p>
         </p:txBody>
       </p:sp>
@@ -2915,7 +2946,7 @@
               <a:buNone/>
             </a:pPr>
             <a:r>
-              <a:rPr lang="en-US" sz="1600" dirty="0">
+              <a:rPr lang="en-US" sz="1600">
                 <a:cs typeface="Biome Light" panose="020B0303030204020804" pitchFamily="34" charset="0"/>
               </a:rPr>
               <a:t>Click to edit master text style.</a:t>
@@ -2925,7 +2956,7 @@
             <a:pPr marL="0" indent="0">
               <a:buNone/>
             </a:pPr>
-            <a:endParaRPr lang="en-US" dirty="0"/>
+            <a:endParaRPr lang="en-US"/>
           </a:p>
         </p:txBody>
       </p:sp>
@@ -3057,7 +3088,7 @@
               <a:pPr/>
               <a:t>‹#›</a:t>
             </a:fld>
-            <a:endParaRPr lang="en-US" dirty="0"/>
+            <a:endParaRPr lang="en-US"/>
           </a:p>
         </p:txBody>
       </p:sp>
@@ -3107,7 +3138,6 @@
               <a:rPr lang="en-US"/>
               <a:t>Click to edit Master title style</a:t>
             </a:r>
-            <a:endParaRPr lang="en-US" dirty="0"/>
           </a:p>
         </p:txBody>
       </p:sp>
@@ -3177,7 +3207,7 @@
           <a:lstStyle/>
           <a:p>
             <a:pPr algn="ctr"/>
-            <a:endParaRPr lang="en-US" dirty="0"/>
+            <a:endParaRPr lang="en-US"/>
           </a:p>
         </p:txBody>
       </p:sp>
@@ -3251,7 +3281,6 @@
               <a:rPr lang="en-US"/>
               <a:t>Click icon to add picture</a:t>
             </a:r>
-            <a:endParaRPr lang="en-US" dirty="0"/>
           </a:p>
         </p:txBody>
       </p:sp>
@@ -3287,7 +3316,6 @@
               <a:rPr lang="en-US" sz="4000" spc="300"/>
               <a:t>Click to edit Master title style</a:t>
             </a:r>
-            <a:endParaRPr lang="en-US" sz="4000" spc="300" dirty="0"/>
           </a:p>
         </p:txBody>
       </p:sp>
@@ -3352,7 +3380,7 @@
           <a:p>
             <a:pPr lvl="0"/>
             <a:r>
-              <a:rPr lang="en-US" dirty="0"/>
+              <a:rPr lang="en-US"/>
               <a:t>CLICK TO EDIT MASTER TEXT STYLES</a:t>
             </a:r>
           </a:p>
@@ -3401,7 +3429,7 @@
           <a:p>
             <a:pPr lvl="0"/>
             <a:r>
-              <a:rPr lang="en-US" dirty="0"/>
+              <a:rPr lang="en-US"/>
               <a:t>CLICK TO EDIT</a:t>
             </a:r>
           </a:p>
@@ -3450,7 +3478,7 @@
           <a:p>
             <a:pPr lvl="0"/>
             <a:r>
-              <a:rPr lang="en-US" dirty="0"/>
+              <a:rPr lang="en-US"/>
               <a:t>click to edit</a:t>
             </a:r>
           </a:p>
@@ -3499,7 +3527,7 @@
           <a:p>
             <a:pPr lvl="0"/>
             <a:r>
-              <a:rPr lang="en-US" dirty="0"/>
+              <a:rPr lang="en-US"/>
               <a:t>click to edit</a:t>
             </a:r>
           </a:p>
@@ -3539,7 +3567,7 @@
           </a:lstStyle>
           <a:p>
             <a:r>
-              <a:rPr lang="en-US" dirty="0"/>
+              <a:rPr lang="en-US"/>
               <a:t>Icon</a:t>
             </a:r>
           </a:p>
@@ -3579,7 +3607,7 @@
           </a:lstStyle>
           <a:p>
             <a:r>
-              <a:rPr lang="en-US" dirty="0"/>
+              <a:rPr lang="en-US"/>
               <a:t>Icon</a:t>
             </a:r>
           </a:p>
@@ -3619,7 +3647,7 @@
           </a:lstStyle>
           <a:p>
             <a:r>
-              <a:rPr lang="en-US" dirty="0"/>
+              <a:rPr lang="en-US"/>
               <a:t>Icon</a:t>
             </a:r>
           </a:p>
@@ -3694,7 +3722,6 @@
               <a:rPr lang="en-US"/>
               <a:t>Click icon to add picture</a:t>
             </a:r>
-            <a:endParaRPr lang="en-US" dirty="0"/>
           </a:p>
         </p:txBody>
       </p:sp>
@@ -3737,7 +3764,7 @@
           </a:lstStyle>
           <a:p>
             <a:r>
-              <a:rPr lang="en-US" dirty="0"/>
+              <a:rPr lang="en-US"/>
               <a:t>Title</a:t>
             </a:r>
           </a:p>
@@ -3765,7 +3792,7 @@
           <a:lstStyle/>
           <a:p>
             <a:r>
-              <a:rPr lang="en-US" dirty="0"/>
+              <a:rPr lang="en-US"/>
               <a:t>Add a footer</a:t>
             </a:r>
           </a:p>
@@ -3796,7 +3823,7 @@
               <a:rPr lang="en-US" smtClean="0"/>
               <a:t>‹#›</a:t>
             </a:fld>
-            <a:endParaRPr lang="en-US" dirty="0"/>
+            <a:endParaRPr lang="en-US"/>
           </a:p>
         </p:txBody>
       </p:sp>
@@ -3835,7 +3862,7 @@
           <a:p>
             <a:pPr lvl="0"/>
             <a:r>
-              <a:rPr lang="en-US" dirty="0"/>
+              <a:rPr lang="en-US"/>
               <a:t>CLICK TO EDIT MASTER TEXT STYLES</a:t>
             </a:r>
           </a:p>
@@ -3909,7 +3936,7 @@
           <a:lstStyle/>
           <a:p>
             <a:pPr algn="ctr"/>
-            <a:endParaRPr lang="en-US" dirty="0"/>
+            <a:endParaRPr lang="en-US"/>
           </a:p>
         </p:txBody>
       </p:sp>
@@ -4027,7 +4054,7 @@
           <a:p>
             <a:pPr marL="0" lvl="0" algn="ctr"/>
             <a:r>
-              <a:rPr lang="en-US" dirty="0"/>
+              <a:rPr lang="en-US"/>
               <a:t>CLICK TO EDIT MASTER TEXT STYLES</a:t>
             </a:r>
           </a:p>
@@ -4069,7 +4096,6 @@
               <a:rPr lang="en-US"/>
               <a:t>Click icon to add picture</a:t>
             </a:r>
-            <a:endParaRPr lang="en-US" dirty="0"/>
           </a:p>
         </p:txBody>
       </p:sp>
@@ -4116,7 +4142,7 @@
               <a:rPr lang="en-US" smtClean="0"/>
               <a:t>‹#›</a:t>
             </a:fld>
-            <a:endParaRPr lang="en-US" dirty="0"/>
+            <a:endParaRPr lang="en-US"/>
           </a:p>
         </p:txBody>
       </p:sp>
@@ -4159,7 +4185,7 @@
               <a:buNone/>
             </a:pPr>
             <a:r>
-              <a:rPr lang="en-US" sz="1600" dirty="0">
+              <a:rPr lang="en-US" sz="1600">
                 <a:cs typeface="Biome Light" panose="020B0303030204020804" pitchFamily="34" charset="0"/>
               </a:rPr>
               <a:t>Click to edit master text style.</a:t>
@@ -4169,7 +4195,7 @@
             <a:pPr marL="0" indent="0">
               <a:buNone/>
             </a:pPr>
-            <a:endParaRPr lang="en-US" dirty="0"/>
+            <a:endParaRPr lang="en-US"/>
           </a:p>
         </p:txBody>
       </p:sp>
@@ -4301,7 +4327,7 @@
               <a:pPr/>
               <a:t>‹#›</a:t>
             </a:fld>
-            <a:endParaRPr lang="en-US" dirty="0"/>
+            <a:endParaRPr lang="en-US"/>
           </a:p>
         </p:txBody>
       </p:sp>
@@ -4351,7 +4377,6 @@
               <a:rPr lang="en-US"/>
               <a:t>Click to edit Master title style</a:t>
             </a:r>
-            <a:endParaRPr lang="en-US" dirty="0"/>
           </a:p>
         </p:txBody>
       </p:sp>
@@ -4495,7 +4520,6 @@
               <a:rPr lang="en-US"/>
               <a:t>Click icon to add picture</a:t>
             </a:r>
-            <a:endParaRPr lang="en-US" dirty="0"/>
           </a:p>
         </p:txBody>
       </p:sp>
@@ -4530,7 +4554,7 @@
           </a:lstStyle>
           <a:p>
             <a:r>
-              <a:rPr lang="en-US" dirty="0"/>
+              <a:rPr lang="en-US"/>
               <a:t>CLICK TO EDIT MASTER TITLE</a:t>
             </a:r>
           </a:p>
@@ -4676,7 +4700,7 @@
           <a:p>
             <a:pPr lvl="0"/>
             <a:r>
-              <a:rPr lang="en-US" dirty="0"/>
+              <a:rPr lang="en-US"/>
               <a:t>EDIT MASTER TEXT STYLES</a:t>
             </a:r>
           </a:p>
@@ -4704,7 +4728,7 @@
           <a:lstStyle/>
           <a:p>
             <a:r>
-              <a:rPr lang="en-US" dirty="0"/>
+              <a:rPr lang="en-US"/>
               <a:t>Add a footer</a:t>
             </a:r>
           </a:p>
@@ -4735,7 +4759,7 @@
               <a:rPr lang="en-US" smtClean="0"/>
               <a:t>‹#›</a:t>
             </a:fld>
-            <a:endParaRPr lang="en-US" dirty="0"/>
+            <a:endParaRPr lang="en-US"/>
           </a:p>
         </p:txBody>
       </p:sp>
@@ -4802,7 +4826,7 @@
           </a:lstStyle>
           <a:p>
             <a:r>
-              <a:rPr lang="en-US" dirty="0"/>
+              <a:rPr lang="en-US"/>
               <a:t>SLIDE TITLE HERE</a:t>
             </a:r>
           </a:p>
@@ -4915,7 +4939,6 @@
               <a:rPr lang="en-US"/>
               <a:t>Fifth level</a:t>
             </a:r>
-            <a:endParaRPr lang="en-US" dirty="0"/>
           </a:p>
         </p:txBody>
       </p:sp>
@@ -4964,7 +4987,7 @@
               <a:rPr lang="en-US" smtClean="0"/>
               <a:t>‹#›</a:t>
             </a:fld>
-            <a:endParaRPr lang="en-US" dirty="0"/>
+            <a:endParaRPr lang="en-US"/>
           </a:p>
         </p:txBody>
       </p:sp>
@@ -5000,7 +5023,6 @@
               <a:rPr lang="en-US"/>
               <a:t>Click icon to add picture</a:t>
             </a:r>
-            <a:endParaRPr lang="en-US" dirty="0"/>
           </a:p>
         </p:txBody>
       </p:sp>
@@ -5036,7 +5058,6 @@
               <a:rPr lang="en-US"/>
               <a:t>Click icon to add picture</a:t>
             </a:r>
-            <a:endParaRPr lang="en-US" dirty="0"/>
           </a:p>
         </p:txBody>
       </p:sp>
@@ -5072,7 +5093,6 @@
               <a:rPr lang="en-US"/>
               <a:t>Click icon to add picture</a:t>
             </a:r>
-            <a:endParaRPr lang="en-US" dirty="0"/>
           </a:p>
         </p:txBody>
       </p:sp>
@@ -5108,7 +5128,6 @@
               <a:rPr lang="en-US"/>
               <a:t>Click icon to add picture</a:t>
             </a:r>
-            <a:endParaRPr lang="en-US" dirty="0"/>
           </a:p>
         </p:txBody>
       </p:sp>
@@ -5144,7 +5163,6 @@
               <a:rPr lang="en-US"/>
               <a:t>Click icon to add picture</a:t>
             </a:r>
-            <a:endParaRPr lang="en-US" dirty="0"/>
           </a:p>
         </p:txBody>
       </p:sp>
@@ -5180,7 +5198,6 @@
               <a:rPr lang="en-US"/>
               <a:t>Click icon to add picture</a:t>
             </a:r>
-            <a:endParaRPr lang="en-US" dirty="0"/>
           </a:p>
         </p:txBody>
       </p:sp>
@@ -5252,7 +5269,7 @@
           <a:lstStyle/>
           <a:p>
             <a:pPr algn="ctr"/>
-            <a:endParaRPr lang="en-US" dirty="0"/>
+            <a:endParaRPr lang="en-US"/>
           </a:p>
         </p:txBody>
       </p:sp>
@@ -5338,7 +5355,6 @@
               <a:rPr lang="en-US"/>
               <a:t>Click to edit Master title style</a:t>
             </a:r>
-            <a:endParaRPr lang="en-US" dirty="0"/>
           </a:p>
         </p:txBody>
       </p:sp>
@@ -5364,7 +5380,7 @@
           <a:lstStyle/>
           <a:p>
             <a:r>
-              <a:rPr lang="en-US" dirty="0"/>
+              <a:rPr lang="en-US"/>
               <a:t>Add a footer</a:t>
             </a:r>
           </a:p>
@@ -5395,7 +5411,7 @@
               <a:rPr lang="en-US" smtClean="0"/>
               <a:t>‹#›</a:t>
             </a:fld>
-            <a:endParaRPr lang="en-US" dirty="0"/>
+            <a:endParaRPr lang="en-US"/>
           </a:p>
         </p:txBody>
       </p:sp>
@@ -5469,7 +5485,6 @@
               <a:rPr lang="en-US"/>
               <a:t>Click icon to add picture</a:t>
             </a:r>
-            <a:endParaRPr lang="en-US" dirty="0"/>
           </a:p>
         </p:txBody>
       </p:sp>
@@ -5529,7 +5544,6 @@
               <a:rPr lang="en-US"/>
               <a:t>Click to edit Master title style</a:t>
             </a:r>
-            <a:endParaRPr lang="en-US" dirty="0"/>
           </a:p>
         </p:txBody>
       </p:sp>
@@ -5568,7 +5582,7 @@
           <a:p>
             <a:pPr lvl="0"/>
             <a:r>
-              <a:rPr lang="en-US" dirty="0"/>
+              <a:rPr lang="en-US"/>
               <a:t>CLICK TO EDIT MASTER TEXT STYLES</a:t>
             </a:r>
           </a:p>
@@ -5637,7 +5651,6 @@
               <a:rPr lang="en-US" sz="4800"/>
               <a:t>Click to edit Master title style</a:t>
             </a:r>
-            <a:endParaRPr lang="en-US" sz="4800" dirty="0"/>
           </a:p>
         </p:txBody>
       </p:sp>
@@ -5673,7 +5686,6 @@
               <a:rPr lang="en-US"/>
               <a:t>Click icon to add picture</a:t>
             </a:r>
-            <a:endParaRPr lang="en-US" dirty="0"/>
           </a:p>
         </p:txBody>
       </p:sp>
@@ -5709,7 +5721,6 @@
               <a:rPr lang="en-US"/>
               <a:t>Click icon to add picture</a:t>
             </a:r>
-            <a:endParaRPr lang="en-US" dirty="0"/>
           </a:p>
         </p:txBody>
       </p:sp>
@@ -5927,7 +5938,7 @@
               <a:rPr lang="en-US" smtClean="0"/>
               <a:t>‹#›</a:t>
             </a:fld>
-            <a:endParaRPr lang="en-US" dirty="0"/>
+            <a:endParaRPr lang="en-US"/>
           </a:p>
         </p:txBody>
       </p:sp>
@@ -5994,7 +6005,6 @@
               <a:rPr lang="en-US" sz="4800"/>
               <a:t>Click to edit Master title style</a:t>
             </a:r>
-            <a:endParaRPr lang="en-US" sz="4800" dirty="0"/>
           </a:p>
         </p:txBody>
       </p:sp>
@@ -6054,35 +6064,35 @@
           <a:p>
             <a:pPr lvl="0"/>
             <a:r>
-              <a:rPr lang="en-US" dirty="0"/>
+              <a:rPr lang="en-US"/>
               <a:t>CLICK TO EDIT MASTER TEXT STYLES</a:t>
             </a:r>
           </a:p>
           <a:p>
             <a:pPr lvl="1"/>
             <a:r>
-              <a:rPr lang="en-US" dirty="0"/>
+              <a:rPr lang="en-US"/>
               <a:t>Second level</a:t>
             </a:r>
           </a:p>
           <a:p>
             <a:pPr lvl="2"/>
             <a:r>
-              <a:rPr lang="en-US" dirty="0"/>
+              <a:rPr lang="en-US"/>
               <a:t>Third level</a:t>
             </a:r>
           </a:p>
           <a:p>
             <a:pPr lvl="3"/>
             <a:r>
-              <a:rPr lang="en-US" dirty="0"/>
+              <a:rPr lang="en-US"/>
               <a:t>Fourth level</a:t>
             </a:r>
           </a:p>
           <a:p>
             <a:pPr lvl="4"/>
             <a:r>
-              <a:rPr lang="en-US" dirty="0"/>
+              <a:rPr lang="en-US"/>
               <a:t>Fifth level</a:t>
             </a:r>
           </a:p>
@@ -6120,7 +6130,6 @@
               <a:rPr lang="en-US"/>
               <a:t>Click icon to add picture</a:t>
             </a:r>
-            <a:endParaRPr lang="en-US" dirty="0"/>
           </a:p>
         </p:txBody>
       </p:sp>
@@ -6156,7 +6165,6 @@
               <a:rPr lang="en-US"/>
               <a:t>Click icon to add picture</a:t>
             </a:r>
-            <a:endParaRPr lang="en-US" dirty="0"/>
           </a:p>
         </p:txBody>
       </p:sp>
@@ -6192,7 +6200,6 @@
               <a:rPr lang="en-US"/>
               <a:t>Click icon to add picture</a:t>
             </a:r>
-            <a:endParaRPr lang="en-US" dirty="0"/>
           </a:p>
         </p:txBody>
       </p:sp>
@@ -6252,35 +6259,35 @@
           <a:p>
             <a:pPr lvl="0"/>
             <a:r>
-              <a:rPr lang="en-US" dirty="0"/>
+              <a:rPr lang="en-US"/>
               <a:t>CLICK TO EDIT MASTER TEXT STYLES</a:t>
             </a:r>
           </a:p>
           <a:p>
             <a:pPr lvl="1"/>
             <a:r>
-              <a:rPr lang="en-US" dirty="0"/>
+              <a:rPr lang="en-US"/>
               <a:t>Second level</a:t>
             </a:r>
           </a:p>
           <a:p>
             <a:pPr lvl="2"/>
             <a:r>
-              <a:rPr lang="en-US" dirty="0"/>
+              <a:rPr lang="en-US"/>
               <a:t>Third level</a:t>
             </a:r>
           </a:p>
           <a:p>
             <a:pPr lvl="3"/>
             <a:r>
-              <a:rPr lang="en-US" dirty="0"/>
+              <a:rPr lang="en-US"/>
               <a:t>Fourth level</a:t>
             </a:r>
           </a:p>
           <a:p>
             <a:pPr lvl="4"/>
             <a:r>
-              <a:rPr lang="en-US" dirty="0"/>
+              <a:rPr lang="en-US"/>
               <a:t>Fifth level</a:t>
             </a:r>
           </a:p>
@@ -6342,35 +6349,35 @@
           <a:p>
             <a:pPr lvl="0"/>
             <a:r>
-              <a:rPr lang="en-US" dirty="0"/>
+              <a:rPr lang="en-US"/>
               <a:t>CLICK TO EDIT MASTER TEXT STYLES</a:t>
             </a:r>
           </a:p>
           <a:p>
             <a:pPr lvl="1"/>
             <a:r>
-              <a:rPr lang="en-US" dirty="0"/>
+              <a:rPr lang="en-US"/>
               <a:t>Second level</a:t>
             </a:r>
           </a:p>
           <a:p>
             <a:pPr lvl="2"/>
             <a:r>
-              <a:rPr lang="en-US" dirty="0"/>
+              <a:rPr lang="en-US"/>
               <a:t>Third level</a:t>
             </a:r>
           </a:p>
           <a:p>
             <a:pPr lvl="3"/>
             <a:r>
-              <a:rPr lang="en-US" dirty="0"/>
+              <a:rPr lang="en-US"/>
               <a:t>Fourth level</a:t>
             </a:r>
           </a:p>
           <a:p>
             <a:pPr lvl="4"/>
             <a:r>
-              <a:rPr lang="en-US" dirty="0"/>
+              <a:rPr lang="en-US"/>
               <a:t>Fifth level</a:t>
             </a:r>
           </a:p>
@@ -6408,7 +6415,7 @@
               <a:rPr lang="en-US" smtClean="0"/>
               <a:t>‹#›</a:t>
             </a:fld>
-            <a:endParaRPr lang="en-US" dirty="0"/>
+            <a:endParaRPr lang="en-US"/>
           </a:p>
         </p:txBody>
       </p:sp>
@@ -6482,7 +6489,6 @@
               <a:rPr lang="en-US"/>
               <a:t>Click to edit Master title style</a:t>
             </a:r>
-            <a:endParaRPr lang="en-US" dirty="0"/>
           </a:p>
         </p:txBody>
       </p:sp>
@@ -6550,7 +6556,6 @@
               <a:rPr lang="en-US"/>
               <a:t>Fifth level</a:t>
             </a:r>
-            <a:endParaRPr lang="en-US" dirty="0"/>
           </a:p>
         </p:txBody>
       </p:sp>
@@ -6594,7 +6599,7 @@
           </a:lstStyle>
           <a:p>
             <a:r>
-              <a:rPr lang="en-US" dirty="0"/>
+              <a:rPr lang="en-US"/>
               <a:t>Add a footer</a:t>
             </a:r>
           </a:p>
@@ -6643,7 +6648,7 @@
               <a:rPr lang="en-US" smtClean="0"/>
               <a:t>‹#›</a:t>
             </a:fld>
-            <a:endParaRPr lang="en-US" dirty="0"/>
+            <a:endParaRPr lang="en-US"/>
           </a:p>
         </p:txBody>
       </p:sp>
@@ -7050,14 +7055,9 @@
               </a:lnSpc>
             </a:pPr>
             <a:r>
-              <a:rPr lang="en-US" dirty="0"/>
-              <a:t>Predicting Employee attrition</a:t>
+              <a:rPr lang="en-US"/>
+              <a:t>Predicting Employee attrition </a:t>
             </a:r>
-            <a:r>
-              <a:rPr lang="en-US"/>
-              <a:t> </a:t>
-            </a:r>
-            <a:endParaRPr lang="en-US" dirty="0"/>
           </a:p>
         </p:txBody>
       </p:sp>
@@ -7088,7 +7088,7 @@
           <a:lstStyle/>
           <a:p>
             <a:r>
-              <a:rPr lang="en-US" dirty="0"/>
+              <a:rPr lang="en-US"/>
               <a:t>02.18.2021</a:t>
             </a:r>
           </a:p>
@@ -7117,12 +7117,14 @@
           </a:xfrm>
         </p:spPr>
         <p:txBody>
-          <a:bodyPr/>
+          <a:bodyPr vert="horz" lIns="91440" tIns="45720" rIns="91440" bIns="45720" rtlCol="0" anchor="t">
+            <a:noAutofit/>
+          </a:bodyPr>
           <a:lstStyle/>
           <a:p>
             <a:r>
-              <a:rPr lang="en-US" dirty="0"/>
-              <a:t>HR Analytics</a:t>
+              <a:rPr lang="en-US"/>
+              <a:t>Team &amp; Repository : HR Analytics</a:t>
             </a:r>
           </a:p>
         </p:txBody>
@@ -7150,7 +7152,7 @@
           <a:noFill/>
         </p:spPr>
         <p:txBody>
-          <a:bodyPr wrap="square">
+          <a:bodyPr wrap="square" lIns="91440" tIns="45720" rIns="91440" bIns="45720" anchor="t">
             <a:spAutoFit/>
           </a:bodyPr>
           <a:lstStyle/>
@@ -7175,6 +7177,12 @@
               </a:rPr>
               <a:t>Enterprise Data Science &amp; Machine Learning in Production I</a:t>
             </a:r>
+            <a:endParaRPr lang="en-CA" sz="1800">
+              <a:solidFill>
+                <a:srgbClr val="FFFFFF"/>
+              </a:solidFill>
+              <a:cs typeface="Calibri"/>
+            </a:endParaRPr>
           </a:p>
           <a:p>
             <a:pPr algn="ctr">
@@ -7188,83 +7196,103 @@
             <a:endParaRPr lang="en-US"/>
           </a:p>
           <a:p>
-            <a:pPr algn="ctr">
-              <a:lnSpc>
-                <a:spcPct val="100000"/>
-              </a:lnSpc>
-              <a:spcBef>
-                <a:spcPts val="0"/>
-              </a:spcBef>
-            </a:pPr>
-            <a:r>
-              <a:rPr lang="en-US" err="1"/>
-              <a:t>Mounira</a:t>
-            </a:r>
+            <a:pPr algn="ctr"/>
             <a:r>
               <a:rPr lang="en-US"/>
-              <a:t> </a:t>
+              <a:t>Mounira </a:t>
             </a:r>
             <a:r>
               <a:rPr lang="en-US" err="1"/>
               <a:t>Djebri</a:t>
             </a:r>
+            <a:r>
+              <a:rPr lang="en-US"/>
+              <a:t> : </a:t>
+            </a:r>
+            <a:r>
+              <a:rPr lang="en-US" err="1">
+                <a:ea typeface="+mn-lt"/>
+                <a:cs typeface="+mn-lt"/>
+              </a:rPr>
+              <a:t>DMo</a:t>
+            </a:r>
+            <a:r>
+              <a:rPr lang="en-US">
+                <a:ea typeface="+mn-lt"/>
+                <a:cs typeface="+mn-lt"/>
+              </a:rPr>
+              <a:t>-on</a:t>
+            </a:r>
             <a:endParaRPr lang="en-US"/>
           </a:p>
           <a:p>
-            <a:pPr algn="ctr">
-              <a:lnSpc>
-                <a:spcPct val="100000"/>
-              </a:lnSpc>
-              <a:spcBef>
-                <a:spcPts val="0"/>
-              </a:spcBef>
-            </a:pPr>
+            <a:pPr algn="ctr"/>
             <a:r>
               <a:rPr lang="en-US"/>
-              <a:t>Jake Hogan</a:t>
+              <a:t>Jake Hogan : </a:t>
             </a:r>
+            <a:r>
+              <a:rPr lang="en-US">
+                <a:ea typeface="+mn-lt"/>
+                <a:cs typeface="+mn-lt"/>
+              </a:rPr>
+              <a:t>hoganj15</a:t>
+            </a:r>
+            <a:endParaRPr lang="en-US">
+              <a:cs typeface="Calibri"/>
+            </a:endParaRPr>
           </a:p>
           <a:p>
-            <a:pPr algn="ctr">
-              <a:lnSpc>
-                <a:spcPct val="100000"/>
-              </a:lnSpc>
-              <a:spcBef>
-                <a:spcPts val="0"/>
-              </a:spcBef>
-            </a:pPr>
+            <a:pPr algn="ctr"/>
             <a:r>
               <a:rPr lang="en-US"/>
-              <a:t>Steven Liang</a:t>
+              <a:t>Steven Liang : </a:t>
             </a:r>
+            <a:r>
+              <a:rPr lang="en-US" err="1">
+                <a:ea typeface="+mn-lt"/>
+                <a:cs typeface="+mn-lt"/>
+              </a:rPr>
+              <a:t>StevenYML</a:t>
+            </a:r>
+            <a:endParaRPr lang="en-US" err="1">
+              <a:cs typeface="Calibri"/>
+            </a:endParaRPr>
           </a:p>
           <a:p>
-            <a:pPr algn="ctr">
-              <a:lnSpc>
-                <a:spcPct val="100000"/>
-              </a:lnSpc>
-              <a:spcBef>
-                <a:spcPts val="0"/>
-              </a:spcBef>
-            </a:pPr>
+            <a:pPr algn="ctr"/>
             <a:r>
               <a:rPr lang="en-US"/>
-              <a:t>Charles Tat</a:t>
+              <a:t>Charles Tat : </a:t>
             </a:r>
+            <a:r>
+              <a:rPr lang="en-US">
+                <a:ea typeface="+mn-lt"/>
+                <a:cs typeface="+mn-lt"/>
+              </a:rPr>
+              <a:t>ct003</a:t>
+            </a:r>
+            <a:endParaRPr lang="en-US">
+              <a:cs typeface="Calibri"/>
+            </a:endParaRPr>
           </a:p>
           <a:p>
-            <a:pPr algn="ctr">
-              <a:lnSpc>
-                <a:spcPct val="100000"/>
-              </a:lnSpc>
-              <a:spcBef>
-                <a:spcPts val="0"/>
-              </a:spcBef>
-            </a:pPr>
+            <a:pPr algn="ctr"/>
             <a:r>
               <a:rPr lang="en-US"/>
-              <a:t>Dorothy Zou</a:t>
+              <a:t>Dorothy Zou : </a:t>
             </a:r>
+            <a:r>
+              <a:rPr lang="en-US" err="1">
+                <a:ea typeface="+mn-lt"/>
+                <a:cs typeface="+mn-lt"/>
+              </a:rPr>
+              <a:t>DorothyZou</a:t>
+            </a:r>
+            <a:endParaRPr lang="en-US">
+              <a:ea typeface="+mn-lt"/>
+              <a:cs typeface="+mn-lt"/>
+            </a:endParaRPr>
           </a:p>
           <a:p>
             <a:pPr algn="ctr"/>
@@ -7331,7 +7359,7 @@
           <a:p>
             <a:pPr algn="ctr"/>
             <a:r>
-              <a:rPr lang="en-US" sz="4800" spc="300" dirty="0"/>
+              <a:rPr lang="en-US" sz="4800" spc="300"/>
               <a:t>Learned Lessons</a:t>
             </a:r>
           </a:p>
@@ -7490,7 +7518,7 @@
               <a:defRPr/>
             </a:pPr>
             <a:r>
-              <a:rPr lang="en-US" spc="300" dirty="0"/>
+              <a:rPr lang="en-US" spc="300"/>
               <a:t>EFFICIENCY</a:t>
             </a:r>
             <a:r>
@@ -7514,7 +7542,7 @@
               <a:t>          </a:t>
             </a:r>
             <a:r>
-              <a:rPr lang="en-US" spc="300" dirty="0"/>
+              <a:rPr lang="en-US" spc="300"/>
               <a:t>&amp; EFFICACY</a:t>
             </a:r>
             <a:endParaRPr lang="en-US" spc="300">
@@ -7532,11 +7560,7 @@
             </a:pPr>
             <a:r>
               <a:rPr lang="en-US" sz="1400" spc="0"/>
-              <a:t>Similar model performance</a:t>
-            </a:r>
-            <a:r>
-              <a:rPr lang="en-US" sz="1400" spc="0" dirty="0"/>
-              <a:t> between selected SOTA models</a:t>
+              <a:t>Similar model performance between selected SOTA models</a:t>
             </a:r>
             <a:endParaRPr lang="en-US" sz="1400" spc="0">
               <a:cs typeface="Calibri"/>
@@ -7552,12 +7576,8 @@
               <a:defRPr/>
             </a:pPr>
             <a:r>
-              <a:rPr lang="en-US" sz="1400" spc="0" dirty="0"/>
-              <a:t>Opportunity to select </a:t>
-            </a:r>
-            <a:r>
               <a:rPr lang="en-US" sz="1400" spc="0"/>
-              <a:t>few features to achieve similar performance while saving computational resources</a:t>
+              <a:t>Opportunity to select few features to achieve similar performance while saving computational resources</a:t>
             </a:r>
             <a:endParaRPr lang="en-US" sz="1400" spc="0">
               <a:cs typeface="Calibri"/>
@@ -7572,7 +7592,7 @@
               <a:buChar char="§"/>
               <a:defRPr/>
             </a:pPr>
-            <a:endParaRPr lang="en-US" sz="1400" spc="0" dirty="0"/>
+            <a:endParaRPr lang="en-US" sz="1400" spc="0"/>
           </a:p>
           <a:p>
             <a:pPr marL="0" indent="0">
@@ -7585,10 +7605,10 @@
               <a:buNone/>
               <a:defRPr/>
             </a:pPr>
-            <a:endParaRPr lang="en-US" spc="300" dirty="0"/>
+            <a:endParaRPr lang="en-US" spc="300"/>
           </a:p>
           <a:p>
-            <a:endParaRPr lang="en-US" dirty="0"/>
+            <a:endParaRPr lang="en-US"/>
           </a:p>
         </p:txBody>
       </p:sp>
@@ -7795,7 +7815,7 @@
               <a:defRPr/>
             </a:pPr>
             <a:r>
-              <a:rPr lang="en-US" sz="2400" spc="300" dirty="0"/>
+              <a:rPr lang="en-US" sz="2400" spc="300"/>
               <a:t>PRODUCT</a:t>
             </a:r>
           </a:p>
@@ -7814,7 +7834,6 @@
               <a:rPr lang="en-US" sz="2400" spc="300"/>
               <a:t>           OVERVIEW</a:t>
             </a:r>
-            <a:endParaRPr lang="en-US" sz="2400" spc="300" dirty="0"/>
           </a:p>
           <a:p>
             <a:pPr>
@@ -7827,39 +7846,7 @@
             </a:pPr>
             <a:r>
               <a:rPr lang="en-US" sz="1400"/>
-              <a:t>High </a:t>
-            </a:r>
-            <a:r>
-              <a:rPr lang="en-US" sz="1400" dirty="0"/>
-              <a:t>Product Owner </a:t>
-            </a:r>
-            <a:r>
-              <a:rPr lang="en-US" sz="1400"/>
-              <a:t>involvement </a:t>
-            </a:r>
-            <a:r>
-              <a:rPr lang="en-US" sz="1400" dirty="0"/>
-              <a:t>and direction </a:t>
-            </a:r>
-            <a:r>
-              <a:rPr lang="en-US" sz="1400"/>
-              <a:t>to ensure </a:t>
-            </a:r>
-            <a:r>
-              <a:rPr lang="en-US" sz="1400" dirty="0"/>
-              <a:t>scope </a:t>
-            </a:r>
-            <a:r>
-              <a:rPr lang="en-US" sz="1400"/>
-              <a:t>and business </a:t>
-            </a:r>
-            <a:r>
-              <a:rPr lang="en-US" sz="1400" dirty="0"/>
-              <a:t>alignment</a:t>
-            </a:r>
-            <a:r>
-              <a:rPr lang="en-US" sz="1400"/>
-              <a:t> </a:t>
+              <a:t>High Product Owner involvement and direction to ensure scope and business alignment </a:t>
             </a:r>
             <a:endParaRPr lang="en-US" sz="1400">
               <a:cs typeface="Calibri"/>
@@ -8152,10 +8139,10 @@
               <a:defRPr/>
             </a:pPr>
             <a:r>
-              <a:rPr lang="en-US" sz="2400" spc="300" dirty="0"/>
+              <a:rPr lang="en-US" sz="2400" spc="300"/>
               <a:t>ORGANIZED CODING PRACTICES</a:t>
             </a:r>
-            <a:endParaRPr lang="en-US" dirty="0">
+            <a:endParaRPr lang="en-US">
               <a:cs typeface="Calibri" panose="020F0502020204030204"/>
             </a:endParaRPr>
           </a:p>
@@ -8169,10 +8156,10 @@
               <a:defRPr/>
             </a:pPr>
             <a:r>
-              <a:rPr lang="en-US" sz="1400" dirty="0"/>
+              <a:rPr lang="en-US" sz="1400"/>
               <a:t>Effective code organization and annotation beneficial for clarity of presenting results</a:t>
             </a:r>
-            <a:endParaRPr lang="en-US" sz="1400" dirty="0">
+            <a:endParaRPr lang="en-US" sz="1400">
               <a:cs typeface="Calibri"/>
             </a:endParaRPr>
           </a:p>
@@ -8186,10 +8173,10 @@
               <a:defRPr/>
             </a:pPr>
             <a:r>
-              <a:rPr lang="en-US" sz="1400" dirty="0"/>
+              <a:rPr lang="en-US" sz="1400"/>
               <a:t>Catered for reading/writing audience</a:t>
             </a:r>
-            <a:endParaRPr lang="en-US" sz="1400" dirty="0">
+            <a:endParaRPr lang="en-US" sz="1400">
               <a:cs typeface="Calibri"/>
             </a:endParaRPr>
           </a:p>
@@ -8220,7 +8207,7 @@
               <a:rPr lang="en-US" smtClean="0"/>
               <a:t>10</a:t>
             </a:fld>
-            <a:endParaRPr lang="en-US" dirty="0"/>
+            <a:endParaRPr lang="en-US"/>
           </a:p>
         </p:txBody>
       </p:sp>
@@ -8353,7 +8340,7 @@
               <a:rPr lang="en-US" smtClean="0"/>
               <a:t>11</a:t>
             </a:fld>
-            <a:endParaRPr lang="en-US" dirty="0"/>
+            <a:endParaRPr lang="en-US"/>
           </a:p>
         </p:txBody>
       </p:sp>
@@ -9265,7 +9252,7 @@
           <a:lstStyle/>
           <a:p>
             <a:r>
-              <a:rPr lang="en-US" dirty="0"/>
+              <a:rPr lang="en-US"/>
               <a:t>C o n c l u s I o n</a:t>
             </a:r>
           </a:p>
@@ -9768,7 +9755,7 @@
             </a:endParaRPr>
           </a:p>
           <a:p>
-            <a:endParaRPr lang="en-US" b="1" dirty="0"/>
+            <a:endParaRPr lang="en-US" b="1"/>
           </a:p>
         </p:txBody>
       </p:sp>
@@ -9797,7 +9784,7 @@
               <a:rPr lang="en-US" smtClean="0"/>
               <a:t>12</a:t>
             </a:fld>
-            <a:endParaRPr lang="en-US" dirty="0"/>
+            <a:endParaRPr lang="en-US"/>
           </a:p>
         </p:txBody>
       </p:sp>
@@ -9911,7 +9898,7 @@
           <a:lstStyle/>
           <a:p>
             <a:r>
-              <a:rPr lang="en-US" sz="4000" spc="300" dirty="0"/>
+              <a:rPr lang="en-US" sz="4000" spc="300"/>
               <a:t>THANK YOU</a:t>
             </a:r>
           </a:p>
@@ -9990,14 +9977,14 @@
               <a:t>Mounira</a:t>
             </a:r>
             <a:r>
-              <a:rPr lang="en-US" dirty="0"/>
+              <a:rPr lang="en-US"/>
               <a:t> </a:t>
             </a:r>
             <a:r>
               <a:rPr lang="en-US" err="1"/>
               <a:t>Djebri</a:t>
             </a:r>
-            <a:endParaRPr lang="en-US" dirty="0"/>
+            <a:endParaRPr lang="en-US"/>
           </a:p>
           <a:p>
             <a:pPr>
@@ -10009,7 +9996,7 @@
               </a:spcBef>
             </a:pPr>
             <a:r>
-              <a:rPr lang="en-US" dirty="0"/>
+              <a:rPr lang="en-US"/>
               <a:t>Jake Hogan</a:t>
             </a:r>
           </a:p>
@@ -10023,7 +10010,7 @@
               </a:spcBef>
             </a:pPr>
             <a:r>
-              <a:rPr lang="en-US" dirty="0"/>
+              <a:rPr lang="en-US"/>
               <a:t>Steven Liang</a:t>
             </a:r>
           </a:p>
@@ -10037,7 +10024,7 @@
               </a:spcBef>
             </a:pPr>
             <a:r>
-              <a:rPr lang="en-US" dirty="0"/>
+              <a:rPr lang="en-US"/>
               <a:t>Charles Tat</a:t>
             </a:r>
           </a:p>
@@ -10051,7 +10038,7 @@
               </a:spcBef>
             </a:pPr>
             <a:r>
-              <a:rPr lang="en-US" dirty="0"/>
+              <a:rPr lang="en-US"/>
               <a:t>Dorothy Zou</a:t>
             </a:r>
           </a:p>
@@ -10084,7 +10071,7 @@
           <a:lstStyle/>
           <a:p>
             <a:r>
-              <a:rPr lang="en-US" dirty="0"/>
+              <a:rPr lang="en-US"/>
               <a:t> </a:t>
             </a:r>
           </a:p>
@@ -10142,7 +10129,7 @@
           <a:lstStyle/>
           <a:p>
             <a:r>
-              <a:rPr lang="en-US" dirty="0"/>
+              <a:rPr lang="en-US"/>
               <a:t>Agenda</a:t>
             </a:r>
           </a:p>
@@ -10210,19 +10197,19 @@
           <a:lstStyle/>
           <a:p>
             <a:r>
-              <a:rPr lang="en-US" dirty="0"/>
+              <a:rPr lang="en-US"/>
               <a:t>CONTEXT</a:t>
             </a:r>
           </a:p>
           <a:p>
             <a:r>
-              <a:rPr lang="en-US" dirty="0"/>
+              <a:rPr lang="en-US"/>
               <a:t>HYPOTHESIS</a:t>
             </a:r>
           </a:p>
           <a:p>
             <a:r>
-              <a:rPr lang="en-US" dirty="0"/>
+              <a:rPr lang="en-US"/>
               <a:t>DATA</a:t>
             </a:r>
           </a:p>
@@ -10234,29 +10221,24 @@
           </a:p>
           <a:p>
             <a:r>
-              <a:rPr lang="en-US" dirty="0"/>
+              <a:rPr lang="en-US"/>
               <a:t>RESULTS &amp; VALIDITY</a:t>
             </a:r>
           </a:p>
           <a:p>
             <a:r>
-              <a:rPr lang="en-US" dirty="0"/>
-              <a:t>LEARNED LESSONS</a:t>
+              <a:rPr lang="en-US"/>
+              <a:t>LEARNED LESSONS / WHAT’S NEXT</a:t>
             </a:r>
-            <a:r>
-              <a:rPr lang="en-US"/>
-              <a:t> / WHAT’S NEXT</a:t>
-            </a:r>
-            <a:endParaRPr lang="en-US" dirty="0"/>
           </a:p>
           <a:p>
             <a:r>
-              <a:rPr lang="en-US" dirty="0"/>
+              <a:rPr lang="en-US"/>
               <a:t>CONCLUSION</a:t>
             </a:r>
           </a:p>
           <a:p>
-            <a:endParaRPr lang="en-US" dirty="0"/>
+            <a:endParaRPr lang="en-US"/>
           </a:p>
         </p:txBody>
       </p:sp>
@@ -10286,7 +10268,7 @@
               <a:pPr/>
               <a:t>2</a:t>
             </a:fld>
-            <a:endParaRPr lang="en-US" dirty="0"/>
+            <a:endParaRPr lang="en-US"/>
           </a:p>
         </p:txBody>
       </p:sp>
@@ -10347,7 +10329,7 @@
           <a:lstStyle/>
           <a:p>
             <a:r>
-              <a:rPr lang="en-US" dirty="0"/>
+              <a:rPr lang="en-US"/>
               <a:t>CONTEXT</a:t>
             </a:r>
           </a:p>
@@ -10380,7 +10362,7 @@
           <a:lstStyle/>
           <a:p>
             <a:r>
-              <a:rPr lang="en-US" dirty="0"/>
+              <a:rPr lang="en-US"/>
               <a:t>UNDERSTANDING ATTRITION</a:t>
             </a:r>
           </a:p>
@@ -10421,7 +10403,7 @@
               <a:buNone/>
             </a:pPr>
             <a:r>
-              <a:rPr lang="en-US" sz="1600" b="1" dirty="0">
+              <a:rPr lang="en-US" sz="1600" b="1">
                 <a:cs typeface="Biome Light" panose="020B0303030204020804" pitchFamily="34" charset="0"/>
               </a:rPr>
               <a:t>About Attrition</a:t>
@@ -10436,24 +10418,24 @@
               <a:buChar char="§"/>
             </a:pPr>
             <a:r>
-              <a:rPr lang="en-US" sz="1600" dirty="0">
+              <a:rPr lang="en-US" sz="1600">
                 <a:cs typeface="Biome Light" panose="020B0303030204020804" pitchFamily="34" charset="0"/>
               </a:rPr>
               <a:t>More than 27% of Americans left their job</a:t>
             </a:r>
             <a:r>
-              <a:rPr lang="en-US" sz="1600" baseline="30000" dirty="0">
+              <a:rPr lang="en-US" sz="1600" baseline="30000">
                 <a:cs typeface="Biome Light" panose="020B0303030204020804" pitchFamily="34" charset="0"/>
               </a:rPr>
               <a:t>1 </a:t>
             </a:r>
             <a:r>
-              <a:rPr lang="en-US" dirty="0">
+              <a:rPr lang="en-US">
                 <a:cs typeface="Biome Light" panose="020B0303030204020804" pitchFamily="34" charset="0"/>
               </a:rPr>
               <a:t>voluntarily</a:t>
             </a:r>
-            <a:endParaRPr lang="en-US" sz="1600" dirty="0">
+            <a:endParaRPr lang="en-US" sz="1600">
               <a:cs typeface="Biome Light" panose="020B0303030204020804" pitchFamily="34" charset="0"/>
             </a:endParaRPr>
           </a:p>
@@ -10466,13 +10448,13 @@
               <a:buChar char="§"/>
             </a:pPr>
             <a:r>
-              <a:rPr lang="en-US" dirty="0">
+              <a:rPr lang="en-US">
                 <a:cs typeface="Biome Light" panose="020B0303030204020804" pitchFamily="34" charset="0"/>
               </a:rPr>
               <a:t>Attrition costs are high – from 16% as much as 213% the salary in cost to replace</a:t>
             </a:r>
             <a:r>
-              <a:rPr lang="en-US" baseline="30000" dirty="0">
+              <a:rPr lang="en-US" baseline="30000">
                 <a:cs typeface="Biome Light" panose="020B0303030204020804" pitchFamily="34" charset="0"/>
               </a:rPr>
               <a:t>2, 3</a:t>
@@ -10487,7 +10469,7 @@
               <a:buChar char="§"/>
             </a:pPr>
             <a:r>
-              <a:rPr lang="en-US" dirty="0">
+              <a:rPr lang="en-US">
                 <a:cs typeface="Biome Light" panose="020B0303030204020804" pitchFamily="34" charset="0"/>
               </a:rPr>
               <a:t>Businesses retain employees both proactively and reactively through employee recognition programs &amp; retention offers – not always successful</a:t>
@@ -10500,7 +10482,7 @@
               </a:lnSpc>
               <a:buNone/>
             </a:pPr>
-            <a:endParaRPr lang="en-US" sz="1600" b="1" u="sng" dirty="0">
+            <a:endParaRPr lang="en-US" sz="1600" b="1" u="sng">
               <a:cs typeface="Biome Light" panose="020B0303030204020804" pitchFamily="34" charset="0"/>
             </a:endParaRPr>
           </a:p>
@@ -10512,7 +10494,7 @@
               <a:buNone/>
             </a:pPr>
             <a:r>
-              <a:rPr lang="en-US" b="1" dirty="0">
+              <a:rPr lang="en-US" b="1">
                 <a:cs typeface="Biome Light" panose="020B0303030204020804" pitchFamily="34" charset="0"/>
               </a:rPr>
               <a:t>Objectives &amp; Benefits</a:t>
@@ -10527,7 +10509,7 @@
               <a:buChar char="§"/>
             </a:pPr>
             <a:r>
-              <a:rPr lang="en-US" sz="1600" dirty="0">
+              <a:rPr lang="en-US" sz="1600">
                 <a:cs typeface="Biome Light" panose="020B0303030204020804" pitchFamily="34" charset="0"/>
               </a:rPr>
               <a:t>Predict the likelihood of voluntary employee departures through a classification model to enable an effective retention strategy and allow important cost savings</a:t>
@@ -10542,7 +10524,7 @@
               <a:buChar char="§"/>
             </a:pPr>
             <a:r>
-              <a:rPr lang="en-US" dirty="0">
+              <a:rPr lang="en-US">
                 <a:cs typeface="Biome Light" panose="020B0303030204020804" pitchFamily="34" charset="0"/>
               </a:rPr>
               <a:t>Identify factors or features contribute most to attrition to draw business insights for retention &amp; remain competitive on the job market</a:t>
@@ -10557,7 +10539,7 @@
               <a:buChar char="§"/>
             </a:pPr>
             <a:r>
-              <a:rPr lang="en-US" dirty="0">
+              <a:rPr lang="en-US">
                 <a:cs typeface="Biome Light" panose="020B0303030204020804" pitchFamily="34" charset="0"/>
               </a:rPr>
               <a:t>Provide a scalable model to new datasets and for all industries</a:t>
@@ -10571,7 +10553,7 @@
               <a:buFont typeface="Wingdings" panose="05000000000000000000" pitchFamily="2" charset="2"/>
               <a:buChar char="§"/>
             </a:pPr>
-            <a:endParaRPr lang="en-US" sz="1600" dirty="0">
+            <a:endParaRPr lang="en-US" sz="1600">
               <a:cs typeface="Biome Light" panose="020B0303030204020804" pitchFamily="34" charset="0"/>
             </a:endParaRPr>
           </a:p>
@@ -10583,13 +10565,13 @@
               <a:buNone/>
             </a:pPr>
             <a:r>
-              <a:rPr lang="en-US" b="1" dirty="0">
+              <a:rPr lang="en-US" b="1">
                 <a:cs typeface="Biome Light" panose="020B0303030204020804" pitchFamily="34" charset="0"/>
               </a:rPr>
               <a:t>Measuring </a:t>
             </a:r>
             <a:r>
-              <a:rPr lang="en-US" sz="1600" b="1" dirty="0">
+              <a:rPr lang="en-US" sz="1600" b="1">
                 <a:cs typeface="Biome Light" panose="020B0303030204020804" pitchFamily="34" charset="0"/>
               </a:rPr>
               <a:t>Performance</a:t>
@@ -10604,7 +10586,7 @@
               <a:buChar char="§"/>
             </a:pPr>
             <a:r>
-              <a:rPr lang="en-US" sz="1600" dirty="0">
+              <a:rPr lang="en-US" sz="1600">
                 <a:cs typeface="Biome Light" panose="020B0303030204020804" pitchFamily="34" charset="0"/>
               </a:rPr>
               <a:t>Accuracy</a:t>
@@ -10619,7 +10601,7 @@
               <a:buChar char="§"/>
             </a:pPr>
             <a:r>
-              <a:rPr lang="en-US" dirty="0">
+              <a:rPr lang="en-US">
                 <a:cs typeface="Biome Light" panose="020B0303030204020804" pitchFamily="34" charset="0"/>
               </a:rPr>
               <a:t>AUC ROC</a:t>
@@ -10685,7 +10667,7 @@
               <a:rPr lang="en-US" smtClean="0"/>
               <a:t>3</a:t>
             </a:fld>
-            <a:endParaRPr lang="en-US" dirty="0"/>
+            <a:endParaRPr lang="en-US"/>
           </a:p>
         </p:txBody>
       </p:sp>
@@ -10718,13 +10700,13 @@
           <a:lstStyle/>
           <a:p>
             <a:r>
-              <a:rPr lang="en-US" sz="600" baseline="30000" dirty="0">
+              <a:rPr lang="en-US" sz="600" baseline="30000">
                 <a:cs typeface="Biome Light" panose="020B0303030204020804" pitchFamily="34" charset="0"/>
               </a:rPr>
               <a:t>1 </a:t>
             </a:r>
             <a:r>
-              <a:rPr lang="en-US" sz="600" dirty="0">
+              <a:rPr lang="en-US" sz="600">
                 <a:cs typeface="Biome Light" panose="020B0303030204020804" pitchFamily="34" charset="0"/>
               </a:rPr>
               <a:t>2020 Retention Report, Work Institute</a:t>
@@ -10732,13 +10714,13 @@
           </a:p>
           <a:p>
             <a:r>
-              <a:rPr lang="en-US" sz="600" baseline="30000" dirty="0">
+              <a:rPr lang="en-US" sz="600" baseline="30000">
                 <a:cs typeface="Biome Light" panose="020B0303030204020804" pitchFamily="34" charset="0"/>
               </a:rPr>
               <a:t>2</a:t>
             </a:r>
             <a:r>
-              <a:rPr lang="en-US" sz="600" dirty="0">
+              <a:rPr lang="en-US" sz="600">
                 <a:cs typeface="Biome Light" panose="020B0303030204020804" pitchFamily="34" charset="0"/>
               </a:rPr>
               <a:t> HEINZ, Kate. Dangers of turnover: battling hidden costs. 22 March 2020. Built In. </a:t>
@@ -10746,18 +10728,18 @@
           </a:p>
           <a:p>
             <a:r>
-              <a:rPr lang="en-US" sz="600" baseline="30000" dirty="0">
+              <a:rPr lang="en-US" sz="600" baseline="30000">
                 <a:cs typeface="Biome Light" panose="020B0303030204020804" pitchFamily="34" charset="0"/>
               </a:rPr>
               <a:t>3</a:t>
             </a:r>
             <a:r>
-              <a:rPr lang="en-US" sz="600" dirty="0">
+              <a:rPr lang="en-US" sz="600">
                 <a:cs typeface="Biome Light" panose="020B0303030204020804" pitchFamily="34" charset="0"/>
               </a:rPr>
               <a:t> BOUSHEY, Heather &amp; Tanya DORISS. There Are Significant Business Costs to Replacing Employees. 2012. Center for American Progress.  </a:t>
             </a:r>
-            <a:endParaRPr lang="en-CA" sz="600" baseline="30000" dirty="0"/>
+            <a:endParaRPr lang="en-CA" sz="600" baseline="30000"/>
           </a:p>
         </p:txBody>
       </p:sp>
@@ -10868,7 +10850,6 @@
               <a:rPr lang="en-US"/>
               <a:t>Hypothesis</a:t>
             </a:r>
-            <a:endParaRPr lang="en-US" dirty="0"/>
           </a:p>
         </p:txBody>
       </p:sp>
@@ -10899,7 +10880,7 @@
           <a:lstStyle/>
           <a:p>
             <a:r>
-              <a:rPr lang="en-US" dirty="0"/>
+              <a:rPr lang="en-US"/>
               <a:t> </a:t>
             </a:r>
           </a:p>
@@ -10930,7 +10911,7 @@
               <a:rPr lang="en-US" smtClean="0"/>
               <a:t>4</a:t>
             </a:fld>
-            <a:endParaRPr lang="en-US" dirty="0"/>
+            <a:endParaRPr lang="en-US"/>
           </a:p>
         </p:txBody>
       </p:sp>
@@ -11030,10 +11011,9 @@
               <a:t> </a:t>
             </a:r>
             <a:r>
-              <a:rPr lang="en-US" dirty="0"/>
+              <a:rPr lang="en-US"/>
               <a:t>: The employee will leave the company</a:t>
             </a:r>
-            <a:endParaRPr lang="en-US"/>
           </a:p>
           <a:p>
             <a:pPr marL="285750" indent="-285750">
@@ -11147,7 +11127,7 @@
               <a:t>0</a:t>
             </a:r>
             <a:r>
-              <a:rPr lang="en-US" dirty="0"/>
+              <a:rPr lang="en-US"/>
               <a:t> : The employee will not leave the company</a:t>
             </a:r>
             <a:endParaRPr lang="en-US">
@@ -11402,7 +11382,7 @@
                     <a:lstStyle/>
                     <a:p>
                       <a:pPr algn="l" fontAlgn="b"/>
-                      <a:endParaRPr lang="en-CA" sz="1100" b="0" i="0" u="none" strike="noStrike" dirty="0">
+                      <a:endParaRPr lang="en-CA" sz="1100" b="0" i="0" u="none" strike="noStrike">
                         <a:solidFill>
                           <a:srgbClr val="000000"/>
                         </a:solidFill>
@@ -11422,7 +11402,7 @@
                     <a:p>
                       <a:pPr algn="ctr" fontAlgn="b"/>
                       <a:r>
-                        <a:rPr lang="en-CA" sz="1100" b="1" u="none" strike="noStrike" dirty="0">
+                        <a:rPr lang="en-CA" sz="1100" b="1" u="none" strike="noStrike">
                           <a:solidFill>
                             <a:schemeClr val="bg1"/>
                           </a:solidFill>
@@ -11431,7 +11411,7 @@
                         <a:t>H</a:t>
                       </a:r>
                       <a:r>
-                        <a:rPr lang="en-CA" sz="1100" b="1" u="none" strike="noStrike" baseline="-25000" dirty="0">
+                        <a:rPr lang="en-CA" sz="1100" b="1" u="none" strike="noStrike" baseline="-25000">
                           <a:solidFill>
                             <a:schemeClr val="bg1"/>
                           </a:solidFill>
@@ -11440,7 +11420,7 @@
                         <a:t>0</a:t>
                       </a:r>
                       <a:r>
-                        <a:rPr lang="en-CA" sz="1100" b="1" u="none" strike="noStrike" dirty="0">
+                        <a:rPr lang="en-CA" sz="1100" b="1" u="none" strike="noStrike">
                           <a:solidFill>
                             <a:schemeClr val="bg1"/>
                           </a:solidFill>
@@ -11448,7 +11428,7 @@
                         </a:rPr>
                         <a:t> is True</a:t>
                       </a:r>
-                      <a:endParaRPr lang="en-CA" sz="1100" b="1" i="0" u="none" strike="noStrike" dirty="0">
+                      <a:endParaRPr lang="en-CA" sz="1100" b="1" i="0" u="none" strike="noStrike">
                         <a:solidFill>
                           <a:schemeClr val="bg1"/>
                         </a:solidFill>
@@ -11482,7 +11462,7 @@
                     <a:p>
                       <a:pPr algn="ctr" fontAlgn="b"/>
                       <a:r>
-                        <a:rPr lang="en-CA" sz="1100" b="1" u="none" strike="noStrike" dirty="0">
+                        <a:rPr lang="en-CA" sz="1100" b="1" u="none" strike="noStrike">
                           <a:solidFill>
                             <a:schemeClr val="bg1"/>
                           </a:solidFill>
@@ -11491,7 +11471,7 @@
                         <a:t>H</a:t>
                       </a:r>
                       <a:r>
-                        <a:rPr lang="en-CA" sz="1100" b="1" u="none" strike="noStrike" baseline="-25000" dirty="0">
+                        <a:rPr lang="en-CA" sz="1100" b="1" u="none" strike="noStrike" baseline="-25000">
                           <a:solidFill>
                             <a:schemeClr val="bg1"/>
                           </a:solidFill>
@@ -11500,7 +11480,7 @@
                         <a:t>0</a:t>
                       </a:r>
                       <a:r>
-                        <a:rPr lang="en-CA" sz="1100" b="1" u="none" strike="noStrike" dirty="0">
+                        <a:rPr lang="en-CA" sz="1100" b="1" u="none" strike="noStrike">
                           <a:solidFill>
                             <a:schemeClr val="bg1"/>
                           </a:solidFill>
@@ -11508,7 +11488,7 @@
                         </a:rPr>
                         <a:t> is False</a:t>
                       </a:r>
-                      <a:endParaRPr lang="en-CA" sz="1100" b="1" i="0" u="none" strike="noStrike" dirty="0">
+                      <a:endParaRPr lang="en-CA" sz="1100" b="1" i="0" u="none" strike="noStrike">
                         <a:solidFill>
                           <a:schemeClr val="bg1"/>
                         </a:solidFill>
@@ -11549,7 +11529,7 @@
                     <a:p>
                       <a:pPr algn="ctr" fontAlgn="ctr"/>
                       <a:r>
-                        <a:rPr lang="en-CA" sz="1100" b="1" u="none" strike="noStrike" dirty="0">
+                        <a:rPr lang="en-CA" sz="1100" b="1" u="none" strike="noStrike">
                           <a:solidFill>
                             <a:schemeClr val="bg1"/>
                           </a:solidFill>
@@ -11558,7 +11538,7 @@
                         <a:t>Reject H</a:t>
                       </a:r>
                       <a:r>
-                        <a:rPr lang="en-CA" sz="1100" b="1" u="none" strike="noStrike" baseline="-25000" dirty="0">
+                        <a:rPr lang="en-CA" sz="1100" b="1" u="none" strike="noStrike" baseline="-25000">
                           <a:solidFill>
                             <a:schemeClr val="bg1"/>
                           </a:solidFill>
@@ -11566,7 +11546,7 @@
                         </a:rPr>
                         <a:t>0</a:t>
                       </a:r>
-                      <a:endParaRPr lang="en-CA" sz="1100" b="1" i="0" u="none" strike="noStrike" baseline="-25000" dirty="0">
+                      <a:endParaRPr lang="en-CA" sz="1100" b="1" i="0" u="none" strike="noStrike" baseline="-25000">
                         <a:solidFill>
                           <a:schemeClr val="bg1"/>
                         </a:solidFill>
@@ -11690,7 +11670,7 @@
                     <a:p>
                       <a:pPr algn="ctr" fontAlgn="ctr"/>
                       <a:r>
-                        <a:rPr lang="en-CA" sz="1100" b="1" u="none" strike="noStrike" dirty="0">
+                        <a:rPr lang="en-CA" sz="1100" b="1" u="none" strike="noStrike">
                           <a:solidFill>
                             <a:schemeClr val="bg1"/>
                           </a:solidFill>
@@ -11699,7 +11679,7 @@
                         <a:t>Fail to reject H</a:t>
                       </a:r>
                       <a:r>
-                        <a:rPr lang="en-CA" sz="1100" b="1" u="none" strike="noStrike" baseline="-25000" dirty="0">
+                        <a:rPr lang="en-CA" sz="1100" b="1" u="none" strike="noStrike" baseline="-25000">
                           <a:solidFill>
                             <a:schemeClr val="bg1"/>
                           </a:solidFill>
@@ -11707,7 +11687,7 @@
                         </a:rPr>
                         <a:t>0</a:t>
                       </a:r>
-                      <a:endParaRPr lang="en-CA" sz="1100" b="1" i="0" u="none" strike="noStrike" baseline="-25000" dirty="0">
+                      <a:endParaRPr lang="en-CA" sz="1100" b="1" i="0" u="none" strike="noStrike" baseline="-25000">
                         <a:solidFill>
                           <a:schemeClr val="bg1"/>
                         </a:solidFill>
@@ -11888,7 +11868,7 @@
           <a:lstStyle/>
           <a:p>
             <a:r>
-              <a:rPr lang="en-US" sz="8000" dirty="0"/>
+              <a:rPr lang="en-US" sz="8000"/>
               <a:t>D a t a</a:t>
             </a:r>
           </a:p>
@@ -11919,7 +11899,7 @@
               <a:rPr lang="en-US" smtClean="0"/>
               <a:t>5</a:t>
             </a:fld>
-            <a:endParaRPr lang="en-US" dirty="0"/>
+            <a:endParaRPr lang="en-US"/>
           </a:p>
         </p:txBody>
       </p:sp>
@@ -11967,23 +11947,18 @@
           <a:p>
             <a:pPr marL="175895" algn="r"/>
             <a:r>
-              <a:rPr lang="en-US" dirty="0">
+              <a:rPr lang="en-US">
                 <a:solidFill>
                   <a:schemeClr val="bg1"/>
                 </a:solidFill>
               </a:rPr>
               <a:t>A C Q U I S I T I O N</a:t>
             </a:r>
-            <a:endParaRPr lang="en-US">
-              <a:solidFill>
-                <a:schemeClr val="bg1"/>
-              </a:solidFill>
-            </a:endParaRPr>
           </a:p>
           <a:p>
             <a:pPr marL="175895" algn="r"/>
             <a:r>
-              <a:rPr lang="en-US" dirty="0">
+              <a:rPr lang="en-US">
                 <a:solidFill>
                   <a:schemeClr val="bg1"/>
                 </a:solidFill>
@@ -12000,7 +11975,7 @@
           <a:p>
             <a:pPr marL="175895" algn="r"/>
             <a:r>
-              <a:rPr lang="en-US" dirty="0">
+              <a:rPr lang="en-US">
                 <a:solidFill>
                   <a:schemeClr val="bg1"/>
                 </a:solidFill>
@@ -12163,7 +12138,7 @@
                     <a:p>
                       <a:pPr algn="l" fontAlgn="b"/>
                       <a:r>
-                        <a:rPr lang="en-CA" sz="1100" b="0" u="none" strike="noStrike" dirty="0">
+                        <a:rPr lang="en-CA" sz="1100" b="0" u="none" strike="noStrike">
                           <a:solidFill>
                             <a:schemeClr val="bg1"/>
                           </a:solidFill>
@@ -12171,7 +12146,7 @@
                         </a:rPr>
                         <a:t>int64</a:t>
                       </a:r>
-                      <a:endParaRPr lang="en-CA" sz="1100" b="0" i="0" u="none" strike="noStrike" dirty="0">
+                      <a:endParaRPr lang="en-CA" sz="1100" b="0" i="0" u="none" strike="noStrike">
                         <a:solidFill>
                           <a:schemeClr val="bg1"/>
                         </a:solidFill>
@@ -12252,7 +12227,7 @@
                     <a:p>
                       <a:pPr algn="l" fontAlgn="b"/>
                       <a:r>
-                        <a:rPr lang="en-CA" sz="1100" b="1" u="none" strike="noStrike" dirty="0" err="1">
+                        <a:rPr lang="en-CA" sz="1100" b="1" u="none" strike="noStrike" err="1">
                           <a:solidFill>
                             <a:schemeClr val="bg1"/>
                           </a:solidFill>
@@ -12260,7 +12235,7 @@
                         </a:rPr>
                         <a:t>HourlyRate</a:t>
                       </a:r>
-                      <a:endParaRPr lang="en-CA" sz="1100" b="1" i="0" u="none" strike="noStrike" dirty="0">
+                      <a:endParaRPr lang="en-CA" sz="1100" b="1" i="0" u="none" strike="noStrike">
                         <a:solidFill>
                           <a:schemeClr val="bg1"/>
                         </a:solidFill>
@@ -12390,7 +12365,7 @@
                     <a:p>
                       <a:pPr algn="l" fontAlgn="b"/>
                       <a:r>
-                        <a:rPr lang="en-CA" sz="1100" b="1" u="none" strike="noStrike" dirty="0" err="1">
+                        <a:rPr lang="en-CA" sz="1100" b="1" u="none" strike="noStrike" err="1">
                           <a:solidFill>
                             <a:schemeClr val="bg1"/>
                           </a:solidFill>
@@ -12398,7 +12373,7 @@
                         </a:rPr>
                         <a:t>PerformanceRating</a:t>
                       </a:r>
-                      <a:endParaRPr lang="en-CA" sz="1100" b="1" i="0" u="none" strike="noStrike" dirty="0">
+                      <a:endParaRPr lang="en-CA" sz="1100" b="1" i="0" u="none" strike="noStrike">
                         <a:solidFill>
                           <a:schemeClr val="bg1"/>
                         </a:solidFill>
@@ -12546,7 +12521,7 @@
                     <a:p>
                       <a:pPr algn="l" fontAlgn="b"/>
                       <a:r>
-                        <a:rPr lang="en-CA" sz="1100" b="0" u="none" strike="noStrike" dirty="0">
+                        <a:rPr lang="en-CA" sz="1100" b="0" u="none" strike="noStrike">
                           <a:solidFill>
                             <a:schemeClr val="bg1"/>
                           </a:solidFill>
@@ -12554,7 +12529,7 @@
                         </a:rPr>
                         <a:t>object</a:t>
                       </a:r>
-                      <a:endParaRPr lang="en-CA" sz="1100" b="0" i="0" u="none" strike="noStrike" dirty="0">
+                      <a:endParaRPr lang="en-CA" sz="1100" b="0" i="0" u="none" strike="noStrike">
                         <a:solidFill>
                           <a:schemeClr val="bg1"/>
                         </a:solidFill>
@@ -12631,7 +12606,7 @@
                     <a:p>
                       <a:pPr algn="l" fontAlgn="b"/>
                       <a:r>
-                        <a:rPr lang="en-CA" sz="1100" b="1" u="none" strike="noStrike" dirty="0" err="1">
+                        <a:rPr lang="en-CA" sz="1100" b="1" u="none" strike="noStrike" err="1">
                           <a:solidFill>
                             <a:schemeClr val="bg1"/>
                           </a:solidFill>
@@ -12639,7 +12614,7 @@
                         </a:rPr>
                         <a:t>JobInvolvement</a:t>
                       </a:r>
-                      <a:endParaRPr lang="en-CA" sz="1100" b="1" i="0" u="none" strike="noStrike" dirty="0">
+                      <a:endParaRPr lang="en-CA" sz="1100" b="1" i="0" u="none" strike="noStrike">
                         <a:solidFill>
                           <a:schemeClr val="bg1"/>
                         </a:solidFill>
@@ -12763,7 +12738,7 @@
                     <a:p>
                       <a:pPr algn="l" fontAlgn="b"/>
                       <a:r>
-                        <a:rPr lang="en-CA" sz="1100" b="1" u="none" strike="noStrike" dirty="0" err="1">
+                        <a:rPr lang="en-CA" sz="1100" b="1" u="none" strike="noStrike" err="1">
                           <a:solidFill>
                             <a:schemeClr val="bg1"/>
                           </a:solidFill>
@@ -12771,7 +12746,7 @@
                         </a:rPr>
                         <a:t>RelationshipSatisfaction</a:t>
                       </a:r>
-                      <a:endParaRPr lang="en-CA" sz="1100" b="1" i="0" u="none" strike="noStrike" dirty="0">
+                      <a:endParaRPr lang="en-CA" sz="1100" b="1" i="0" u="none" strike="noStrike">
                         <a:solidFill>
                           <a:schemeClr val="bg1"/>
                         </a:solidFill>
@@ -13000,7 +12975,7 @@
                     <a:p>
                       <a:pPr algn="l" fontAlgn="b"/>
                       <a:r>
-                        <a:rPr lang="en-CA" sz="1100" b="1" u="none" strike="noStrike" dirty="0" err="1">
+                        <a:rPr lang="en-CA" sz="1100" b="1" u="none" strike="noStrike" err="1">
                           <a:solidFill>
                             <a:schemeClr val="bg1"/>
                           </a:solidFill>
@@ -13008,7 +12983,7 @@
                         </a:rPr>
                         <a:t>JobLevel</a:t>
                       </a:r>
-                      <a:endParaRPr lang="en-CA" sz="1100" b="1" i="0" u="none" strike="noStrike" dirty="0">
+                      <a:endParaRPr lang="en-CA" sz="1100" b="1" i="0" u="none" strike="noStrike">
                         <a:solidFill>
                           <a:schemeClr val="bg1"/>
                         </a:solidFill>
@@ -13132,7 +13107,7 @@
                     <a:p>
                       <a:pPr algn="l" fontAlgn="b"/>
                       <a:r>
-                        <a:rPr lang="en-CA" sz="1100" b="1" u="none" strike="noStrike" dirty="0" err="1">
+                        <a:rPr lang="en-CA" sz="1100" b="1" u="none" strike="noStrike" err="1">
                           <a:solidFill>
                             <a:schemeClr val="bg1"/>
                           </a:solidFill>
@@ -13140,7 +13115,7 @@
                         </a:rPr>
                         <a:t>StandardHours</a:t>
                       </a:r>
-                      <a:endParaRPr lang="en-CA" sz="1100" b="1" i="0" u="none" strike="noStrike" dirty="0">
+                      <a:endParaRPr lang="en-CA" sz="1100" b="1" i="0" u="none" strike="noStrike">
                         <a:solidFill>
                           <a:schemeClr val="bg1"/>
                         </a:solidFill>
@@ -13369,7 +13344,7 @@
                     <a:p>
                       <a:pPr algn="l" fontAlgn="b"/>
                       <a:r>
-                        <a:rPr lang="en-CA" sz="1100" b="1" u="none" strike="noStrike" dirty="0" err="1">
+                        <a:rPr lang="en-CA" sz="1100" b="1" u="none" strike="noStrike" err="1">
                           <a:solidFill>
                             <a:schemeClr val="bg1"/>
                           </a:solidFill>
@@ -13377,7 +13352,7 @@
                         </a:rPr>
                         <a:t>JobRole</a:t>
                       </a:r>
-                      <a:endParaRPr lang="en-CA" sz="1100" b="1" i="0" u="none" strike="noStrike" dirty="0">
+                      <a:endParaRPr lang="en-CA" sz="1100" b="1" i="0" u="none" strike="noStrike">
                         <a:solidFill>
                           <a:schemeClr val="bg1"/>
                         </a:solidFill>
@@ -13501,7 +13476,7 @@
                     <a:p>
                       <a:pPr algn="l" fontAlgn="b"/>
                       <a:r>
-                        <a:rPr lang="en-CA" sz="1100" b="1" u="none" strike="noStrike" dirty="0" err="1">
+                        <a:rPr lang="en-CA" sz="1100" b="1" u="none" strike="noStrike" err="1">
                           <a:solidFill>
                             <a:schemeClr val="bg1"/>
                           </a:solidFill>
@@ -13509,7 +13484,7 @@
                         </a:rPr>
                         <a:t>StockOptionLevel</a:t>
                       </a:r>
-                      <a:endParaRPr lang="en-CA" sz="1100" b="1" i="0" u="none" strike="noStrike" dirty="0">
+                      <a:endParaRPr lang="en-CA" sz="1100" b="1" i="0" u="none" strike="noStrike">
                         <a:solidFill>
                           <a:schemeClr val="bg1"/>
                         </a:solidFill>
@@ -13738,7 +13713,7 @@
                     <a:p>
                       <a:pPr algn="l" fontAlgn="b"/>
                       <a:r>
-                        <a:rPr lang="en-CA" sz="1100" b="1" u="none" strike="noStrike" dirty="0" err="1">
+                        <a:rPr lang="en-CA" sz="1100" b="1" u="none" strike="noStrike" err="1">
                           <a:solidFill>
                             <a:schemeClr val="bg1"/>
                           </a:solidFill>
@@ -13746,7 +13721,7 @@
                         </a:rPr>
                         <a:t>JobSatisfaction</a:t>
                       </a:r>
-                      <a:endParaRPr lang="en-CA" sz="1100" b="1" i="0" u="none" strike="noStrike" dirty="0">
+                      <a:endParaRPr lang="en-CA" sz="1100" b="1" i="0" u="none" strike="noStrike">
                         <a:solidFill>
                           <a:schemeClr val="bg1"/>
                         </a:solidFill>
@@ -13870,7 +13845,7 @@
                     <a:p>
                       <a:pPr algn="l" fontAlgn="b"/>
                       <a:r>
-                        <a:rPr lang="en-CA" sz="1100" b="1" u="none" strike="noStrike" dirty="0" err="1">
+                        <a:rPr lang="en-CA" sz="1100" b="1" u="none" strike="noStrike" err="1">
                           <a:solidFill>
                             <a:schemeClr val="bg1"/>
                           </a:solidFill>
@@ -13878,7 +13853,7 @@
                         </a:rPr>
                         <a:t>TotalWorkingYears</a:t>
                       </a:r>
-                      <a:endParaRPr lang="en-CA" sz="1100" b="1" i="0" u="none" strike="noStrike" dirty="0">
+                      <a:endParaRPr lang="en-CA" sz="1100" b="1" i="0" u="none" strike="noStrike">
                         <a:solidFill>
                           <a:schemeClr val="bg1"/>
                         </a:solidFill>
@@ -14239,7 +14214,7 @@
                     <a:p>
                       <a:pPr algn="l" fontAlgn="b"/>
                       <a:r>
-                        <a:rPr lang="en-CA" sz="1100" b="1" u="none" strike="noStrike" dirty="0" err="1">
+                        <a:rPr lang="en-CA" sz="1100" b="1" u="none" strike="noStrike" err="1">
                           <a:solidFill>
                             <a:schemeClr val="bg1"/>
                           </a:solidFill>
@@ -14247,7 +14222,7 @@
                         </a:rPr>
                         <a:t>TrainingTimesLastYear</a:t>
                       </a:r>
-                      <a:endParaRPr lang="en-CA" sz="1100" b="1" i="0" u="none" strike="noStrike" dirty="0">
+                      <a:endParaRPr lang="en-CA" sz="1100" b="1" i="0" u="none" strike="noStrike">
                         <a:solidFill>
                           <a:schemeClr val="bg1"/>
                         </a:solidFill>
@@ -14476,7 +14451,7 @@
                     <a:p>
                       <a:pPr algn="l" fontAlgn="b"/>
                       <a:r>
-                        <a:rPr lang="en-CA" sz="1100" b="1" u="none" strike="noStrike" dirty="0" err="1">
+                        <a:rPr lang="en-CA" sz="1100" b="1" u="none" strike="noStrike" err="1">
                           <a:solidFill>
                             <a:schemeClr val="bg1"/>
                           </a:solidFill>
@@ -14484,7 +14459,7 @@
                         </a:rPr>
                         <a:t>MonthlyIncome</a:t>
                       </a:r>
-                      <a:endParaRPr lang="en-CA" sz="1100" b="1" i="0" u="none" strike="noStrike" dirty="0">
+                      <a:endParaRPr lang="en-CA" sz="1100" b="1" i="0" u="none" strike="noStrike">
                         <a:solidFill>
                           <a:schemeClr val="bg1"/>
                         </a:solidFill>
@@ -14608,7 +14583,7 @@
                     <a:p>
                       <a:pPr algn="l" fontAlgn="b"/>
                       <a:r>
-                        <a:rPr lang="en-CA" sz="1100" b="1" u="none" strike="noStrike" dirty="0" err="1">
+                        <a:rPr lang="en-CA" sz="1100" b="1" u="none" strike="noStrike" err="1">
                           <a:solidFill>
                             <a:schemeClr val="bg1"/>
                           </a:solidFill>
@@ -14616,7 +14591,7 @@
                         </a:rPr>
                         <a:t>WorkLifeBalance</a:t>
                       </a:r>
-                      <a:endParaRPr lang="en-CA" sz="1100" b="1" i="0" u="none" strike="noStrike" dirty="0">
+                      <a:endParaRPr lang="en-CA" sz="1100" b="1" i="0" u="none" strike="noStrike">
                         <a:solidFill>
                           <a:schemeClr val="bg1"/>
                         </a:solidFill>
@@ -14845,7 +14820,7 @@
                     <a:p>
                       <a:pPr algn="l" fontAlgn="b"/>
                       <a:r>
-                        <a:rPr lang="en-CA" sz="1100" b="1" u="none" strike="noStrike" dirty="0" err="1">
+                        <a:rPr lang="en-CA" sz="1100" b="1" u="none" strike="noStrike" err="1">
                           <a:solidFill>
                             <a:schemeClr val="bg1"/>
                           </a:solidFill>
@@ -14853,7 +14828,7 @@
                         </a:rPr>
                         <a:t>MonthlyRate</a:t>
                       </a:r>
-                      <a:endParaRPr lang="en-CA" sz="1100" b="1" i="0" u="none" strike="noStrike" dirty="0">
+                      <a:endParaRPr lang="en-CA" sz="1100" b="1" i="0" u="none" strike="noStrike">
                         <a:solidFill>
                           <a:schemeClr val="bg1"/>
                         </a:solidFill>
@@ -14977,7 +14952,7 @@
                     <a:p>
                       <a:pPr algn="l" fontAlgn="b"/>
                       <a:r>
-                        <a:rPr lang="en-CA" sz="1100" b="1" u="none" strike="noStrike" dirty="0" err="1">
+                        <a:rPr lang="en-CA" sz="1100" b="1" u="none" strike="noStrike" err="1">
                           <a:solidFill>
                             <a:schemeClr val="bg1"/>
                           </a:solidFill>
@@ -14985,7 +14960,7 @@
                         </a:rPr>
                         <a:t>YearsAtCompany</a:t>
                       </a:r>
-                      <a:endParaRPr lang="en-CA" sz="1100" b="1" i="0" u="none" strike="noStrike" dirty="0">
+                      <a:endParaRPr lang="en-CA" sz="1100" b="1" i="0" u="none" strike="noStrike">
                         <a:solidFill>
                           <a:schemeClr val="bg1"/>
                         </a:solidFill>
@@ -15214,7 +15189,7 @@
                     <a:p>
                       <a:pPr algn="l" fontAlgn="b"/>
                       <a:r>
-                        <a:rPr lang="en-CA" sz="1100" b="1" u="none" strike="noStrike" dirty="0" err="1">
+                        <a:rPr lang="en-CA" sz="1100" b="1" u="none" strike="noStrike" err="1">
                           <a:solidFill>
                             <a:schemeClr val="bg1"/>
                           </a:solidFill>
@@ -15222,7 +15197,7 @@
                         </a:rPr>
                         <a:t>NumCompaniesWorked</a:t>
                       </a:r>
-                      <a:endParaRPr lang="en-CA" sz="1100" b="1" i="0" u="none" strike="noStrike" dirty="0">
+                      <a:endParaRPr lang="en-CA" sz="1100" b="1" i="0" u="none" strike="noStrike">
                         <a:solidFill>
                           <a:schemeClr val="bg1"/>
                         </a:solidFill>
@@ -15346,7 +15321,7 @@
                     <a:p>
                       <a:pPr algn="l" fontAlgn="b"/>
                       <a:r>
-                        <a:rPr lang="en-CA" sz="1100" b="1" u="none" strike="noStrike" dirty="0" err="1">
+                        <a:rPr lang="en-CA" sz="1100" b="1" u="none" strike="noStrike" err="1">
                           <a:solidFill>
                             <a:schemeClr val="bg1"/>
                           </a:solidFill>
@@ -15354,7 +15329,7 @@
                         </a:rPr>
                         <a:t>YearsInCurrentRole</a:t>
                       </a:r>
-                      <a:endParaRPr lang="en-CA" sz="1100" b="1" i="0" u="none" strike="noStrike" dirty="0">
+                      <a:endParaRPr lang="en-CA" sz="1100" b="1" i="0" u="none" strike="noStrike">
                         <a:solidFill>
                           <a:schemeClr val="bg1"/>
                         </a:solidFill>
@@ -15583,7 +15558,7 @@
                     <a:p>
                       <a:pPr algn="l" fontAlgn="b"/>
                       <a:r>
-                        <a:rPr lang="en-CA" sz="1100" b="1" u="none" strike="noStrike" dirty="0">
+                        <a:rPr lang="en-CA" sz="1100" b="1" u="none" strike="noStrike">
                           <a:solidFill>
                             <a:schemeClr val="bg1"/>
                           </a:solidFill>
@@ -15591,7 +15566,7 @@
                         </a:rPr>
                         <a:t>Over18</a:t>
                       </a:r>
-                      <a:endParaRPr lang="en-CA" sz="1100" b="1" i="0" u="none" strike="noStrike" dirty="0">
+                      <a:endParaRPr lang="en-CA" sz="1100" b="1" i="0" u="none" strike="noStrike">
                         <a:solidFill>
                           <a:schemeClr val="bg1"/>
                         </a:solidFill>
@@ -15715,7 +15690,7 @@
                     <a:p>
                       <a:pPr algn="l" fontAlgn="b"/>
                       <a:r>
-                        <a:rPr lang="en-CA" sz="1100" b="1" u="none" strike="noStrike" dirty="0" err="1">
+                        <a:rPr lang="en-CA" sz="1100" b="1" u="none" strike="noStrike" err="1">
                           <a:solidFill>
                             <a:schemeClr val="bg1"/>
                           </a:solidFill>
@@ -15723,7 +15698,7 @@
                         </a:rPr>
                         <a:t>YearsSinceLastPromotion</a:t>
                       </a:r>
-                      <a:endParaRPr lang="en-CA" sz="1100" b="1" i="0" u="none" strike="noStrike" dirty="0">
+                      <a:endParaRPr lang="en-CA" sz="1100" b="1" i="0" u="none" strike="noStrike">
                         <a:solidFill>
                           <a:schemeClr val="bg1"/>
                         </a:solidFill>
@@ -15867,7 +15842,7 @@
                     <a:p>
                       <a:pPr algn="l" fontAlgn="b"/>
                       <a:r>
-                        <a:rPr lang="en-CA" sz="1100" b="0" u="none" strike="noStrike" dirty="0">
+                        <a:rPr lang="en-CA" sz="1100" b="0" u="none" strike="noStrike">
                           <a:solidFill>
                             <a:schemeClr val="bg1"/>
                           </a:solidFill>
@@ -15875,7 +15850,7 @@
                         </a:rPr>
                         <a:t>int64</a:t>
                       </a:r>
-                      <a:endParaRPr lang="en-CA" sz="1100" b="0" i="0" u="none" strike="noStrike" dirty="0">
+                      <a:endParaRPr lang="en-CA" sz="1100" b="0" i="0" u="none" strike="noStrike">
                         <a:solidFill>
                           <a:schemeClr val="bg1"/>
                         </a:solidFill>
@@ -15952,7 +15927,7 @@
                     <a:p>
                       <a:pPr algn="l" fontAlgn="b"/>
                       <a:r>
-                        <a:rPr lang="en-CA" sz="1100" b="1" u="none" strike="noStrike" dirty="0" err="1">
+                        <a:rPr lang="en-CA" sz="1100" b="1" u="none" strike="noStrike" err="1">
                           <a:solidFill>
                             <a:schemeClr val="bg1"/>
                           </a:solidFill>
@@ -15960,7 +15935,7 @@
                         </a:rPr>
                         <a:t>OverTime</a:t>
                       </a:r>
-                      <a:endParaRPr lang="en-CA" sz="1100" b="1" i="0" u="none" strike="noStrike" dirty="0">
+                      <a:endParaRPr lang="en-CA" sz="1100" b="1" i="0" u="none" strike="noStrike">
                         <a:solidFill>
                           <a:schemeClr val="bg1"/>
                         </a:solidFill>
@@ -16084,7 +16059,7 @@
                     <a:p>
                       <a:pPr algn="l" fontAlgn="b"/>
                       <a:r>
-                        <a:rPr lang="en-CA" sz="1100" b="1" u="none" strike="noStrike" dirty="0" err="1">
+                        <a:rPr lang="en-CA" sz="1100" b="1" u="none" strike="noStrike" err="1">
                           <a:solidFill>
                             <a:schemeClr val="bg1"/>
                           </a:solidFill>
@@ -16092,7 +16067,7 @@
                         </a:rPr>
                         <a:t>YearsWithCurrManager</a:t>
                       </a:r>
-                      <a:endParaRPr lang="en-CA" sz="1100" b="1" i="0" u="none" strike="noStrike" dirty="0">
+                      <a:endParaRPr lang="en-CA" sz="1100" b="1" i="0" u="none" strike="noStrike">
                         <a:solidFill>
                           <a:schemeClr val="bg1"/>
                         </a:solidFill>
@@ -16113,251 +16088,6 @@
                     </a:lnT>
                     <a:lnB>
                       <a:noFill/>
-                    </a:lnB>
-                    <a:lnTlToBr w="12700" cmpd="sng">
-                      <a:noFill/>
-                      <a:prstDash val="solid"/>
-                    </a:lnTlToBr>
-                    <a:lnBlToTr w="12700" cmpd="sng">
-                      <a:noFill/>
-                      <a:prstDash val="solid"/>
-                    </a:lnBlToTr>
-                  </a:tcPr>
-                </a:tc>
-                <a:tc>
-                  <a:txBody>
-                    <a:bodyPr/>
-                    <a:lstStyle/>
-                    <a:p>
-                      <a:pPr algn="l" fontAlgn="b"/>
-                      <a:r>
-                        <a:rPr lang="en-CA" sz="1100" b="0" u="none" strike="noStrike" dirty="0">
-                          <a:solidFill>
-                            <a:schemeClr val="bg1"/>
-                          </a:solidFill>
-                          <a:effectLst/>
-                        </a:rPr>
-                        <a:t>int64</a:t>
-                      </a:r>
-                      <a:endParaRPr lang="en-CA" sz="1100" b="0" i="0" u="none" strike="noStrike" dirty="0">
-                        <a:solidFill>
-                          <a:schemeClr val="bg1"/>
-                        </a:solidFill>
-                        <a:effectLst/>
-                        <a:latin typeface="Calibri" panose="020F0502020204030204" pitchFamily="34" charset="0"/>
-                      </a:endParaRPr>
-                    </a:p>
-                  </a:txBody>
-                  <a:tcPr marL="9525" marR="9525" marT="9525" marB="0" anchor="b">
-                    <a:lnL>
-                      <a:noFill/>
-                    </a:lnL>
-                    <a:lnR w="6350" cap="flat" cmpd="sng" algn="ctr">
-                      <a:noFill/>
-                      <a:prstDash val="solid"/>
-                      <a:miter lim="800000"/>
-                    </a:lnR>
-                    <a:lnT>
-                      <a:noFill/>
-                    </a:lnT>
-                    <a:lnB>
-                      <a:noFill/>
-                    </a:lnB>
-                    <a:lnTlToBr w="12700" cmpd="sng">
-                      <a:noFill/>
-                      <a:prstDash val="solid"/>
-                    </a:lnTlToBr>
-                    <a:lnBlToTr w="12700" cmpd="sng">
-                      <a:noFill/>
-                      <a:prstDash val="solid"/>
-                    </a:lnBlToTr>
-                  </a:tcPr>
-                </a:tc>
-                <a:extLst>
-                  <a:ext uri="{0D108BD9-81ED-4DB2-BD59-A6C34878D82A}">
-                    <a16:rowId xmlns:a16="http://schemas.microsoft.com/office/drawing/2014/main" val="3794464676"/>
-                  </a:ext>
-                </a:extLst>
-              </a:tr>
-              <a:tr h="192475">
-                <a:tc>
-                  <a:txBody>
-                    <a:bodyPr/>
-                    <a:lstStyle/>
-                    <a:p>
-                      <a:pPr algn="l" fontAlgn="b"/>
-                      <a:r>
-                        <a:rPr lang="en-CA" sz="1100" b="1" u="none" strike="noStrike" dirty="0">
-                          <a:solidFill>
-                            <a:schemeClr val="bg1"/>
-                          </a:solidFill>
-                          <a:effectLst/>
-                        </a:rPr>
-                        <a:t>Gender</a:t>
-                      </a:r>
-                      <a:endParaRPr lang="en-CA" sz="1100" b="1" i="0" u="none" strike="noStrike" dirty="0">
-                        <a:solidFill>
-                          <a:schemeClr val="bg1"/>
-                        </a:solidFill>
-                        <a:effectLst/>
-                        <a:latin typeface="Calibri" panose="020F0502020204030204" pitchFamily="34" charset="0"/>
-                      </a:endParaRPr>
-                    </a:p>
-                  </a:txBody>
-                  <a:tcPr marL="9525" marR="9525" marT="9525" marB="0" anchor="b">
-                    <a:lnL w="6350" cap="flat" cmpd="sng" algn="ctr">
-                      <a:noFill/>
-                      <a:prstDash val="solid"/>
-                      <a:miter lim="800000"/>
-                    </a:lnL>
-                    <a:lnR>
-                      <a:noFill/>
-                    </a:lnR>
-                    <a:lnT>
-                      <a:noFill/>
-                    </a:lnT>
-                    <a:lnB w="6350" cap="flat" cmpd="sng" algn="ctr">
-                      <a:noFill/>
-                      <a:prstDash val="solid"/>
-                      <a:miter lim="800000"/>
-                    </a:lnB>
-                    <a:lnTlToBr w="12700" cmpd="sng">
-                      <a:noFill/>
-                      <a:prstDash val="solid"/>
-                    </a:lnTlToBr>
-                    <a:lnBlToTr w="12700" cmpd="sng">
-                      <a:noFill/>
-                      <a:prstDash val="solid"/>
-                    </a:lnBlToTr>
-                  </a:tcPr>
-                </a:tc>
-                <a:tc>
-                  <a:txBody>
-                    <a:bodyPr/>
-                    <a:lstStyle/>
-                    <a:p>
-                      <a:pPr algn="l" fontAlgn="b"/>
-                      <a:r>
-                        <a:rPr lang="en-CA" sz="1100" b="0" u="none" strike="noStrike" dirty="0">
-                          <a:solidFill>
-                            <a:schemeClr val="bg1"/>
-                          </a:solidFill>
-                          <a:effectLst/>
-                        </a:rPr>
-                        <a:t>object</a:t>
-                      </a:r>
-                      <a:endParaRPr lang="en-CA" sz="1100" b="0" i="0" u="none" strike="noStrike" dirty="0">
-                        <a:solidFill>
-                          <a:schemeClr val="bg1"/>
-                        </a:solidFill>
-                        <a:effectLst/>
-                        <a:latin typeface="Calibri" panose="020F0502020204030204" pitchFamily="34" charset="0"/>
-                      </a:endParaRPr>
-                    </a:p>
-                  </a:txBody>
-                  <a:tcPr marL="9525" marR="9525" marT="9525" marB="0" anchor="b">
-                    <a:lnL>
-                      <a:noFill/>
-                    </a:lnL>
-                    <a:lnR>
-                      <a:noFill/>
-                    </a:lnR>
-                    <a:lnT>
-                      <a:noFill/>
-                    </a:lnT>
-                    <a:lnB w="6350" cap="flat" cmpd="sng" algn="ctr">
-                      <a:noFill/>
-                      <a:prstDash val="solid"/>
-                      <a:miter lim="800000"/>
-                    </a:lnB>
-                    <a:lnTlToBr w="12700" cmpd="sng">
-                      <a:noFill/>
-                      <a:prstDash val="solid"/>
-                    </a:lnTlToBr>
-                    <a:lnBlToTr w="12700" cmpd="sng">
-                      <a:noFill/>
-                      <a:prstDash val="solid"/>
-                    </a:lnBlToTr>
-                  </a:tcPr>
-                </a:tc>
-                <a:tc>
-                  <a:txBody>
-                    <a:bodyPr/>
-                    <a:lstStyle/>
-                    <a:p>
-                      <a:pPr algn="l" fontAlgn="b"/>
-                      <a:endParaRPr lang="en-CA" sz="1100" b="0" i="0" u="none" strike="noStrike">
-                        <a:solidFill>
-                          <a:schemeClr val="bg1"/>
-                        </a:solidFill>
-                        <a:effectLst/>
-                        <a:latin typeface="Calibri" panose="020F0502020204030204" pitchFamily="34" charset="0"/>
-                      </a:endParaRPr>
-                    </a:p>
-                  </a:txBody>
-                  <a:tcPr marL="9525" marR="9525" marT="9525" marB="0" anchor="b">
-                    <a:lnL>
-                      <a:noFill/>
-                    </a:lnL>
-                    <a:lnR>
-                      <a:noFill/>
-                    </a:lnR>
-                    <a:lnT>
-                      <a:noFill/>
-                    </a:lnT>
-                    <a:lnB w="6350" cap="flat" cmpd="sng" algn="ctr">
-                      <a:noFill/>
-                      <a:prstDash val="solid"/>
-                      <a:miter lim="800000"/>
-                    </a:lnB>
-                    <a:lnTlToBr w="12700" cmpd="sng">
-                      <a:noFill/>
-                      <a:prstDash val="solid"/>
-                    </a:lnTlToBr>
-                    <a:lnBlToTr w="12700" cmpd="sng">
-                      <a:noFill/>
-                      <a:prstDash val="solid"/>
-                    </a:lnBlToTr>
-                  </a:tcPr>
-                </a:tc>
-                <a:tc>
-                  <a:txBody>
-                    <a:bodyPr/>
-                    <a:lstStyle/>
-                    <a:p>
-                      <a:pPr algn="l" fontAlgn="b"/>
-                      <a:r>
-                        <a:rPr lang="en-CA" sz="1100" b="1" u="none" strike="noStrike" dirty="0" err="1">
-                          <a:solidFill>
-                            <a:schemeClr val="bg1"/>
-                          </a:solidFill>
-                          <a:effectLst/>
-                        </a:rPr>
-                        <a:t>PercentSalaryHike</a:t>
-                      </a:r>
-                      <a:endParaRPr lang="en-CA" sz="1100" b="1" i="0" u="none" strike="noStrike" dirty="0">
-                        <a:solidFill>
-                          <a:schemeClr val="bg1"/>
-                        </a:solidFill>
-                        <a:effectLst/>
-                        <a:latin typeface="Calibri" panose="020F0502020204030204" pitchFamily="34" charset="0"/>
-                      </a:endParaRPr>
-                    </a:p>
-                  </a:txBody>
-                  <a:tcPr marL="9525" marR="9525" marT="9525" marB="0" anchor="b">
-                    <a:lnL>
-                      <a:noFill/>
-                    </a:lnL>
-                    <a:lnR>
-                      <a:noFill/>
-                    </a:lnR>
-                    <a:lnT>
-                      <a:noFill/>
-                    </a:lnT>
-                    <a:lnB w="6350" cap="flat" cmpd="sng" algn="ctr">
-                      <a:noFill/>
-                      <a:prstDash val="solid"/>
-                      <a:miter lim="800000"/>
                     </a:lnB>
                     <a:lnTlToBr w="12700" cmpd="sng">
                       <a:noFill/>
@@ -16397,6 +16127,113 @@
                     <a:lnL>
                       <a:noFill/>
                     </a:lnL>
+                    <a:lnR w="6350" cap="flat" cmpd="sng" algn="ctr">
+                      <a:noFill/>
+                      <a:prstDash val="solid"/>
+                      <a:miter lim="800000"/>
+                    </a:lnR>
+                    <a:lnT>
+                      <a:noFill/>
+                    </a:lnT>
+                    <a:lnB>
+                      <a:noFill/>
+                    </a:lnB>
+                    <a:lnTlToBr w="12700" cmpd="sng">
+                      <a:noFill/>
+                      <a:prstDash val="solid"/>
+                    </a:lnTlToBr>
+                    <a:lnBlToTr w="12700" cmpd="sng">
+                      <a:noFill/>
+                      <a:prstDash val="solid"/>
+                    </a:lnBlToTr>
+                  </a:tcPr>
+                </a:tc>
+                <a:extLst>
+                  <a:ext uri="{0D108BD9-81ED-4DB2-BD59-A6C34878D82A}">
+                    <a16:rowId xmlns:a16="http://schemas.microsoft.com/office/drawing/2014/main" val="3794464676"/>
+                  </a:ext>
+                </a:extLst>
+              </a:tr>
+              <a:tr h="192475">
+                <a:tc>
+                  <a:txBody>
+                    <a:bodyPr/>
+                    <a:lstStyle/>
+                    <a:p>
+                      <a:pPr algn="l" fontAlgn="b"/>
+                      <a:r>
+                        <a:rPr lang="en-CA" sz="1100" b="1" u="none" strike="noStrike">
+                          <a:solidFill>
+                            <a:schemeClr val="bg1"/>
+                          </a:solidFill>
+                          <a:effectLst/>
+                        </a:rPr>
+                        <a:t>Gender</a:t>
+                      </a:r>
+                      <a:endParaRPr lang="en-CA" sz="1100" b="1" i="0" u="none" strike="noStrike">
+                        <a:solidFill>
+                          <a:schemeClr val="bg1"/>
+                        </a:solidFill>
+                        <a:effectLst/>
+                        <a:latin typeface="Calibri" panose="020F0502020204030204" pitchFamily="34" charset="0"/>
+                      </a:endParaRPr>
+                    </a:p>
+                  </a:txBody>
+                  <a:tcPr marL="9525" marR="9525" marT="9525" marB="0" anchor="b">
+                    <a:lnL w="6350" cap="flat" cmpd="sng" algn="ctr">
+                      <a:noFill/>
+                      <a:prstDash val="solid"/>
+                      <a:miter lim="800000"/>
+                    </a:lnL>
+                    <a:lnR>
+                      <a:noFill/>
+                    </a:lnR>
+                    <a:lnT>
+                      <a:noFill/>
+                    </a:lnT>
+                    <a:lnB w="6350" cap="flat" cmpd="sng" algn="ctr">
+                      <a:noFill/>
+                      <a:prstDash val="solid"/>
+                      <a:miter lim="800000"/>
+                    </a:lnB>
+                    <a:lnTlToBr w="12700" cmpd="sng">
+                      <a:noFill/>
+                      <a:prstDash val="solid"/>
+                    </a:lnTlToBr>
+                    <a:lnBlToTr w="12700" cmpd="sng">
+                      <a:noFill/>
+                      <a:prstDash val="solid"/>
+                    </a:lnBlToTr>
+                  </a:tcPr>
+                </a:tc>
+                <a:tc>
+                  <a:txBody>
+                    <a:bodyPr/>
+                    <a:lstStyle/>
+                    <a:p>
+                      <a:pPr algn="l" fontAlgn="b"/>
+                      <a:r>
+                        <a:rPr lang="en-CA" sz="1100" b="0" u="none" strike="noStrike">
+                          <a:solidFill>
+                            <a:schemeClr val="bg1"/>
+                          </a:solidFill>
+                          <a:effectLst/>
+                        </a:rPr>
+                        <a:t>object</a:t>
+                      </a:r>
+                      <a:endParaRPr lang="en-CA" sz="1100" b="0" i="0" u="none" strike="noStrike">
+                        <a:solidFill>
+                          <a:schemeClr val="bg1"/>
+                        </a:solidFill>
+                        <a:effectLst/>
+                        <a:latin typeface="Calibri" panose="020F0502020204030204" pitchFamily="34" charset="0"/>
+                      </a:endParaRPr>
+                    </a:p>
+                  </a:txBody>
+                  <a:tcPr marL="9525" marR="9525" marT="9525" marB="0" anchor="b">
+                    <a:lnL>
+                      <a:noFill/>
+                    </a:lnL>
                     <a:lnR>
                       <a:noFill/>
                     </a:lnR>
@@ -16464,6 +16301,64 @@
                     <a:lstStyle/>
                     <a:p>
                       <a:pPr algn="l" fontAlgn="b"/>
+                      <a:r>
+                        <a:rPr lang="en-CA" sz="1100" b="1" u="none" strike="noStrike" err="1">
+                          <a:solidFill>
+                            <a:schemeClr val="bg1"/>
+                          </a:solidFill>
+                          <a:effectLst/>
+                        </a:rPr>
+                        <a:t>PercentSalaryHike</a:t>
+                      </a:r>
+                      <a:endParaRPr lang="en-CA" sz="1100" b="1" i="0" u="none" strike="noStrike">
+                        <a:solidFill>
+                          <a:schemeClr val="bg1"/>
+                        </a:solidFill>
+                        <a:effectLst/>
+                        <a:latin typeface="Calibri" panose="020F0502020204030204" pitchFamily="34" charset="0"/>
+                      </a:endParaRPr>
+                    </a:p>
+                  </a:txBody>
+                  <a:tcPr marL="9525" marR="9525" marT="9525" marB="0" anchor="b">
+                    <a:lnL>
+                      <a:noFill/>
+                    </a:lnL>
+                    <a:lnR>
+                      <a:noFill/>
+                    </a:lnR>
+                    <a:lnT>
+                      <a:noFill/>
+                    </a:lnT>
+                    <a:lnB w="6350" cap="flat" cmpd="sng" algn="ctr">
+                      <a:noFill/>
+                      <a:prstDash val="solid"/>
+                      <a:miter lim="800000"/>
+                    </a:lnB>
+                    <a:lnTlToBr w="12700" cmpd="sng">
+                      <a:noFill/>
+                      <a:prstDash val="solid"/>
+                    </a:lnTlToBr>
+                    <a:lnBlToTr w="12700" cmpd="sng">
+                      <a:noFill/>
+                      <a:prstDash val="solid"/>
+                    </a:lnBlToTr>
+                  </a:tcPr>
+                </a:tc>
+                <a:tc>
+                  <a:txBody>
+                    <a:bodyPr/>
+                    <a:lstStyle/>
+                    <a:p>
+                      <a:pPr algn="l" fontAlgn="b"/>
+                      <a:r>
+                        <a:rPr lang="en-CA" sz="1100" b="0" u="none" strike="noStrike">
+                          <a:solidFill>
+                            <a:schemeClr val="bg1"/>
+                          </a:solidFill>
+                          <a:effectLst/>
+                        </a:rPr>
+                        <a:t>int64</a:t>
+                      </a:r>
                       <a:endParaRPr lang="en-CA" sz="1100" b="0" i="0" u="none" strike="noStrike">
                         <a:solidFill>
                           <a:schemeClr val="bg1"/>
@@ -16504,7 +16399,87 @@
                     <a:lstStyle/>
                     <a:p>
                       <a:pPr algn="l" fontAlgn="b"/>
-                      <a:endParaRPr lang="en-CA" sz="1100" b="0" i="0" u="none" strike="noStrike" dirty="0">
+                      <a:endParaRPr lang="en-CA" sz="1100" b="0" i="0" u="none" strike="noStrike">
+                        <a:solidFill>
+                          <a:schemeClr val="bg1"/>
+                        </a:solidFill>
+                        <a:effectLst/>
+                        <a:latin typeface="Calibri" panose="020F0502020204030204" pitchFamily="34" charset="0"/>
+                      </a:endParaRPr>
+                    </a:p>
+                  </a:txBody>
+                  <a:tcPr marL="9525" marR="9525" marT="9525" marB="0" anchor="b">
+                    <a:lnL>
+                      <a:noFill/>
+                    </a:lnL>
+                    <a:lnR>
+                      <a:noFill/>
+                    </a:lnR>
+                    <a:lnT>
+                      <a:noFill/>
+                    </a:lnT>
+                    <a:lnB w="6350" cap="flat" cmpd="sng" algn="ctr">
+                      <a:noFill/>
+                      <a:prstDash val="solid"/>
+                      <a:miter lim="800000"/>
+                    </a:lnB>
+                    <a:lnTlToBr w="12700" cmpd="sng">
+                      <a:noFill/>
+                      <a:prstDash val="solid"/>
+                    </a:lnTlToBr>
+                    <a:lnBlToTr w="12700" cmpd="sng">
+                      <a:noFill/>
+                      <a:prstDash val="solid"/>
+                    </a:lnBlToTr>
+                  </a:tcPr>
+                </a:tc>
+                <a:tc>
+                  <a:txBody>
+                    <a:bodyPr/>
+                    <a:lstStyle/>
+                    <a:p>
+                      <a:pPr algn="l" fontAlgn="b"/>
+                      <a:endParaRPr lang="en-CA" sz="1100" b="0" i="0" u="none" strike="noStrike">
+                        <a:solidFill>
+                          <a:schemeClr val="bg1"/>
+                        </a:solidFill>
+                        <a:effectLst/>
+                        <a:latin typeface="Calibri" panose="020F0502020204030204" pitchFamily="34" charset="0"/>
+                      </a:endParaRPr>
+                    </a:p>
+                  </a:txBody>
+                  <a:tcPr marL="9525" marR="9525" marT="9525" marB="0" anchor="b">
+                    <a:lnL>
+                      <a:noFill/>
+                    </a:lnL>
+                    <a:lnR>
+                      <a:noFill/>
+                    </a:lnR>
+                    <a:lnT>
+                      <a:noFill/>
+                    </a:lnT>
+                    <a:lnB w="6350" cap="flat" cmpd="sng" algn="ctr">
+                      <a:noFill/>
+                      <a:prstDash val="solid"/>
+                      <a:miter lim="800000"/>
+                    </a:lnB>
+                    <a:lnTlToBr w="12700" cmpd="sng">
+                      <a:noFill/>
+                      <a:prstDash val="solid"/>
+                    </a:lnTlToBr>
+                    <a:lnBlToTr w="12700" cmpd="sng">
+                      <a:noFill/>
+                      <a:prstDash val="solid"/>
+                    </a:lnBlToTr>
+                  </a:tcPr>
+                </a:tc>
+                <a:tc>
+                  <a:txBody>
+                    <a:bodyPr/>
+                    <a:lstStyle/>
+                    <a:p>
+                      <a:pPr algn="l" fontAlgn="b"/>
+                      <a:endParaRPr lang="en-CA" sz="1100" b="0" i="0" u="none" strike="noStrike">
                         <a:solidFill>
                           <a:schemeClr val="bg1"/>
                         </a:solidFill>
@@ -16680,18 +16655,13 @@
           <a:p>
             <a:pPr algn="ctr"/>
             <a:r>
-              <a:rPr lang="en-US" b="1" dirty="0"/>
-              <a:t>IBM HR Analytics Employee Attrition &amp; Performance</a:t>
+              <a:rPr lang="en-US" b="1"/>
+              <a:t>IBM HR Analytics Employee Attrition &amp; Performance </a:t>
             </a:r>
-            <a:r>
-              <a:rPr lang="en-US" b="1"/>
-              <a:t> </a:t>
-            </a:r>
-            <a:endParaRPr lang="en-US" b="1" dirty="0"/>
           </a:p>
           <a:p>
             <a:pPr algn="ctr"/>
-            <a:endParaRPr lang="en-US" b="1" dirty="0"/>
+            <a:endParaRPr lang="en-US" b="1"/>
           </a:p>
           <a:p>
             <a:pPr marL="285750" indent="-285750">
@@ -16700,11 +16670,7 @@
             </a:pPr>
             <a:r>
               <a:rPr lang="en-US"/>
-              <a:t>Source:</a:t>
-            </a:r>
-            <a:r>
-              <a:rPr lang="en-US" dirty="0"/>
-              <a:t> </a:t>
+              <a:t>Source: </a:t>
             </a:r>
             <a:r>
               <a:rPr lang="en-US">
@@ -16718,10 +16684,10 @@
               </a:rPr>
               <a:t>4</a:t>
             </a:r>
-            <a:endParaRPr lang="en-US" dirty="0"/>
+            <a:endParaRPr lang="en-US"/>
           </a:p>
           <a:p>
-            <a:endParaRPr lang="en-US" dirty="0"/>
+            <a:endParaRPr lang="en-US"/>
           </a:p>
         </p:txBody>
       </p:sp>
@@ -16754,14 +16720,14 @@
           <a:lstStyle/>
           <a:p>
             <a:r>
-              <a:rPr lang="en-US" sz="700" baseline="30000" dirty="0"/>
+              <a:rPr lang="en-US" sz="700" baseline="30000"/>
               <a:t>4</a:t>
             </a:r>
             <a:r>
-              <a:rPr lang="en-US" sz="700" dirty="0"/>
+              <a:rPr lang="en-US" sz="700"/>
               <a:t> https://www.kaggle.com/pavansubhasht/ibm-hr-analytics-attrition-dataset</a:t>
             </a:r>
-            <a:endParaRPr lang="en-CA" sz="700" dirty="0"/>
+            <a:endParaRPr lang="en-CA" sz="700"/>
           </a:p>
         </p:txBody>
       </p:sp>
@@ -16929,10 +16895,10 @@
           <a:p>
             <a:pPr algn="ctr"/>
             <a:r>
-              <a:rPr lang="en-US" sz="1100" b="1" dirty="0"/>
+              <a:rPr lang="en-US" sz="1100" b="1"/>
               <a:t>P R E D I C T O R S</a:t>
             </a:r>
-            <a:endParaRPr lang="en-CA" sz="1100" b="1" dirty="0"/>
+            <a:endParaRPr lang="en-CA" sz="1100" b="1"/>
           </a:p>
         </p:txBody>
       </p:sp>
@@ -16972,7 +16938,6 @@
               <a:rPr lang="en-US" sz="1100"/>
               <a:t>Integer</a:t>
             </a:r>
-            <a:endParaRPr lang="en-US" sz="1100" dirty="0"/>
           </a:p>
           <a:p>
             <a:pPr marL="171450" indent="-171450">
@@ -16980,7 +16945,7 @@
               <a:buChar char="§"/>
             </a:pPr>
             <a:r>
-              <a:rPr lang="en-CA" sz="1100" dirty="0"/>
+              <a:rPr lang="en-CA" sz="1100"/>
               <a:t>Boolean / binary</a:t>
             </a:r>
           </a:p>
@@ -16990,12 +16955,12 @@
               <a:buChar char="§"/>
             </a:pPr>
             <a:r>
-              <a:rPr lang="en-CA" sz="1100" dirty="0"/>
+              <a:rPr lang="en-CA" sz="1100"/>
               <a:t>categorical</a:t>
             </a:r>
           </a:p>
           <a:p>
-            <a:endParaRPr lang="en-CA" dirty="0"/>
+            <a:endParaRPr lang="en-CA"/>
           </a:p>
         </p:txBody>
       </p:sp>
@@ -17043,10 +17008,10 @@
           <a:p>
             <a:pPr algn="ctr"/>
             <a:r>
-              <a:rPr lang="en-US" sz="1100" b="1" dirty="0"/>
+              <a:rPr lang="en-US" sz="1100" b="1"/>
               <a:t>T A R G E T</a:t>
             </a:r>
-            <a:endParaRPr lang="en-CA" sz="1100" b="1" dirty="0"/>
+            <a:endParaRPr lang="en-CA" sz="1100" b="1"/>
           </a:p>
         </p:txBody>
       </p:sp>
@@ -17079,13 +17044,13 @@
           <a:lstStyle/>
           <a:p>
             <a:r>
-              <a:rPr lang="en-US" sz="1100" dirty="0"/>
+              <a:rPr lang="en-US" sz="1100"/>
               <a:t>Boolean (Attrition Y/N)</a:t>
             </a:r>
-            <a:endParaRPr lang="en-CA" sz="1100" dirty="0"/>
+            <a:endParaRPr lang="en-CA" sz="1100"/>
           </a:p>
           <a:p>
-            <a:endParaRPr lang="en-CA" dirty="0"/>
+            <a:endParaRPr lang="en-CA"/>
           </a:p>
         </p:txBody>
       </p:sp>
@@ -17133,18 +17098,18 @@
           <a:p>
             <a:pPr algn="ctr"/>
             <a:r>
-              <a:rPr lang="en-US" sz="1100" b="1" dirty="0"/>
+              <a:rPr lang="en-US" sz="1100" b="1"/>
               <a:t>M O D E L </a:t>
             </a:r>
             <a:r>
-              <a:rPr lang="en-US" sz="1100" b="1" dirty="0" err="1"/>
+              <a:rPr lang="en-US" sz="1100" b="1" err="1"/>
               <a:t>L</a:t>
             </a:r>
             <a:r>
-              <a:rPr lang="en-US" sz="1100" b="1" dirty="0"/>
+              <a:rPr lang="en-US" sz="1100" b="1"/>
               <a:t> I N G</a:t>
             </a:r>
-            <a:endParaRPr lang="en-CA" sz="1100" b="1" dirty="0"/>
+            <a:endParaRPr lang="en-CA" sz="1100" b="1"/>
           </a:p>
         </p:txBody>
       </p:sp>
@@ -17181,7 +17146,7 @@
               <a:buChar char="§"/>
             </a:pPr>
             <a:r>
-              <a:rPr lang="en-US" sz="1100" dirty="0"/>
+              <a:rPr lang="en-US" sz="1100"/>
               <a:t>Correlation with target</a:t>
             </a:r>
           </a:p>
@@ -17191,7 +17156,7 @@
               <a:buChar char="§"/>
             </a:pPr>
             <a:r>
-              <a:rPr lang="en-US" sz="1100" dirty="0"/>
+              <a:rPr lang="en-US" sz="1100"/>
               <a:t>Information leakage</a:t>
             </a:r>
           </a:p>
@@ -17201,7 +17166,7 @@
               <a:buChar char="§"/>
             </a:pPr>
             <a:r>
-              <a:rPr lang="en-US" sz="1100" dirty="0"/>
+              <a:rPr lang="en-US" sz="1100"/>
               <a:t>Train-Test Split</a:t>
             </a:r>
           </a:p>
@@ -17211,14 +17176,14 @@
               <a:buChar char="§"/>
             </a:pPr>
             <a:r>
-              <a:rPr lang="en-US" sz="1100" dirty="0"/>
+              <a:rPr lang="en-US" sz="1100"/>
               <a:t>Baseline: </a:t>
             </a:r>
             <a:r>
-              <a:rPr lang="en-US" sz="1100" dirty="0" err="1"/>
+              <a:rPr lang="en-US" sz="1100" err="1"/>
               <a:t>DummyClassifier</a:t>
             </a:r>
-            <a:endParaRPr lang="en-US" sz="1100" dirty="0"/>
+            <a:endParaRPr lang="en-US" sz="1100"/>
           </a:p>
           <a:p>
             <a:pPr marL="171450" indent="-171450">
@@ -17226,7 +17191,7 @@
               <a:buChar char="§"/>
             </a:pPr>
             <a:r>
-              <a:rPr lang="en-US" sz="1100" dirty="0"/>
+              <a:rPr lang="en-US" sz="1100"/>
               <a:t>Logistic Regression</a:t>
             </a:r>
           </a:p>
@@ -17236,7 +17201,7 @@
               <a:buChar char="§"/>
             </a:pPr>
             <a:r>
-              <a:rPr lang="en-US" sz="1100" dirty="0"/>
+              <a:rPr lang="en-US" sz="1100"/>
               <a:t>Random Forest</a:t>
             </a:r>
           </a:p>
@@ -17246,10 +17211,10 @@
               <a:buChar char="§"/>
             </a:pPr>
             <a:r>
-              <a:rPr lang="en-US" sz="1100" dirty="0" err="1"/>
+              <a:rPr lang="en-US" sz="1100" err="1"/>
               <a:t>LGBMClassifier</a:t>
             </a:r>
-            <a:endParaRPr lang="en-US" sz="1100" dirty="0"/>
+            <a:endParaRPr lang="en-US" sz="1100"/>
           </a:p>
           <a:p>
             <a:pPr marL="171450" indent="-171450">
@@ -17257,10 +17222,10 @@
               <a:buChar char="§"/>
             </a:pPr>
             <a:r>
-              <a:rPr lang="en-US" sz="1100" dirty="0" err="1"/>
+              <a:rPr lang="en-US" sz="1100" err="1"/>
               <a:t>GradientBoostingClassifier</a:t>
             </a:r>
-            <a:endParaRPr lang="en-US" sz="1100" dirty="0"/>
+            <a:endParaRPr lang="en-US" sz="1100"/>
           </a:p>
           <a:p>
             <a:pPr marL="171450" indent="-171450">
@@ -17268,10 +17233,10 @@
               <a:buChar char="§"/>
             </a:pPr>
             <a:r>
-              <a:rPr lang="en-US" sz="1100" dirty="0" err="1"/>
+              <a:rPr lang="en-US" sz="1100" err="1"/>
               <a:t>XGBoost</a:t>
             </a:r>
-            <a:endParaRPr lang="en-US" sz="1100" dirty="0"/>
+            <a:endParaRPr lang="en-US" sz="1100"/>
           </a:p>
           <a:p>
             <a:pPr marL="171450" indent="-171450">
@@ -17279,7 +17244,7 @@
               <a:buChar char="§"/>
             </a:pPr>
             <a:r>
-              <a:rPr lang="en-US" sz="1100" dirty="0"/>
+              <a:rPr lang="en-US" sz="1100"/>
               <a:t>AdaBoost</a:t>
             </a:r>
           </a:p>
@@ -17329,10 +17294,10 @@
           <a:p>
             <a:pPr algn="ctr"/>
             <a:r>
-              <a:rPr lang="en-US" sz="1100" b="1" dirty="0"/>
+              <a:rPr lang="en-US" sz="1100" b="1"/>
               <a:t>P E R F O R M A N C E</a:t>
             </a:r>
-            <a:endParaRPr lang="en-CA" sz="1100" b="1" dirty="0"/>
+            <a:endParaRPr lang="en-CA" sz="1100" b="1"/>
           </a:p>
         </p:txBody>
       </p:sp>
@@ -17365,7 +17330,7 @@
           <a:lstStyle/>
           <a:p>
             <a:r>
-              <a:rPr lang="en-US" sz="1100" dirty="0"/>
+              <a:rPr lang="en-US" sz="1100"/>
               <a:t>Measure Accuracy &amp; AUC ROC</a:t>
             </a:r>
           </a:p>
@@ -17375,7 +17340,7 @@
               <a:buChar char="§"/>
             </a:pPr>
             <a:r>
-              <a:rPr lang="en-US" sz="1100" dirty="0"/>
+              <a:rPr lang="en-US" sz="1100"/>
               <a:t>Excl. &amp; Incl. Feature Selection</a:t>
             </a:r>
           </a:p>
@@ -17385,7 +17350,7 @@
               <a:buChar char="§"/>
             </a:pPr>
             <a:r>
-              <a:rPr lang="en-US" sz="1100" dirty="0"/>
+              <a:rPr lang="en-US" sz="1100"/>
               <a:t>Regular</a:t>
             </a:r>
           </a:p>
@@ -17395,7 +17360,7 @@
               <a:buChar char="§"/>
             </a:pPr>
             <a:r>
-              <a:rPr lang="en-US" sz="1100" dirty="0"/>
+              <a:rPr lang="en-US" sz="1100"/>
               <a:t>SMOTE</a:t>
             </a:r>
           </a:p>
@@ -17405,13 +17370,13 @@
               <a:buChar char="§"/>
             </a:pPr>
             <a:r>
-              <a:rPr lang="en-US" sz="1100" dirty="0"/>
+              <a:rPr lang="en-US" sz="1100"/>
               <a:t>Random Grid Search</a:t>
             </a:r>
           </a:p>
           <a:p>
             <a:r>
-              <a:rPr lang="en-US" sz="1100" dirty="0"/>
+              <a:rPr lang="en-US" sz="1100"/>
               <a:t>          </a:t>
             </a:r>
           </a:p>
@@ -17461,10 +17426,10 @@
           <a:p>
             <a:pPr algn="ctr"/>
             <a:r>
-              <a:rPr lang="en-US" sz="1100" b="1" dirty="0"/>
+              <a:rPr lang="en-US" sz="1100" b="1"/>
               <a:t>T U N I N G</a:t>
             </a:r>
-            <a:endParaRPr lang="en-CA" sz="1100" b="1" dirty="0"/>
+            <a:endParaRPr lang="en-CA" sz="1100" b="1"/>
           </a:p>
         </p:txBody>
       </p:sp>
@@ -17501,7 +17466,7 @@
               <a:buChar char="§"/>
             </a:pPr>
             <a:r>
-              <a:rPr lang="en-US" sz="1100" dirty="0"/>
+              <a:rPr lang="en-US" sz="1100"/>
               <a:t>Randomized Search CV</a:t>
             </a:r>
           </a:p>
@@ -17511,7 +17476,7 @@
               <a:buChar char="§"/>
             </a:pPr>
             <a:r>
-              <a:rPr lang="en-US" sz="1100" dirty="0"/>
+              <a:rPr lang="en-US" sz="1100"/>
               <a:t>Accuracy</a:t>
             </a:r>
           </a:p>
@@ -17521,7 +17486,7 @@
               <a:buChar char="§"/>
             </a:pPr>
             <a:r>
-              <a:rPr lang="en-US" sz="1100" dirty="0"/>
+              <a:rPr lang="en-US" sz="1100"/>
               <a:t>AUC ROC</a:t>
             </a:r>
           </a:p>
@@ -17531,19 +17496,15 @@
               <a:buChar char="§"/>
             </a:pPr>
             <a:r>
-              <a:rPr lang="en-US" sz="1100" dirty="0"/>
-              <a:t>Refined Randomized Search (</a:t>
-            </a:r>
-            <a:r>
               <a:rPr lang="en-US" sz="1100"/>
-              <a:t>3-5 </a:t>
+              <a:t>Refined Randomized Search (3-5 </a:t>
             </a:r>
             <a:r>
               <a:rPr lang="en-US" sz="1100" err="1"/>
               <a:t>Iter</a:t>
             </a:r>
             <a:r>
-              <a:rPr lang="en-US" sz="1100" dirty="0"/>
+              <a:rPr lang="en-US" sz="1100"/>
               <a:t>.)</a:t>
             </a:r>
           </a:p>
@@ -17764,7 +17725,7 @@
           <p:nvPr/>
         </p:nvPicPr>
         <p:blipFill>
-          <a:blip r:embed="rId3"/>
+          <a:blip r:embed="rId4"/>
           <a:srcRect/>
           <a:stretch/>
         </p:blipFill>
@@ -17953,7 +17914,7 @@
               <a:rPr lang="en-US" smtClean="0"/>
               <a:t>7</a:t>
             </a:fld>
-            <a:endParaRPr lang="en-US" dirty="0"/>
+            <a:endParaRPr lang="en-US"/>
           </a:p>
         </p:txBody>
       </p:sp>
@@ -18046,12 +18007,12 @@
                     <a:p>
                       <a:pPr algn="ctr" fontAlgn="ctr"/>
                       <a:r>
-                        <a:rPr lang="en-CA" sz="1100" b="1" u="none" strike="noStrike" dirty="0">
+                        <a:rPr lang="en-CA" sz="1100" b="1" u="none" strike="noStrike">
                           <a:effectLst/>
                         </a:rPr>
                         <a:t>Models</a:t>
                       </a:r>
-                      <a:endParaRPr lang="en-CA" sz="1100" b="1" i="0" u="none" strike="noStrike" dirty="0">
+                      <a:endParaRPr lang="en-CA" sz="1100" b="1" i="0" u="none" strike="noStrike">
                         <a:solidFill>
                           <a:srgbClr val="006100"/>
                         </a:solidFill>
@@ -18106,12 +18067,12 @@
                     <a:p>
                       <a:pPr algn="ctr" fontAlgn="b"/>
                       <a:r>
-                        <a:rPr lang="en-CA" sz="1100" b="1" u="none" strike="noStrike" dirty="0">
+                        <a:rPr lang="en-CA" sz="1100" b="1" u="none" strike="noStrike">
                           <a:effectLst/>
                         </a:rPr>
                         <a:t>No Feature Selection</a:t>
                       </a:r>
-                      <a:endParaRPr lang="en-CA" sz="1100" b="1" i="0" u="none" strike="noStrike" dirty="0">
+                      <a:endParaRPr lang="en-CA" sz="1100" b="1" i="0" u="none" strike="noStrike">
                         <a:solidFill>
                           <a:srgbClr val="9C0006"/>
                         </a:solidFill>
@@ -18373,12 +18334,12 @@
                     <a:p>
                       <a:pPr algn="ctr" fontAlgn="b"/>
                       <a:r>
-                        <a:rPr lang="en-CA" sz="1100" b="1" u="none" strike="noStrike" dirty="0">
+                        <a:rPr lang="en-CA" sz="1100" b="1" u="none" strike="noStrike">
                           <a:effectLst/>
                         </a:rPr>
                         <a:t>Rand Grid Search</a:t>
                       </a:r>
-                      <a:endParaRPr lang="en-CA" sz="1100" b="1" i="0" u="none" strike="noStrike" dirty="0">
+                      <a:endParaRPr lang="en-CA" sz="1100" b="1" i="0" u="none" strike="noStrike">
                         <a:solidFill>
                           <a:srgbClr val="000000"/>
                         </a:solidFill>
@@ -18460,12 +18421,12 @@
                     <a:p>
                       <a:pPr algn="ctr" fontAlgn="ctr"/>
                       <a:r>
-                        <a:rPr lang="en-CA" sz="1100" b="1" u="none" strike="noStrike" dirty="0">
+                        <a:rPr lang="en-CA" sz="1100" b="1" u="none" strike="noStrike">
                           <a:effectLst/>
                         </a:rPr>
                         <a:t>Accuracy</a:t>
                       </a:r>
-                      <a:endParaRPr lang="en-CA" sz="1100" b="1" i="0" u="none" strike="noStrike" dirty="0">
+                      <a:endParaRPr lang="en-CA" sz="1100" b="1" i="0" u="none" strike="noStrike">
                         <a:solidFill>
                           <a:srgbClr val="FFFFFF"/>
                         </a:solidFill>
@@ -18520,12 +18481,12 @@
                     <a:p>
                       <a:pPr algn="ctr" fontAlgn="ctr"/>
                       <a:r>
-                        <a:rPr lang="en-CA" sz="1100" b="1" u="none" strike="noStrike" dirty="0">
+                        <a:rPr lang="en-CA" sz="1100" b="1" u="none" strike="noStrike">
                           <a:effectLst/>
                         </a:rPr>
                         <a:t>AUC-ROC</a:t>
                       </a:r>
-                      <a:endParaRPr lang="en-CA" sz="1100" b="1" i="0" u="none" strike="noStrike" dirty="0">
+                      <a:endParaRPr lang="en-CA" sz="1100" b="1" i="0" u="none" strike="noStrike">
                         <a:solidFill>
                           <a:srgbClr val="FFFFFF"/>
                         </a:solidFill>
@@ -18580,12 +18541,12 @@
                     <a:p>
                       <a:pPr algn="ctr" fontAlgn="ctr"/>
                       <a:r>
-                        <a:rPr lang="en-CA" sz="1100" b="1" u="none" strike="noStrike" dirty="0">
+                        <a:rPr lang="en-CA" sz="1100" b="1" u="none" strike="noStrike">
                           <a:effectLst/>
                         </a:rPr>
                         <a:t>Accuracy</a:t>
                       </a:r>
-                      <a:endParaRPr lang="en-CA" sz="1100" b="1" i="0" u="none" strike="noStrike" dirty="0">
+                      <a:endParaRPr lang="en-CA" sz="1100" b="1" i="0" u="none" strike="noStrike">
                         <a:solidFill>
                           <a:srgbClr val="FFFFFF"/>
                         </a:solidFill>
@@ -18640,12 +18601,12 @@
                     <a:p>
                       <a:pPr algn="ctr" fontAlgn="ctr"/>
                       <a:r>
-                        <a:rPr lang="en-CA" sz="1100" b="1" u="none" strike="noStrike" dirty="0">
+                        <a:rPr lang="en-CA" sz="1100" b="1" u="none" strike="noStrike">
                           <a:effectLst/>
                         </a:rPr>
                         <a:t>AUC-ROC</a:t>
                       </a:r>
-                      <a:endParaRPr lang="en-CA" sz="1100" b="1" i="0" u="none" strike="noStrike" dirty="0">
+                      <a:endParaRPr lang="en-CA" sz="1100" b="1" i="0" u="none" strike="noStrike">
                         <a:solidFill>
                           <a:srgbClr val="FFFFFF"/>
                         </a:solidFill>
@@ -18700,12 +18661,12 @@
                     <a:p>
                       <a:pPr algn="ctr" fontAlgn="ctr"/>
                       <a:r>
-                        <a:rPr lang="en-CA" sz="1100" b="1" u="none" strike="noStrike" dirty="0">
+                        <a:rPr lang="en-CA" sz="1100" b="1" u="none" strike="noStrike">
                           <a:effectLst/>
                         </a:rPr>
                         <a:t>Accuracy</a:t>
                       </a:r>
-                      <a:endParaRPr lang="en-CA" sz="1100" b="1" i="0" u="none" strike="noStrike" dirty="0">
+                      <a:endParaRPr lang="en-CA" sz="1100" b="1" i="0" u="none" strike="noStrike">
                         <a:solidFill>
                           <a:srgbClr val="FFFFFF"/>
                         </a:solidFill>
@@ -18760,12 +18721,12 @@
                     <a:p>
                       <a:pPr algn="ctr" fontAlgn="ctr"/>
                       <a:r>
-                        <a:rPr lang="en-CA" sz="1100" b="1" u="none" strike="noStrike" dirty="0">
+                        <a:rPr lang="en-CA" sz="1100" b="1" u="none" strike="noStrike">
                           <a:effectLst/>
                         </a:rPr>
                         <a:t>AUC-ROC</a:t>
                       </a:r>
-                      <a:endParaRPr lang="en-CA" sz="1100" b="1" i="0" u="none" strike="noStrike" dirty="0">
+                      <a:endParaRPr lang="en-CA" sz="1100" b="1" i="0" u="none" strike="noStrike">
                         <a:solidFill>
                           <a:srgbClr val="FFFFFF"/>
                         </a:solidFill>
@@ -18827,12 +18788,12 @@
                     <a:p>
                       <a:pPr algn="ctr" fontAlgn="b"/>
                       <a:r>
-                        <a:rPr lang="en-CA" sz="1100" b="1" u="none" strike="noStrike" dirty="0">
+                        <a:rPr lang="en-CA" sz="1100" b="1" u="none" strike="noStrike">
                           <a:effectLst/>
                         </a:rPr>
                         <a:t>Logistic Regression</a:t>
                       </a:r>
-                      <a:endParaRPr lang="en-CA" sz="1100" b="1" i="0" u="none" strike="noStrike" dirty="0">
+                      <a:endParaRPr lang="en-CA" sz="1100" b="1" i="0" u="none" strike="noStrike">
                         <a:solidFill>
                           <a:srgbClr val="000000"/>
                         </a:solidFill>
@@ -19254,12 +19215,12 @@
                     <a:p>
                       <a:pPr algn="ctr" fontAlgn="b"/>
                       <a:r>
-                        <a:rPr lang="en-CA" sz="1100" b="1" u="none" strike="noStrike" dirty="0">
+                        <a:rPr lang="en-CA" sz="1100" b="1" u="none" strike="noStrike">
                           <a:effectLst/>
                         </a:rPr>
                         <a:t>Random Forest</a:t>
                       </a:r>
-                      <a:endParaRPr lang="en-CA" sz="1100" b="1" i="0" u="none" strike="noStrike" dirty="0">
+                      <a:endParaRPr lang="en-CA" sz="1100" b="1" i="0" u="none" strike="noStrike">
                         <a:solidFill>
                           <a:srgbClr val="000000"/>
                         </a:solidFill>
@@ -19314,12 +19275,12 @@
                     <a:p>
                       <a:pPr algn="ctr" fontAlgn="ctr"/>
                       <a:r>
-                        <a:rPr lang="en-CA" sz="1100" u="none" strike="noStrike" dirty="0">
+                        <a:rPr lang="en-CA" sz="1100" u="none" strike="noStrike">
                           <a:effectLst/>
                         </a:rPr>
                         <a:t>0.8404</a:t>
                       </a:r>
-                      <a:endParaRPr lang="en-CA" sz="1100" b="0" i="0" u="none" strike="noStrike" dirty="0">
+                      <a:endParaRPr lang="en-CA" sz="1100" b="0" i="0" u="none" strike="noStrike">
                         <a:solidFill>
                           <a:srgbClr val="000000"/>
                         </a:solidFill>
@@ -19377,12 +19338,12 @@
                     <a:p>
                       <a:pPr algn="ctr" fontAlgn="ctr"/>
                       <a:r>
-                        <a:rPr lang="en-CA" sz="1100" u="none" strike="noStrike" dirty="0">
+                        <a:rPr lang="en-CA" sz="1100" u="none" strike="noStrike">
                           <a:effectLst/>
                         </a:rPr>
                         <a:t>0.613</a:t>
                       </a:r>
-                      <a:endParaRPr lang="en-CA" sz="1100" b="0" i="0" u="none" strike="noStrike" dirty="0">
+                      <a:endParaRPr lang="en-CA" sz="1100" b="0" i="0" u="none" strike="noStrike">
                         <a:solidFill>
                           <a:srgbClr val="000000"/>
                         </a:solidFill>
@@ -19437,12 +19398,12 @@
                     <a:p>
                       <a:pPr algn="ctr" fontAlgn="ctr"/>
                       <a:r>
-                        <a:rPr lang="en-CA" sz="1100" u="none" strike="noStrike" dirty="0">
+                        <a:rPr lang="en-CA" sz="1100" u="none" strike="noStrike">
                           <a:effectLst/>
                         </a:rPr>
                         <a:t>0.8451</a:t>
                       </a:r>
-                      <a:endParaRPr lang="en-CA" sz="1100" b="0" i="0" u="none" strike="noStrike" dirty="0">
+                      <a:endParaRPr lang="en-CA" sz="1100" b="0" i="0" u="none" strike="noStrike">
                         <a:solidFill>
                           <a:srgbClr val="000000"/>
                         </a:solidFill>
@@ -19687,12 +19648,12 @@
                     <a:p>
                       <a:pPr algn="ctr" fontAlgn="b"/>
                       <a:r>
-                        <a:rPr lang="en-CA" sz="1100" b="1" u="none" strike="noStrike" dirty="0" err="1">
+                        <a:rPr lang="en-CA" sz="1100" b="1" u="none" strike="noStrike" err="1">
                           <a:effectLst/>
                         </a:rPr>
                         <a:t>LGBMClassifier</a:t>
                       </a:r>
-                      <a:endParaRPr lang="en-CA" sz="1100" b="1" i="0" u="none" strike="noStrike" dirty="0">
+                      <a:endParaRPr lang="en-CA" sz="1100" b="1" i="0" u="none" strike="noStrike">
                         <a:solidFill>
                           <a:srgbClr val="000000"/>
                         </a:solidFill>
@@ -19747,12 +19708,12 @@
                     <a:p>
                       <a:pPr algn="ctr" fontAlgn="ctr"/>
                       <a:r>
-                        <a:rPr lang="en-CA" sz="1100" u="none" strike="noStrike" dirty="0">
+                        <a:rPr lang="en-CA" sz="1100" u="none" strike="noStrike">
                           <a:effectLst/>
                         </a:rPr>
                         <a:t>0.8451</a:t>
                       </a:r>
-                      <a:endParaRPr lang="en-CA" sz="1100" b="0" i="0" u="none" strike="noStrike" dirty="0">
+                      <a:endParaRPr lang="en-CA" sz="1100" b="0" i="0" u="none" strike="noStrike">
                         <a:solidFill>
                           <a:srgbClr val="000000"/>
                         </a:solidFill>
@@ -19870,12 +19831,12 @@
                     <a:p>
                       <a:pPr algn="ctr" fontAlgn="ctr"/>
                       <a:r>
-                        <a:rPr lang="en-CA" sz="1100" u="none" strike="noStrike" dirty="0">
+                        <a:rPr lang="en-CA" sz="1100" u="none" strike="noStrike">
                           <a:effectLst/>
                         </a:rPr>
                         <a:t>0.8404</a:t>
                       </a:r>
-                      <a:endParaRPr lang="en-CA" sz="1100" b="0" i="0" u="none" strike="noStrike" dirty="0">
+                      <a:endParaRPr lang="en-CA" sz="1100" b="0" i="0" u="none" strike="noStrike">
                         <a:solidFill>
                           <a:srgbClr val="000000"/>
                         </a:solidFill>
@@ -19993,12 +19954,12 @@
                     <a:p>
                       <a:pPr algn="ctr" fontAlgn="ctr"/>
                       <a:r>
-                        <a:rPr lang="en-CA" sz="1100" u="none" strike="noStrike" dirty="0">
+                        <a:rPr lang="en-CA" sz="1100" u="none" strike="noStrike">
                           <a:effectLst/>
                         </a:rPr>
                         <a:t>0.8404</a:t>
                       </a:r>
-                      <a:endParaRPr lang="en-CA" sz="1100" b="0" i="0" u="none" strike="noStrike" dirty="0">
+                      <a:endParaRPr lang="en-CA" sz="1100" b="0" i="0" u="none" strike="noStrike">
                         <a:solidFill>
                           <a:srgbClr val="000000"/>
                         </a:solidFill>
@@ -20120,12 +20081,12 @@
                     <a:p>
                       <a:pPr algn="ctr" fontAlgn="b"/>
                       <a:r>
-                        <a:rPr lang="en-CA" sz="1100" b="1" u="none" strike="noStrike" dirty="0" err="1">
+                        <a:rPr lang="en-CA" sz="1100" b="1" u="none" strike="noStrike" err="1">
                           <a:effectLst/>
                         </a:rPr>
                         <a:t>GradientBoostingClassifier</a:t>
                       </a:r>
-                      <a:endParaRPr lang="en-CA" sz="1100" b="1" i="0" u="none" strike="noStrike" dirty="0">
+                      <a:endParaRPr lang="en-CA" sz="1100" b="1" i="0" u="none" strike="noStrike">
                         <a:solidFill>
                           <a:srgbClr val="000000"/>
                         </a:solidFill>
@@ -20300,12 +20261,12 @@
                     <a:p>
                       <a:pPr algn="ctr" fontAlgn="ctr"/>
                       <a:r>
-                        <a:rPr lang="en-CA" sz="1100" u="none" strike="noStrike" dirty="0">
+                        <a:rPr lang="en-CA" sz="1100" u="none" strike="noStrike">
                           <a:effectLst/>
                         </a:rPr>
                         <a:t>0.8357</a:t>
                       </a:r>
-                      <a:endParaRPr lang="en-CA" sz="1100" b="0" i="0" u="none" strike="noStrike" dirty="0">
+                      <a:endParaRPr lang="en-CA" sz="1100" b="0" i="0" u="none" strike="noStrike">
                         <a:solidFill>
                           <a:srgbClr val="000000"/>
                         </a:solidFill>
@@ -20423,12 +20384,12 @@
                     <a:p>
                       <a:pPr algn="ctr" fontAlgn="b"/>
                       <a:r>
-                        <a:rPr lang="en-CA" sz="1100" u="none" strike="noStrike" dirty="0">
+                        <a:rPr lang="en-CA" sz="1100" u="none" strike="noStrike">
                           <a:effectLst/>
                         </a:rPr>
                         <a:t>0.88</a:t>
                       </a:r>
-                      <a:endParaRPr lang="en-CA" sz="1100" b="0" i="0" u="none" strike="noStrike" dirty="0">
+                      <a:endParaRPr lang="en-CA" sz="1100" b="0" i="0" u="none" strike="noStrike">
                         <a:solidFill>
                           <a:srgbClr val="000000"/>
                         </a:solidFill>
@@ -20553,12 +20514,12 @@
                     <a:p>
                       <a:pPr algn="ctr" fontAlgn="b"/>
                       <a:r>
-                        <a:rPr lang="en-CA" sz="1100" b="1" u="none" strike="noStrike" dirty="0" err="1">
+                        <a:rPr lang="en-CA" sz="1100" b="1" u="none" strike="noStrike" err="1">
                           <a:effectLst/>
                         </a:rPr>
                         <a:t>XGBoost</a:t>
                       </a:r>
-                      <a:endParaRPr lang="en-CA" sz="1100" b="1" i="0" u="none" strike="noStrike" dirty="0">
+                      <a:endParaRPr lang="en-CA" sz="1100" b="1" i="0" u="none" strike="noStrike">
                         <a:solidFill>
                           <a:srgbClr val="000000"/>
                         </a:solidFill>
@@ -20673,12 +20634,12 @@
                     <a:p>
                       <a:pPr algn="ctr" fontAlgn="ctr"/>
                       <a:r>
-                        <a:rPr lang="en-CA" sz="1100" u="none" strike="noStrike" dirty="0">
+                        <a:rPr lang="en-CA" sz="1100" u="none" strike="noStrike">
                           <a:effectLst/>
                         </a:rPr>
                         <a:t>0.623</a:t>
                       </a:r>
-                      <a:endParaRPr lang="en-CA" sz="1100" b="0" i="0" u="none" strike="noStrike" dirty="0">
+                      <a:endParaRPr lang="en-CA" sz="1100" b="0" i="0" u="none" strike="noStrike">
                         <a:solidFill>
                           <a:srgbClr val="000000"/>
                         </a:solidFill>
@@ -20733,12 +20694,12 @@
                     <a:p>
                       <a:pPr algn="ctr" fontAlgn="ctr"/>
                       <a:r>
-                        <a:rPr lang="en-CA" sz="1100" u="none" strike="noStrike" dirty="0">
+                        <a:rPr lang="en-CA" sz="1100" u="none" strike="noStrike">
                           <a:effectLst/>
                         </a:rPr>
                         <a:t>0.8357</a:t>
                       </a:r>
-                      <a:endParaRPr lang="en-CA" sz="1100" b="0" i="0" u="none" strike="noStrike" dirty="0">
+                      <a:endParaRPr lang="en-CA" sz="1100" b="0" i="0" u="none" strike="noStrike">
                         <a:solidFill>
                           <a:srgbClr val="000000"/>
                         </a:solidFill>
@@ -20983,12 +20944,12 @@
                     <a:p>
                       <a:pPr algn="ctr" fontAlgn="b"/>
                       <a:r>
-                        <a:rPr lang="en-CA" sz="1100" b="1" u="none" strike="noStrike" dirty="0">
+                        <a:rPr lang="en-CA" sz="1100" b="1" u="none" strike="noStrike">
                           <a:effectLst/>
                         </a:rPr>
                         <a:t>AdaBoost</a:t>
                       </a:r>
-                      <a:endParaRPr lang="en-CA" sz="1100" b="1" i="0" u="none" strike="noStrike" dirty="0">
+                      <a:endParaRPr lang="en-CA" sz="1100" b="1" i="0" u="none" strike="noStrike">
                         <a:solidFill>
                           <a:srgbClr val="000000"/>
                         </a:solidFill>
@@ -21043,12 +21004,12 @@
                     <a:p>
                       <a:pPr algn="ctr" fontAlgn="ctr"/>
                       <a:r>
-                        <a:rPr lang="en-CA" sz="1100" u="none" strike="noStrike" dirty="0">
+                        <a:rPr lang="en-CA" sz="1100" u="none" strike="noStrike">
                           <a:effectLst/>
                         </a:rPr>
                         <a:t>0.8592</a:t>
                       </a:r>
-                      <a:endParaRPr lang="en-CA" sz="1100" b="0" i="0" u="none" strike="noStrike" dirty="0">
+                      <a:endParaRPr lang="en-CA" sz="1100" b="0" i="0" u="none" strike="noStrike">
                         <a:solidFill>
                           <a:srgbClr val="000000"/>
                         </a:solidFill>
@@ -21106,12 +21067,12 @@
                     <a:p>
                       <a:pPr algn="ctr" fontAlgn="ctr"/>
                       <a:r>
-                        <a:rPr lang="en-CA" sz="1100" u="none" strike="noStrike" dirty="0">
+                        <a:rPr lang="en-CA" sz="1100" u="none" strike="noStrike">
                           <a:effectLst/>
                         </a:rPr>
                         <a:t>0.736</a:t>
                       </a:r>
-                      <a:endParaRPr lang="en-CA" sz="1100" b="0" i="0" u="none" strike="noStrike" dirty="0">
+                      <a:endParaRPr lang="en-CA" sz="1100" b="0" i="0" u="none" strike="noStrike">
                         <a:solidFill>
                           <a:srgbClr val="000000"/>
                         </a:solidFill>
@@ -21169,12 +21130,12 @@
                     <a:p>
                       <a:pPr algn="ctr" fontAlgn="ctr"/>
                       <a:r>
-                        <a:rPr lang="en-CA" sz="1100" u="none" strike="noStrike" dirty="0">
+                        <a:rPr lang="en-CA" sz="1100" u="none" strike="noStrike">
                           <a:effectLst/>
                         </a:rPr>
                         <a:t>0.8451</a:t>
                       </a:r>
-                      <a:endParaRPr lang="en-CA" sz="1100" b="0" i="0" u="none" strike="noStrike" dirty="0">
+                      <a:endParaRPr lang="en-CA" sz="1100" b="0" i="0" u="none" strike="noStrike">
                         <a:solidFill>
                           <a:srgbClr val="000000"/>
                         </a:solidFill>
@@ -21232,12 +21193,12 @@
                     <a:p>
                       <a:pPr algn="ctr" fontAlgn="ctr"/>
                       <a:r>
-                        <a:rPr lang="en-CA" sz="1100" u="none" strike="noStrike" dirty="0">
+                        <a:rPr lang="en-CA" sz="1100" u="none" strike="noStrike">
                           <a:effectLst/>
                         </a:rPr>
                         <a:t>0.746</a:t>
                       </a:r>
-                      <a:endParaRPr lang="en-CA" sz="1100" b="0" i="0" u="none" strike="noStrike" dirty="0">
+                      <a:endParaRPr lang="en-CA" sz="1100" b="0" i="0" u="none" strike="noStrike">
                         <a:solidFill>
                           <a:srgbClr val="000000"/>
                         </a:solidFill>
@@ -21295,12 +21256,12 @@
                     <a:p>
                       <a:pPr algn="ctr" fontAlgn="ctr"/>
                       <a:r>
-                        <a:rPr lang="en-CA" sz="1100" u="none" strike="noStrike" dirty="0">
+                        <a:rPr lang="en-CA" sz="1100" u="none" strike="noStrike">
                           <a:effectLst/>
                         </a:rPr>
                         <a:t>0.8357</a:t>
                       </a:r>
-                      <a:endParaRPr lang="en-CA" sz="1100" b="0" i="0" u="none" strike="noStrike" dirty="0">
+                      <a:endParaRPr lang="en-CA" sz="1100" b="0" i="0" u="none" strike="noStrike">
                         <a:solidFill>
                           <a:srgbClr val="000000"/>
                         </a:solidFill>
@@ -21355,12 +21316,12 @@
                     <a:p>
                       <a:pPr algn="ctr" fontAlgn="ctr"/>
                       <a:r>
-                        <a:rPr lang="en-CA" sz="1100" u="none" strike="noStrike" dirty="0">
+                        <a:rPr lang="en-CA" sz="1100" u="none" strike="noStrike">
                           <a:effectLst/>
                         </a:rPr>
                         <a:t>0.74</a:t>
                       </a:r>
-                      <a:endParaRPr lang="en-CA" sz="1100" b="0" i="0" u="none" strike="noStrike" dirty="0">
+                      <a:endParaRPr lang="en-CA" sz="1100" b="0" i="0" u="none" strike="noStrike">
                         <a:solidFill>
                           <a:srgbClr val="000000"/>
                         </a:solidFill>
@@ -21531,12 +21492,12 @@
                     <a:p>
                       <a:pPr algn="ctr" fontAlgn="ctr"/>
                       <a:r>
-                        <a:rPr lang="en-CA" sz="1100" b="1" u="none" strike="noStrike" dirty="0">
+                        <a:rPr lang="en-CA" sz="1100" b="1" u="none" strike="noStrike">
                           <a:effectLst/>
                         </a:rPr>
                         <a:t>Models</a:t>
                       </a:r>
-                      <a:endParaRPr lang="en-CA" sz="1100" b="1" i="0" u="none" strike="noStrike" dirty="0">
+                      <a:endParaRPr lang="en-CA" sz="1100" b="1" i="0" u="none" strike="noStrike">
                         <a:solidFill>
                           <a:srgbClr val="006100"/>
                         </a:solidFill>
@@ -21591,12 +21552,12 @@
                     <a:p>
                       <a:pPr algn="ctr" fontAlgn="b"/>
                       <a:r>
-                        <a:rPr lang="en-CA" sz="1100" b="1" u="none" strike="noStrike" dirty="0">
+                        <a:rPr lang="en-CA" sz="1100" b="1" u="none" strike="noStrike">
                           <a:effectLst/>
                         </a:rPr>
                         <a:t>With Feature Selection</a:t>
                       </a:r>
-                      <a:endParaRPr lang="en-CA" sz="1100" b="1" i="0" u="none" strike="noStrike" dirty="0">
+                      <a:endParaRPr lang="en-CA" sz="1100" b="1" i="0" u="none" strike="noStrike">
                         <a:solidFill>
                           <a:srgbClr val="006100"/>
                         </a:solidFill>
@@ -21748,12 +21709,12 @@
                     <a:p>
                       <a:pPr algn="ctr" fontAlgn="b"/>
                       <a:r>
-                        <a:rPr lang="en-CA" sz="1100" b="1" u="none" strike="noStrike" dirty="0">
+                        <a:rPr lang="en-CA" sz="1100" b="1" u="none" strike="noStrike">
                           <a:effectLst/>
                         </a:rPr>
                         <a:t>Regular</a:t>
                       </a:r>
-                      <a:endParaRPr lang="en-CA" sz="1100" b="1" i="0" u="none" strike="noStrike" dirty="0">
+                      <a:endParaRPr lang="en-CA" sz="1100" b="1" i="0" u="none" strike="noStrike">
                         <a:solidFill>
                           <a:srgbClr val="000000"/>
                         </a:solidFill>
@@ -21818,12 +21779,12 @@
                     <a:p>
                       <a:pPr algn="ctr" fontAlgn="b"/>
                       <a:r>
-                        <a:rPr lang="en-CA" sz="1100" b="1" u="none" strike="noStrike" dirty="0">
+                        <a:rPr lang="en-CA" sz="1100" b="1" u="none" strike="noStrike">
                           <a:effectLst/>
                         </a:rPr>
                         <a:t>SMOTE</a:t>
                       </a:r>
-                      <a:endParaRPr lang="en-CA" sz="1100" b="1" i="0" u="none" strike="noStrike" dirty="0">
+                      <a:endParaRPr lang="en-CA" sz="1100" b="1" i="0" u="none" strike="noStrike">
                         <a:solidFill>
                           <a:srgbClr val="FFFFFF"/>
                         </a:solidFill>
@@ -21888,12 +21849,12 @@
                     <a:p>
                       <a:pPr algn="ctr" fontAlgn="b"/>
                       <a:r>
-                        <a:rPr lang="en-CA" sz="1100" b="1" u="none" strike="noStrike" dirty="0">
+                        <a:rPr lang="en-CA" sz="1100" b="1" u="none" strike="noStrike">
                           <a:effectLst/>
                         </a:rPr>
                         <a:t>RFE (Optimal # of Features)</a:t>
                       </a:r>
-                      <a:endParaRPr lang="en-CA" sz="1100" b="1" i="0" u="none" strike="noStrike" dirty="0">
+                      <a:endParaRPr lang="en-CA" sz="1100" b="1" i="0" u="none" strike="noStrike">
                         <a:solidFill>
                           <a:srgbClr val="9C5700"/>
                         </a:solidFill>
@@ -21948,12 +21909,12 @@
                     <a:p>
                       <a:pPr algn="ctr" fontAlgn="b"/>
                       <a:r>
-                        <a:rPr lang="en-CA" sz="1100" b="1" u="none" strike="noStrike" dirty="0">
+                        <a:rPr lang="en-CA" sz="1100" b="1" u="none" strike="noStrike">
                           <a:effectLst/>
                         </a:rPr>
                         <a:t>SMOTE</a:t>
                       </a:r>
-                      <a:endParaRPr lang="en-CA" sz="1100" b="1" i="0" u="none" strike="noStrike" dirty="0">
+                      <a:endParaRPr lang="en-CA" sz="1100" b="1" i="0" u="none" strike="noStrike">
                         <a:solidFill>
                           <a:srgbClr val="FFFFFF"/>
                         </a:solidFill>
@@ -22285,12 +22246,12 @@
                     <a:p>
                       <a:pPr algn="ctr" fontAlgn="ctr"/>
                       <a:r>
-                        <a:rPr lang="en-CA" sz="1100" b="1" u="none" strike="noStrike" dirty="0">
+                        <a:rPr lang="en-CA" sz="1100" b="1" u="none" strike="noStrike">
                           <a:effectLst/>
                         </a:rPr>
                         <a:t>AUC-ROC</a:t>
                       </a:r>
-                      <a:endParaRPr lang="en-CA" sz="1100" b="1" i="0" u="none" strike="noStrike" dirty="0">
+                      <a:endParaRPr lang="en-CA" sz="1100" b="1" i="0" u="none" strike="noStrike">
                         <a:solidFill>
                           <a:srgbClr val="FFFFFF"/>
                         </a:solidFill>
@@ -22355,12 +22316,12 @@
                     <a:p>
                       <a:pPr algn="ctr" fontAlgn="ctr"/>
                       <a:r>
-                        <a:rPr lang="en-CA" sz="1100" b="1" u="none" strike="noStrike" dirty="0">
+                        <a:rPr lang="en-CA" sz="1100" b="1" u="none" strike="noStrike">
                           <a:effectLst/>
                         </a:rPr>
                         <a:t>Accuracy</a:t>
                       </a:r>
-                      <a:endParaRPr lang="en-CA" sz="1100" b="1" i="0" u="none" strike="noStrike" dirty="0">
+                      <a:endParaRPr lang="en-CA" sz="1100" b="1" i="0" u="none" strike="noStrike">
                         <a:solidFill>
                           <a:srgbClr val="FFFFFF"/>
                         </a:solidFill>
@@ -22415,12 +22376,12 @@
                     <a:p>
                       <a:pPr algn="ctr" fontAlgn="ctr"/>
                       <a:r>
-                        <a:rPr lang="en-CA" sz="1100" b="1" u="none" strike="noStrike" dirty="0">
+                        <a:rPr lang="en-CA" sz="1100" b="1" u="none" strike="noStrike">
                           <a:effectLst/>
                         </a:rPr>
                         <a:t>AUC-ROC</a:t>
                       </a:r>
-                      <a:endParaRPr lang="en-CA" sz="1100" b="1" i="0" u="none" strike="noStrike" dirty="0">
+                      <a:endParaRPr lang="en-CA" sz="1100" b="1" i="0" u="none" strike="noStrike">
                         <a:solidFill>
                           <a:srgbClr val="FFFFFF"/>
                         </a:solidFill>
@@ -22475,12 +22436,12 @@
                     <a:p>
                       <a:pPr algn="ctr" fontAlgn="ctr"/>
                       <a:r>
-                        <a:rPr lang="en-CA" sz="1100" b="1" u="none" strike="noStrike" dirty="0">
+                        <a:rPr lang="en-CA" sz="1100" b="1" u="none" strike="noStrike">
                           <a:effectLst/>
                         </a:rPr>
                         <a:t>Accuracy</a:t>
                       </a:r>
-                      <a:endParaRPr lang="en-CA" sz="1100" b="1" i="0" u="none" strike="noStrike" dirty="0">
+                      <a:endParaRPr lang="en-CA" sz="1100" b="1" i="0" u="none" strike="noStrike">
                         <a:solidFill>
                           <a:srgbClr val="FFFFFF"/>
                         </a:solidFill>
@@ -22535,12 +22496,12 @@
                     <a:p>
                       <a:pPr algn="ctr" fontAlgn="ctr"/>
                       <a:r>
-                        <a:rPr lang="en-CA" sz="1100" b="1" u="none" strike="noStrike" dirty="0">
+                        <a:rPr lang="en-CA" sz="1100" b="1" u="none" strike="noStrike">
                           <a:effectLst/>
                         </a:rPr>
                         <a:t>AUC-ROC</a:t>
                       </a:r>
-                      <a:endParaRPr lang="en-CA" sz="1100" b="1" i="0" u="none" strike="noStrike" dirty="0">
+                      <a:endParaRPr lang="en-CA" sz="1100" b="1" i="0" u="none" strike="noStrike">
                         <a:solidFill>
                           <a:srgbClr val="FFFFFF"/>
                         </a:solidFill>
@@ -22602,12 +22563,12 @@
                     <a:p>
                       <a:pPr algn="ctr" fontAlgn="b"/>
                       <a:r>
-                        <a:rPr lang="en-CA" sz="1100" b="1" u="none" strike="noStrike" dirty="0">
+                        <a:rPr lang="en-CA" sz="1100" b="1" u="none" strike="noStrike">
                           <a:effectLst/>
                         </a:rPr>
                         <a:t>Logistic Regression</a:t>
                       </a:r>
-                      <a:endParaRPr lang="en-CA" sz="1100" b="1" i="0" u="none" strike="noStrike" dirty="0">
+                      <a:endParaRPr lang="en-CA" sz="1100" b="1" i="0" u="none" strike="noStrike">
                         <a:solidFill>
                           <a:srgbClr val="000000"/>
                         </a:solidFill>
@@ -22662,12 +22623,12 @@
                     <a:p>
                       <a:pPr algn="ctr" fontAlgn="ctr"/>
                       <a:r>
-                        <a:rPr lang="en-CA" sz="1100" u="none" strike="noStrike" dirty="0">
+                        <a:rPr lang="en-CA" sz="1100" u="none" strike="noStrike">
                           <a:effectLst/>
                         </a:rPr>
                         <a:t>0.8263</a:t>
                       </a:r>
-                      <a:endParaRPr lang="en-CA" sz="1100" b="0" i="0" u="none" strike="noStrike" dirty="0">
+                      <a:endParaRPr lang="en-CA" sz="1100" b="0" i="0" u="none" strike="noStrike">
                         <a:solidFill>
                           <a:srgbClr val="000000"/>
                         </a:solidFill>
@@ -22842,12 +22803,12 @@
                     <a:p>
                       <a:pPr algn="ctr" fontAlgn="ctr"/>
                       <a:r>
-                        <a:rPr lang="en-CA" sz="1100" u="none" strike="noStrike" dirty="0">
+                        <a:rPr lang="en-CA" sz="1100" u="none" strike="noStrike">
                           <a:effectLst/>
                         </a:rPr>
                         <a:t>0.659</a:t>
                       </a:r>
-                      <a:endParaRPr lang="en-CA" sz="1100" b="0" i="0" u="none" strike="noStrike" dirty="0">
+                      <a:endParaRPr lang="en-CA" sz="1100" b="0" i="0" u="none" strike="noStrike">
                         <a:solidFill>
                           <a:srgbClr val="000000"/>
                         </a:solidFill>
@@ -23212,12 +23173,12 @@
                     <a:p>
                       <a:pPr algn="ctr" fontAlgn="b"/>
                       <a:r>
-                        <a:rPr lang="en-CA" sz="1100" b="1" u="none" strike="noStrike" dirty="0">
+                        <a:rPr lang="en-CA" sz="1100" b="1" u="none" strike="noStrike">
                           <a:effectLst/>
                         </a:rPr>
                         <a:t>Random Forest</a:t>
                       </a:r>
-                      <a:endParaRPr lang="en-CA" sz="1100" b="1" i="0" u="none" strike="noStrike" dirty="0">
+                      <a:endParaRPr lang="en-CA" sz="1100" b="1" i="0" u="none" strike="noStrike">
                         <a:solidFill>
                           <a:srgbClr val="000000"/>
                         </a:solidFill>
@@ -23272,12 +23233,12 @@
                     <a:p>
                       <a:pPr algn="ctr" fontAlgn="ctr"/>
                       <a:r>
-                        <a:rPr lang="en-CA" sz="1100" u="none" strike="noStrike" dirty="0">
+                        <a:rPr lang="en-CA" sz="1100" u="none" strike="noStrike">
                           <a:effectLst/>
                         </a:rPr>
                         <a:t>0.8404</a:t>
                       </a:r>
-                      <a:endParaRPr lang="en-CA" sz="1100" b="0" i="0" u="none" strike="noStrike" dirty="0">
+                      <a:endParaRPr lang="en-CA" sz="1100" b="0" i="0" u="none" strike="noStrike">
                         <a:solidFill>
                           <a:srgbClr val="000000"/>
                         </a:solidFill>
@@ -23335,12 +23296,12 @@
                     <a:p>
                       <a:pPr algn="ctr" fontAlgn="ctr"/>
                       <a:r>
-                        <a:rPr lang="en-CA" sz="1100" u="none" strike="noStrike" dirty="0">
+                        <a:rPr lang="en-CA" sz="1100" u="none" strike="noStrike">
                           <a:effectLst/>
                         </a:rPr>
                         <a:t>0.604</a:t>
                       </a:r>
-                      <a:endParaRPr lang="en-CA" sz="1100" b="0" i="0" u="none" strike="noStrike" dirty="0">
+                      <a:endParaRPr lang="en-CA" sz="1100" b="0" i="0" u="none" strike="noStrike">
                         <a:solidFill>
                           <a:srgbClr val="000000"/>
                         </a:solidFill>
@@ -23395,12 +23356,12 @@
                     <a:p>
                       <a:pPr algn="ctr" fontAlgn="ctr"/>
                       <a:r>
-                        <a:rPr lang="en-CA" sz="1100" u="none" strike="noStrike" dirty="0">
+                        <a:rPr lang="en-CA" sz="1100" u="none" strike="noStrike">
                           <a:effectLst/>
                         </a:rPr>
                         <a:t>0.7934</a:t>
                       </a:r>
-                      <a:endParaRPr lang="en-CA" sz="1100" b="0" i="0" u="none" strike="noStrike" dirty="0">
+                      <a:endParaRPr lang="en-CA" sz="1100" b="0" i="0" u="none" strike="noStrike">
                         <a:solidFill>
                           <a:srgbClr val="000000"/>
                         </a:solidFill>
@@ -23638,12 +23599,12 @@
                     <a:p>
                       <a:pPr algn="ctr" fontAlgn="b"/>
                       <a:r>
-                        <a:rPr lang="en-CA" sz="1100" u="none" strike="noStrike" dirty="0">
+                        <a:rPr lang="en-CA" sz="1100" u="none" strike="noStrike">
                           <a:effectLst/>
                         </a:rPr>
                         <a:t> </a:t>
                       </a:r>
-                      <a:endParaRPr lang="en-CA" sz="1100" b="0" i="0" u="none" strike="noStrike" dirty="0">
+                      <a:endParaRPr lang="en-CA" sz="1100" b="0" i="0" u="none" strike="noStrike">
                         <a:solidFill>
                           <a:srgbClr val="000000"/>
                         </a:solidFill>
@@ -23825,12 +23786,12 @@
                     <a:p>
                       <a:pPr algn="ctr" fontAlgn="b"/>
                       <a:r>
-                        <a:rPr lang="en-CA" sz="1100" b="1" u="none" strike="noStrike" dirty="0" err="1">
+                        <a:rPr lang="en-CA" sz="1100" b="1" u="none" strike="noStrike" err="1">
                           <a:effectLst/>
                         </a:rPr>
                         <a:t>LGBMClassifier</a:t>
                       </a:r>
-                      <a:endParaRPr lang="en-CA" sz="1100" b="1" i="0" u="none" strike="noStrike" dirty="0">
+                      <a:endParaRPr lang="en-CA" sz="1100" b="1" i="0" u="none" strike="noStrike">
                         <a:solidFill>
                           <a:srgbClr val="000000"/>
                         </a:solidFill>
@@ -24005,12 +23966,12 @@
                     <a:p>
                       <a:pPr algn="ctr" fontAlgn="ctr"/>
                       <a:r>
-                        <a:rPr lang="en-CA" sz="1100" u="none" strike="noStrike" dirty="0">
+                        <a:rPr lang="en-CA" sz="1100" u="none" strike="noStrike">
                           <a:effectLst/>
                         </a:rPr>
                         <a:t>0.8122</a:t>
                       </a:r>
-                      <a:endParaRPr lang="en-CA" sz="1100" b="0" i="0" u="none" strike="noStrike" dirty="0">
+                      <a:endParaRPr lang="en-CA" sz="1100" b="0" i="0" u="none" strike="noStrike">
                         <a:solidFill>
                           <a:srgbClr val="000000"/>
                         </a:solidFill>
@@ -24188,12 +24149,12 @@
                     <a:p>
                       <a:pPr algn="ctr" fontAlgn="b"/>
                       <a:r>
-                        <a:rPr lang="en-CA" sz="1100" u="none" strike="noStrike" dirty="0">
+                        <a:rPr lang="en-CA" sz="1100" u="none" strike="noStrike">
                           <a:effectLst/>
                         </a:rPr>
                         <a:t>0.8498</a:t>
                       </a:r>
-                      <a:endParaRPr lang="en-CA" sz="1100" b="0" i="0" u="none" strike="noStrike" dirty="0">
+                      <a:endParaRPr lang="en-CA" sz="1100" b="0" i="0" u="none" strike="noStrike">
                         <a:solidFill>
                           <a:srgbClr val="000000"/>
                         </a:solidFill>
@@ -24251,12 +24212,12 @@
                     <a:p>
                       <a:pPr algn="ctr" fontAlgn="b"/>
                       <a:r>
-                        <a:rPr lang="en-CA" sz="1100" u="none" strike="noStrike" dirty="0">
+                        <a:rPr lang="en-CA" sz="1100" u="none" strike="noStrike">
                           <a:effectLst/>
                         </a:rPr>
                         <a:t>0.653</a:t>
                       </a:r>
-                      <a:endParaRPr lang="en-CA" sz="1100" b="0" i="0" u="none" strike="noStrike" dirty="0">
+                      <a:endParaRPr lang="en-CA" sz="1100" b="0" i="0" u="none" strike="noStrike">
                         <a:solidFill>
                           <a:srgbClr val="000000"/>
                         </a:solidFill>
@@ -24311,12 +24272,12 @@
                     <a:p>
                       <a:pPr algn="ctr" fontAlgn="b"/>
                       <a:r>
-                        <a:rPr lang="en-CA" sz="1100" u="none" strike="noStrike" dirty="0">
+                        <a:rPr lang="en-CA" sz="1100" u="none" strike="noStrike">
                           <a:effectLst/>
                         </a:rPr>
                         <a:t>0.86</a:t>
                       </a:r>
-                      <a:endParaRPr lang="en-CA" sz="1100" b="0" i="0" u="none" strike="noStrike" dirty="0">
+                      <a:endParaRPr lang="en-CA" sz="1100" b="0" i="0" u="none" strike="noStrike">
                         <a:solidFill>
                           <a:srgbClr val="006100"/>
                         </a:solidFill>
@@ -24441,12 +24402,12 @@
                     <a:p>
                       <a:pPr algn="ctr" fontAlgn="b"/>
                       <a:r>
-                        <a:rPr lang="en-CA" sz="1100" b="1" u="none" strike="noStrike" dirty="0" err="1">
+                        <a:rPr lang="en-CA" sz="1100" b="1" u="none" strike="noStrike" err="1">
                           <a:effectLst/>
                         </a:rPr>
                         <a:t>GradientBoostingClassifier</a:t>
                       </a:r>
-                      <a:endParaRPr lang="en-CA" sz="1100" b="1" i="0" u="none" strike="noStrike" dirty="0">
+                      <a:endParaRPr lang="en-CA" sz="1100" b="1" i="0" u="none" strike="noStrike">
                         <a:solidFill>
                           <a:srgbClr val="000000"/>
                         </a:solidFill>
@@ -24621,12 +24582,12 @@
                     <a:p>
                       <a:pPr algn="ctr" fontAlgn="ctr"/>
                       <a:r>
-                        <a:rPr lang="en-CA" sz="1100" u="none" strike="noStrike" dirty="0">
+                        <a:rPr lang="en-CA" sz="1100" u="none" strike="noStrike">
                           <a:effectLst/>
                         </a:rPr>
                         <a:t>0.8169</a:t>
                       </a:r>
-                      <a:endParaRPr lang="en-CA" sz="1100" b="0" i="0" u="none" strike="noStrike" dirty="0">
+                      <a:endParaRPr lang="en-CA" sz="1100" b="0" i="0" u="none" strike="noStrike">
                         <a:solidFill>
                           <a:srgbClr val="000000"/>
                         </a:solidFill>
@@ -24684,12 +24645,12 @@
                     <a:p>
                       <a:pPr algn="ctr" fontAlgn="ctr"/>
                       <a:r>
-                        <a:rPr lang="en-CA" sz="1100" u="none" strike="noStrike" dirty="0">
+                        <a:rPr lang="en-CA" sz="1100" u="none" strike="noStrike">
                           <a:effectLst/>
                         </a:rPr>
                         <a:t>0.664</a:t>
                       </a:r>
-                      <a:endParaRPr lang="en-CA" sz="1100" b="0" i="0" u="none" strike="noStrike" dirty="0">
+                      <a:endParaRPr lang="en-CA" sz="1100" b="0" i="0" u="none" strike="noStrike">
                         <a:solidFill>
                           <a:srgbClr val="000000"/>
                         </a:solidFill>
@@ -24738,246 +24699,6 @@
                     <a:solidFill>
                       <a:srgbClr val="5843A7"/>
                     </a:solidFill>
-                  </a:tcPr>
-                </a:tc>
-                <a:tc>
-                  <a:txBody>
-                    <a:bodyPr/>
-                    <a:lstStyle/>
-                    <a:p>
-                      <a:pPr algn="ctr" fontAlgn="b"/>
-                      <a:r>
-                        <a:rPr lang="en-CA" sz="1100" u="none" strike="noStrike" dirty="0">
-                          <a:effectLst/>
-                        </a:rPr>
-                        <a:t> </a:t>
-                      </a:r>
-                      <a:endParaRPr lang="en-CA" sz="1100" b="0" i="0" u="none" strike="noStrike" dirty="0">
-                        <a:solidFill>
-                          <a:srgbClr val="000000"/>
-                        </a:solidFill>
-                        <a:effectLst/>
-                        <a:latin typeface="Calibri" panose="020F0502020204030204" pitchFamily="34" charset="0"/>
-                      </a:endParaRPr>
-                    </a:p>
-                  </a:txBody>
-                  <a:tcPr marL="9525" marR="9525" marT="9525" marB="0" anchor="b">
-                    <a:lnL w="3175" cap="flat" cmpd="sng" algn="ctr">
-                      <a:solidFill>
-                        <a:schemeClr val="bg1"/>
-                      </a:solidFill>
-                      <a:prstDash val="solid"/>
-                      <a:round/>
-                      <a:headEnd type="none" w="med" len="med"/>
-                      <a:tailEnd type="none" w="med" len="med"/>
-                    </a:lnL>
-                    <a:lnR w="3175" cap="flat" cmpd="sng" algn="ctr">
-                      <a:solidFill>
-                        <a:schemeClr val="bg1"/>
-                      </a:solidFill>
-                      <a:prstDash val="solid"/>
-                      <a:round/>
-                      <a:headEnd type="none" w="med" len="med"/>
-                      <a:tailEnd type="none" w="med" len="med"/>
-                    </a:lnR>
-                    <a:lnT w="3175" cap="flat" cmpd="sng" algn="ctr">
-                      <a:solidFill>
-                        <a:schemeClr val="bg1"/>
-                      </a:solidFill>
-                      <a:prstDash val="solid"/>
-                      <a:round/>
-                      <a:headEnd type="none" w="med" len="med"/>
-                      <a:tailEnd type="none" w="med" len="med"/>
-                    </a:lnT>
-                    <a:lnB w="3175" cap="flat" cmpd="sng" algn="ctr">
-                      <a:solidFill>
-                        <a:schemeClr val="bg1"/>
-                      </a:solidFill>
-                      <a:prstDash val="solid"/>
-                      <a:round/>
-                      <a:headEnd type="none" w="med" len="med"/>
-                      <a:tailEnd type="none" w="med" len="med"/>
-                    </a:lnB>
-                  </a:tcPr>
-                </a:tc>
-                <a:tc>
-                  <a:txBody>
-                    <a:bodyPr/>
-                    <a:lstStyle/>
-                    <a:p>
-                      <a:pPr algn="ctr" fontAlgn="b"/>
-                      <a:r>
-                        <a:rPr lang="en-CA" sz="1100" u="none" strike="noStrike" dirty="0">
-                          <a:effectLst/>
-                        </a:rPr>
-                        <a:t> </a:t>
-                      </a:r>
-                      <a:endParaRPr lang="en-CA" sz="1100" b="0" i="0" u="none" strike="noStrike" dirty="0">
-                        <a:solidFill>
-                          <a:srgbClr val="000000"/>
-                        </a:solidFill>
-                        <a:effectLst/>
-                        <a:latin typeface="Calibri" panose="020F0502020204030204" pitchFamily="34" charset="0"/>
-                      </a:endParaRPr>
-                    </a:p>
-                  </a:txBody>
-                  <a:tcPr marL="9525" marR="9525" marT="9525" marB="0" anchor="b">
-                    <a:lnL w="3175" cap="flat" cmpd="sng" algn="ctr">
-                      <a:solidFill>
-                        <a:schemeClr val="bg1"/>
-                      </a:solidFill>
-                      <a:prstDash val="solid"/>
-                      <a:round/>
-                      <a:headEnd type="none" w="med" len="med"/>
-                      <a:tailEnd type="none" w="med" len="med"/>
-                    </a:lnL>
-                    <a:lnR w="3175" cap="flat" cmpd="sng" algn="ctr">
-                      <a:solidFill>
-                        <a:schemeClr val="bg1"/>
-                      </a:solidFill>
-                      <a:prstDash val="solid"/>
-                      <a:round/>
-                      <a:headEnd type="none" w="med" len="med"/>
-                      <a:tailEnd type="none" w="med" len="med"/>
-                    </a:lnR>
-                    <a:lnT w="3175" cap="flat" cmpd="sng" algn="ctr">
-                      <a:solidFill>
-                        <a:schemeClr val="bg1"/>
-                      </a:solidFill>
-                      <a:prstDash val="solid"/>
-                      <a:round/>
-                      <a:headEnd type="none" w="med" len="med"/>
-                      <a:tailEnd type="none" w="med" len="med"/>
-                    </a:lnT>
-                    <a:lnB w="3175" cap="flat" cmpd="sng" algn="ctr">
-                      <a:solidFill>
-                        <a:schemeClr val="bg1"/>
-                      </a:solidFill>
-                      <a:prstDash val="solid"/>
-                      <a:round/>
-                      <a:headEnd type="none" w="med" len="med"/>
-                      <a:tailEnd type="none" w="med" len="med"/>
-                    </a:lnB>
-                  </a:tcPr>
-                </a:tc>
-                <a:tc>
-                  <a:txBody>
-                    <a:bodyPr/>
-                    <a:lstStyle/>
-                    <a:p>
-                      <a:pPr algn="ctr" fontAlgn="b"/>
-                      <a:r>
-                        <a:rPr lang="en-CA" sz="1100" u="none" strike="noStrike" dirty="0">
-                          <a:effectLst/>
-                        </a:rPr>
-                        <a:t> </a:t>
-                      </a:r>
-                      <a:endParaRPr lang="en-CA" sz="1100" b="0" i="0" u="none" strike="noStrike" dirty="0">
-                        <a:solidFill>
-                          <a:srgbClr val="000000"/>
-                        </a:solidFill>
-                        <a:effectLst/>
-                        <a:latin typeface="Calibri" panose="020F0502020204030204" pitchFamily="34" charset="0"/>
-                      </a:endParaRPr>
-                    </a:p>
-                  </a:txBody>
-                  <a:tcPr marL="9525" marR="9525" marT="9525" marB="0" anchor="b">
-                    <a:lnL w="3175" cap="flat" cmpd="sng" algn="ctr">
-                      <a:solidFill>
-                        <a:schemeClr val="bg1"/>
-                      </a:solidFill>
-                      <a:prstDash val="solid"/>
-                      <a:round/>
-                      <a:headEnd type="none" w="med" len="med"/>
-                      <a:tailEnd type="none" w="med" len="med"/>
-                    </a:lnL>
-                    <a:lnR w="3175" cap="flat" cmpd="sng" algn="ctr">
-                      <a:solidFill>
-                        <a:schemeClr val="bg1"/>
-                      </a:solidFill>
-                      <a:prstDash val="solid"/>
-                      <a:round/>
-                      <a:headEnd type="none" w="med" len="med"/>
-                      <a:tailEnd type="none" w="med" len="med"/>
-                    </a:lnR>
-                    <a:lnT w="3175" cap="flat" cmpd="sng" algn="ctr">
-                      <a:solidFill>
-                        <a:schemeClr val="bg1"/>
-                      </a:solidFill>
-                      <a:prstDash val="solid"/>
-                      <a:round/>
-                      <a:headEnd type="none" w="med" len="med"/>
-                      <a:tailEnd type="none" w="med" len="med"/>
-                    </a:lnT>
-                    <a:lnB w="3175" cap="flat" cmpd="sng" algn="ctr">
-                      <a:solidFill>
-                        <a:schemeClr val="bg1"/>
-                      </a:solidFill>
-                      <a:prstDash val="solid"/>
-                      <a:round/>
-                      <a:headEnd type="none" w="med" len="med"/>
-                      <a:tailEnd type="none" w="med" len="med"/>
-                    </a:lnB>
-                  </a:tcPr>
-                </a:tc>
-                <a:tc>
-                  <a:txBody>
-                    <a:bodyPr/>
-                    <a:lstStyle/>
-                    <a:p>
-                      <a:pPr algn="ctr" fontAlgn="b"/>
-                      <a:r>
-                        <a:rPr lang="en-CA" sz="1100" u="none" strike="noStrike" dirty="0">
-                          <a:effectLst/>
-                        </a:rPr>
-                        <a:t> </a:t>
-                      </a:r>
-                      <a:endParaRPr lang="en-CA" sz="1100" b="0" i="0" u="none" strike="noStrike" dirty="0">
-                        <a:solidFill>
-                          <a:srgbClr val="000000"/>
-                        </a:solidFill>
-                        <a:effectLst/>
-                        <a:latin typeface="Calibri" panose="020F0502020204030204" pitchFamily="34" charset="0"/>
-                      </a:endParaRPr>
-                    </a:p>
-                  </a:txBody>
-                  <a:tcPr marL="9525" marR="9525" marT="9525" marB="0" anchor="b">
-                    <a:lnL w="3175" cap="flat" cmpd="sng" algn="ctr">
-                      <a:solidFill>
-                        <a:schemeClr val="bg1"/>
-                      </a:solidFill>
-                      <a:prstDash val="solid"/>
-                      <a:round/>
-                      <a:headEnd type="none" w="med" len="med"/>
-                      <a:tailEnd type="none" w="med" len="med"/>
-                    </a:lnL>
-                    <a:lnR w="3175" cap="flat" cmpd="sng" algn="ctr">
-                      <a:solidFill>
-                        <a:schemeClr val="bg1"/>
-                      </a:solidFill>
-                      <a:prstDash val="solid"/>
-                      <a:round/>
-                      <a:headEnd type="none" w="med" len="med"/>
-                      <a:tailEnd type="none" w="med" len="med"/>
-                    </a:lnR>
-                    <a:lnT w="3175" cap="flat" cmpd="sng" algn="ctr">
-                      <a:solidFill>
-                        <a:schemeClr val="bg1"/>
-                      </a:solidFill>
-                      <a:prstDash val="solid"/>
-                      <a:round/>
-                      <a:headEnd type="none" w="med" len="med"/>
-                      <a:tailEnd type="none" w="med" len="med"/>
-                    </a:lnT>
-                    <a:lnB w="3175" cap="flat" cmpd="sng" algn="ctr">
-                      <a:solidFill>
-                        <a:schemeClr val="bg1"/>
-                      </a:solidFill>
-                      <a:prstDash val="solid"/>
-                      <a:round/>
-                      <a:headEnd type="none" w="med" len="med"/>
-                      <a:tailEnd type="none" w="med" len="med"/>
-                    </a:lnB>
                   </a:tcPr>
                 </a:tc>
                 <a:tc>
@@ -25040,6 +24761,246 @@
                     </a:lnB>
                   </a:tcPr>
                 </a:tc>
+                <a:tc>
+                  <a:txBody>
+                    <a:bodyPr/>
+                    <a:lstStyle/>
+                    <a:p>
+                      <a:pPr algn="ctr" fontAlgn="b"/>
+                      <a:r>
+                        <a:rPr lang="en-CA" sz="1100" u="none" strike="noStrike">
+                          <a:effectLst/>
+                        </a:rPr>
+                        <a:t> </a:t>
+                      </a:r>
+                      <a:endParaRPr lang="en-CA" sz="1100" b="0" i="0" u="none" strike="noStrike">
+                        <a:solidFill>
+                          <a:srgbClr val="000000"/>
+                        </a:solidFill>
+                        <a:effectLst/>
+                        <a:latin typeface="Calibri" panose="020F0502020204030204" pitchFamily="34" charset="0"/>
+                      </a:endParaRPr>
+                    </a:p>
+                  </a:txBody>
+                  <a:tcPr marL="9525" marR="9525" marT="9525" marB="0" anchor="b">
+                    <a:lnL w="3175" cap="flat" cmpd="sng" algn="ctr">
+                      <a:solidFill>
+                        <a:schemeClr val="bg1"/>
+                      </a:solidFill>
+                      <a:prstDash val="solid"/>
+                      <a:round/>
+                      <a:headEnd type="none" w="med" len="med"/>
+                      <a:tailEnd type="none" w="med" len="med"/>
+                    </a:lnL>
+                    <a:lnR w="3175" cap="flat" cmpd="sng" algn="ctr">
+                      <a:solidFill>
+                        <a:schemeClr val="bg1"/>
+                      </a:solidFill>
+                      <a:prstDash val="solid"/>
+                      <a:round/>
+                      <a:headEnd type="none" w="med" len="med"/>
+                      <a:tailEnd type="none" w="med" len="med"/>
+                    </a:lnR>
+                    <a:lnT w="3175" cap="flat" cmpd="sng" algn="ctr">
+                      <a:solidFill>
+                        <a:schemeClr val="bg1"/>
+                      </a:solidFill>
+                      <a:prstDash val="solid"/>
+                      <a:round/>
+                      <a:headEnd type="none" w="med" len="med"/>
+                      <a:tailEnd type="none" w="med" len="med"/>
+                    </a:lnT>
+                    <a:lnB w="3175" cap="flat" cmpd="sng" algn="ctr">
+                      <a:solidFill>
+                        <a:schemeClr val="bg1"/>
+                      </a:solidFill>
+                      <a:prstDash val="solid"/>
+                      <a:round/>
+                      <a:headEnd type="none" w="med" len="med"/>
+                      <a:tailEnd type="none" w="med" len="med"/>
+                    </a:lnB>
+                  </a:tcPr>
+                </a:tc>
+                <a:tc>
+                  <a:txBody>
+                    <a:bodyPr/>
+                    <a:lstStyle/>
+                    <a:p>
+                      <a:pPr algn="ctr" fontAlgn="b"/>
+                      <a:r>
+                        <a:rPr lang="en-CA" sz="1100" u="none" strike="noStrike">
+                          <a:effectLst/>
+                        </a:rPr>
+                        <a:t> </a:t>
+                      </a:r>
+                      <a:endParaRPr lang="en-CA" sz="1100" b="0" i="0" u="none" strike="noStrike">
+                        <a:solidFill>
+                          <a:srgbClr val="000000"/>
+                        </a:solidFill>
+                        <a:effectLst/>
+                        <a:latin typeface="Calibri" panose="020F0502020204030204" pitchFamily="34" charset="0"/>
+                      </a:endParaRPr>
+                    </a:p>
+                  </a:txBody>
+                  <a:tcPr marL="9525" marR="9525" marT="9525" marB="0" anchor="b">
+                    <a:lnL w="3175" cap="flat" cmpd="sng" algn="ctr">
+                      <a:solidFill>
+                        <a:schemeClr val="bg1"/>
+                      </a:solidFill>
+                      <a:prstDash val="solid"/>
+                      <a:round/>
+                      <a:headEnd type="none" w="med" len="med"/>
+                      <a:tailEnd type="none" w="med" len="med"/>
+                    </a:lnL>
+                    <a:lnR w="3175" cap="flat" cmpd="sng" algn="ctr">
+                      <a:solidFill>
+                        <a:schemeClr val="bg1"/>
+                      </a:solidFill>
+                      <a:prstDash val="solid"/>
+                      <a:round/>
+                      <a:headEnd type="none" w="med" len="med"/>
+                      <a:tailEnd type="none" w="med" len="med"/>
+                    </a:lnR>
+                    <a:lnT w="3175" cap="flat" cmpd="sng" algn="ctr">
+                      <a:solidFill>
+                        <a:schemeClr val="bg1"/>
+                      </a:solidFill>
+                      <a:prstDash val="solid"/>
+                      <a:round/>
+                      <a:headEnd type="none" w="med" len="med"/>
+                      <a:tailEnd type="none" w="med" len="med"/>
+                    </a:lnT>
+                    <a:lnB w="3175" cap="flat" cmpd="sng" algn="ctr">
+                      <a:solidFill>
+                        <a:schemeClr val="bg1"/>
+                      </a:solidFill>
+                      <a:prstDash val="solid"/>
+                      <a:round/>
+                      <a:headEnd type="none" w="med" len="med"/>
+                      <a:tailEnd type="none" w="med" len="med"/>
+                    </a:lnB>
+                  </a:tcPr>
+                </a:tc>
+                <a:tc>
+                  <a:txBody>
+                    <a:bodyPr/>
+                    <a:lstStyle/>
+                    <a:p>
+                      <a:pPr algn="ctr" fontAlgn="b"/>
+                      <a:r>
+                        <a:rPr lang="en-CA" sz="1100" u="none" strike="noStrike">
+                          <a:effectLst/>
+                        </a:rPr>
+                        <a:t> </a:t>
+                      </a:r>
+                      <a:endParaRPr lang="en-CA" sz="1100" b="0" i="0" u="none" strike="noStrike">
+                        <a:solidFill>
+                          <a:srgbClr val="000000"/>
+                        </a:solidFill>
+                        <a:effectLst/>
+                        <a:latin typeface="Calibri" panose="020F0502020204030204" pitchFamily="34" charset="0"/>
+                      </a:endParaRPr>
+                    </a:p>
+                  </a:txBody>
+                  <a:tcPr marL="9525" marR="9525" marT="9525" marB="0" anchor="b">
+                    <a:lnL w="3175" cap="flat" cmpd="sng" algn="ctr">
+                      <a:solidFill>
+                        <a:schemeClr val="bg1"/>
+                      </a:solidFill>
+                      <a:prstDash val="solid"/>
+                      <a:round/>
+                      <a:headEnd type="none" w="med" len="med"/>
+                      <a:tailEnd type="none" w="med" len="med"/>
+                    </a:lnL>
+                    <a:lnR w="3175" cap="flat" cmpd="sng" algn="ctr">
+                      <a:solidFill>
+                        <a:schemeClr val="bg1"/>
+                      </a:solidFill>
+                      <a:prstDash val="solid"/>
+                      <a:round/>
+                      <a:headEnd type="none" w="med" len="med"/>
+                      <a:tailEnd type="none" w="med" len="med"/>
+                    </a:lnR>
+                    <a:lnT w="3175" cap="flat" cmpd="sng" algn="ctr">
+                      <a:solidFill>
+                        <a:schemeClr val="bg1"/>
+                      </a:solidFill>
+                      <a:prstDash val="solid"/>
+                      <a:round/>
+                      <a:headEnd type="none" w="med" len="med"/>
+                      <a:tailEnd type="none" w="med" len="med"/>
+                    </a:lnT>
+                    <a:lnB w="3175" cap="flat" cmpd="sng" algn="ctr">
+                      <a:solidFill>
+                        <a:schemeClr val="bg1"/>
+                      </a:solidFill>
+                      <a:prstDash val="solid"/>
+                      <a:round/>
+                      <a:headEnd type="none" w="med" len="med"/>
+                      <a:tailEnd type="none" w="med" len="med"/>
+                    </a:lnB>
+                  </a:tcPr>
+                </a:tc>
+                <a:tc>
+                  <a:txBody>
+                    <a:bodyPr/>
+                    <a:lstStyle/>
+                    <a:p>
+                      <a:pPr algn="ctr" fontAlgn="b"/>
+                      <a:r>
+                        <a:rPr lang="en-CA" sz="1100" u="none" strike="noStrike">
+                          <a:effectLst/>
+                        </a:rPr>
+                        <a:t> </a:t>
+                      </a:r>
+                      <a:endParaRPr lang="en-CA" sz="1100" b="0" i="0" u="none" strike="noStrike">
+                        <a:solidFill>
+                          <a:srgbClr val="000000"/>
+                        </a:solidFill>
+                        <a:effectLst/>
+                        <a:latin typeface="Calibri" panose="020F0502020204030204" pitchFamily="34" charset="0"/>
+                      </a:endParaRPr>
+                    </a:p>
+                  </a:txBody>
+                  <a:tcPr marL="9525" marR="9525" marT="9525" marB="0" anchor="b">
+                    <a:lnL w="3175" cap="flat" cmpd="sng" algn="ctr">
+                      <a:solidFill>
+                        <a:schemeClr val="bg1"/>
+                      </a:solidFill>
+                      <a:prstDash val="solid"/>
+                      <a:round/>
+                      <a:headEnd type="none" w="med" len="med"/>
+                      <a:tailEnd type="none" w="med" len="med"/>
+                    </a:lnL>
+                    <a:lnR w="3175" cap="flat" cmpd="sng" algn="ctr">
+                      <a:solidFill>
+                        <a:schemeClr val="bg1"/>
+                      </a:solidFill>
+                      <a:prstDash val="solid"/>
+                      <a:round/>
+                      <a:headEnd type="none" w="med" len="med"/>
+                      <a:tailEnd type="none" w="med" len="med"/>
+                    </a:lnR>
+                    <a:lnT w="3175" cap="flat" cmpd="sng" algn="ctr">
+                      <a:solidFill>
+                        <a:schemeClr val="bg1"/>
+                      </a:solidFill>
+                      <a:prstDash val="solid"/>
+                      <a:round/>
+                      <a:headEnd type="none" w="med" len="med"/>
+                      <a:tailEnd type="none" w="med" len="med"/>
+                    </a:lnT>
+                    <a:lnB w="3175" cap="flat" cmpd="sng" algn="ctr">
+                      <a:solidFill>
+                        <a:schemeClr val="bg1"/>
+                      </a:solidFill>
+                      <a:prstDash val="solid"/>
+                      <a:round/>
+                      <a:headEnd type="none" w="med" len="med"/>
+                      <a:tailEnd type="none" w="med" len="med"/>
+                    </a:lnB>
+                  </a:tcPr>
+                </a:tc>
                 <a:extLst>
                   <a:ext uri="{0D108BD9-81ED-4DB2-BD59-A6C34878D82A}">
                     <a16:rowId xmlns:a16="http://schemas.microsoft.com/office/drawing/2014/main" val="1077692783"/>
@@ -25054,12 +25015,12 @@
                     <a:p>
                       <a:pPr algn="ctr" fontAlgn="b"/>
                       <a:r>
-                        <a:rPr lang="en-CA" sz="1100" b="1" u="none" strike="noStrike" dirty="0" err="1">
+                        <a:rPr lang="en-CA" sz="1100" b="1" u="none" strike="noStrike" err="1">
                           <a:effectLst/>
                         </a:rPr>
                         <a:t>XGBoost</a:t>
                       </a:r>
-                      <a:endParaRPr lang="en-CA" sz="1100" b="1" i="0" u="none" strike="noStrike" dirty="0">
+                      <a:endParaRPr lang="en-CA" sz="1100" b="1" i="0" u="none" strike="noStrike">
                         <a:solidFill>
                           <a:srgbClr val="000000"/>
                         </a:solidFill>
@@ -25234,12 +25195,12 @@
                     <a:p>
                       <a:pPr algn="ctr" fontAlgn="ctr"/>
                       <a:r>
-                        <a:rPr lang="en-CA" sz="1100" u="none" strike="noStrike" dirty="0">
+                        <a:rPr lang="en-CA" sz="1100" u="none" strike="noStrike">
                           <a:effectLst/>
                         </a:rPr>
                         <a:t>0.8169</a:t>
                       </a:r>
-                      <a:endParaRPr lang="en-CA" sz="1100" b="0" i="0" u="none" strike="noStrike" dirty="0">
+                      <a:endParaRPr lang="en-CA" sz="1100" b="0" i="0" u="none" strike="noStrike">
                         <a:solidFill>
                           <a:srgbClr val="000000"/>
                         </a:solidFill>
@@ -25540,12 +25501,12 @@
                     <a:p>
                       <a:pPr algn="ctr" fontAlgn="b"/>
                       <a:r>
-                        <a:rPr lang="en-CA" sz="1100" u="none" strike="noStrike" dirty="0">
+                        <a:rPr lang="en-CA" sz="1100" u="none" strike="noStrike">
                           <a:effectLst/>
                         </a:rPr>
                         <a:t> </a:t>
                       </a:r>
-                      <a:endParaRPr lang="en-CA" sz="1100" b="0" i="0" u="none" strike="noStrike" dirty="0">
+                      <a:endParaRPr lang="en-CA" sz="1100" b="0" i="0" u="none" strike="noStrike">
                         <a:solidFill>
                           <a:srgbClr val="000000"/>
                         </a:solidFill>
@@ -25667,12 +25628,12 @@
                     <a:p>
                       <a:pPr algn="ctr" fontAlgn="b"/>
                       <a:r>
-                        <a:rPr lang="en-CA" sz="1100" b="1" u="none" strike="noStrike" dirty="0">
+                        <a:rPr lang="en-CA" sz="1100" b="1" u="none" strike="noStrike">
                           <a:effectLst/>
                         </a:rPr>
                         <a:t>AdaBoost</a:t>
                       </a:r>
-                      <a:endParaRPr lang="en-CA" sz="1100" b="1" i="0" u="none" strike="noStrike" dirty="0">
+                      <a:endParaRPr lang="en-CA" sz="1100" b="1" i="0" u="none" strike="noStrike">
                         <a:solidFill>
                           <a:srgbClr val="000000"/>
                         </a:solidFill>
@@ -25727,12 +25688,12 @@
                     <a:p>
                       <a:pPr algn="ctr" fontAlgn="ctr"/>
                       <a:r>
-                        <a:rPr lang="en-CA" sz="1100" u="none" strike="noStrike" dirty="0">
+                        <a:rPr lang="en-CA" sz="1100" u="none" strike="noStrike">
                           <a:effectLst/>
                         </a:rPr>
                         <a:t>0.831</a:t>
                       </a:r>
-                      <a:endParaRPr lang="en-CA" sz="1100" b="0" i="0" u="none" strike="noStrike" dirty="0">
+                      <a:endParaRPr lang="en-CA" sz="1100" b="0" i="0" u="none" strike="noStrike">
                         <a:solidFill>
                           <a:srgbClr val="000000"/>
                         </a:solidFill>
@@ -25787,12 +25748,12 @@
                     <a:p>
                       <a:pPr algn="ctr" fontAlgn="ctr"/>
                       <a:r>
-                        <a:rPr lang="en-CA" sz="1100" u="none" strike="noStrike" dirty="0">
+                        <a:rPr lang="en-CA" sz="1100" u="none" strike="noStrike">
                           <a:effectLst/>
                         </a:rPr>
                         <a:t>0.672</a:t>
                       </a:r>
-                      <a:endParaRPr lang="en-CA" sz="1100" b="0" i="0" u="none" strike="noStrike" dirty="0">
+                      <a:endParaRPr lang="en-CA" sz="1100" b="0" i="0" u="none" strike="noStrike">
                         <a:solidFill>
                           <a:srgbClr val="000000"/>
                         </a:solidFill>
@@ -25850,12 +25811,12 @@
                     <a:p>
                       <a:pPr algn="ctr" fontAlgn="ctr"/>
                       <a:r>
-                        <a:rPr lang="en-CA" sz="1100" u="none" strike="noStrike" dirty="0">
+                        <a:rPr lang="en-CA" sz="1100" u="none" strike="noStrike">
                           <a:effectLst/>
                         </a:rPr>
                         <a:t>0.8075</a:t>
                       </a:r>
-                      <a:endParaRPr lang="en-CA" sz="1100" b="0" i="0" u="none" strike="noStrike" dirty="0">
+                      <a:endParaRPr lang="en-CA" sz="1100" b="0" i="0" u="none" strike="noStrike">
                         <a:solidFill>
                           <a:srgbClr val="000000"/>
                         </a:solidFill>
@@ -25913,12 +25874,12 @@
                     <a:p>
                       <a:pPr algn="ctr" fontAlgn="ctr"/>
                       <a:r>
-                        <a:rPr lang="en-CA" sz="1100" u="none" strike="noStrike" dirty="0">
+                        <a:rPr lang="en-CA" sz="1100" u="none" strike="noStrike">
                           <a:effectLst/>
                         </a:rPr>
                         <a:t>0.658</a:t>
                       </a:r>
-                      <a:endParaRPr lang="en-CA" sz="1100" b="0" i="0" u="none" strike="noStrike" dirty="0">
+                      <a:endParaRPr lang="en-CA" sz="1100" b="0" i="0" u="none" strike="noStrike">
                         <a:solidFill>
                           <a:srgbClr val="000000"/>
                         </a:solidFill>
@@ -26036,12 +25997,12 @@
                     <a:p>
                       <a:pPr algn="ctr" fontAlgn="b"/>
                       <a:r>
-                        <a:rPr lang="en-CA" sz="1100" u="none" strike="noStrike" dirty="0">
+                        <a:rPr lang="en-CA" sz="1100" u="none" strike="noStrike">
                           <a:effectLst/>
                         </a:rPr>
                         <a:t>0.8474</a:t>
                       </a:r>
-                      <a:endParaRPr lang="en-CA" sz="1100" b="0" i="0" u="none" strike="noStrike" dirty="0">
+                      <a:endParaRPr lang="en-CA" sz="1100" b="0" i="0" u="none" strike="noStrike">
                         <a:solidFill>
                           <a:srgbClr val="000000"/>
                         </a:solidFill>
@@ -26099,12 +26060,12 @@
                     <a:p>
                       <a:pPr algn="ctr" fontAlgn="b"/>
                       <a:r>
-                        <a:rPr lang="en-CA" sz="1100" u="none" strike="noStrike" dirty="0">
+                        <a:rPr lang="en-CA" sz="1100" u="none" strike="noStrike">
                           <a:effectLst/>
                         </a:rPr>
                         <a:t>0.7404</a:t>
                       </a:r>
-                      <a:endParaRPr lang="en-CA" sz="1100" b="0" i="0" u="none" strike="noStrike" dirty="0">
+                      <a:endParaRPr lang="en-CA" sz="1100" b="0" i="0" u="none" strike="noStrike">
                         <a:solidFill>
                           <a:srgbClr val="000000"/>
                         </a:solidFill>
@@ -26162,12 +26123,12 @@
                     <a:p>
                       <a:pPr algn="ctr" fontAlgn="b"/>
                       <a:r>
-                        <a:rPr lang="en-CA" sz="1100" u="none" strike="noStrike" dirty="0">
+                        <a:rPr lang="en-CA" sz="1100" u="none" strike="noStrike">
                           <a:effectLst/>
                         </a:rPr>
                         <a:t>84.5</a:t>
                       </a:r>
-                      <a:endParaRPr lang="en-CA" sz="1100" b="0" i="0" u="none" strike="noStrike" dirty="0">
+                      <a:endParaRPr lang="en-CA" sz="1100" b="0" i="0" u="none" strike="noStrike">
                         <a:solidFill>
                           <a:srgbClr val="000000"/>
                         </a:solidFill>
@@ -26225,12 +26186,12 @@
                     <a:p>
                       <a:pPr algn="ctr" fontAlgn="b"/>
                       <a:r>
-                        <a:rPr lang="en-CA" sz="1100" u="none" strike="noStrike" dirty="0">
+                        <a:rPr lang="en-CA" sz="1100" u="none" strike="noStrike">
                           <a:effectLst/>
                         </a:rPr>
                         <a:t>74.6</a:t>
                       </a:r>
-                      <a:endParaRPr lang="en-CA" sz="1100" b="0" i="0" u="none" strike="noStrike" dirty="0">
+                      <a:endParaRPr lang="en-CA" sz="1100" b="0" i="0" u="none" strike="noStrike">
                         <a:solidFill>
                           <a:srgbClr val="006100"/>
                         </a:solidFill>
@@ -26319,12 +26280,12 @@
           <a:graphicData uri="http://schemas.openxmlformats.org/presentationml/2006/ole">
             <mc:AlternateContent xmlns:mc="http://schemas.openxmlformats.org/markup-compatibility/2006">
               <mc:Choice xmlns:v="urn:schemas-microsoft-com:vml" Requires="v">
-                <p:oleObj name="Worksheet" r:id="rId4" imgW="3457716" imgH="3629179" progId="Excel.Sheet.12">
+                <p:oleObj spid="_x0000_s25601" name="Worksheet" r:id="rId5" imgW="3457716" imgH="3629179" progId="Excel.Sheet.12">
                   <p:embed/>
                 </p:oleObj>
               </mc:Choice>
               <mc:Fallback>
-                <p:oleObj name="Worksheet" r:id="rId4" imgW="3457716" imgH="3629179" progId="Excel.Sheet.12">
+                <p:oleObj name="Worksheet" r:id="rId5" imgW="3457716" imgH="3629179" progId="Excel.Sheet.12">
                   <p:embed/>
                   <p:pic>
                     <p:nvPicPr>
@@ -26339,7 +26300,7 @@
                       <p:nvPr/>
                     </p:nvPicPr>
                     <p:blipFill>
-                      <a:blip r:embed="rId5"/>
+                      <a:blip r:embed="rId6"/>
                       <a:stretch>
                         <a:fillRect/>
                       </a:stretch>
@@ -26470,12 +26431,12 @@
                     <a:p>
                       <a:pPr algn="ctr" fontAlgn="ctr"/>
                       <a:r>
-                        <a:rPr lang="en-CA" sz="1100" b="1" u="none" strike="noStrike" dirty="0">
+                        <a:rPr lang="en-CA" sz="1100" b="1" u="none" strike="noStrike">
                           <a:effectLst/>
                         </a:rPr>
                         <a:t>Models</a:t>
                       </a:r>
-                      <a:endParaRPr lang="en-CA" sz="1100" b="1" i="0" u="none" strike="noStrike" dirty="0">
+                      <a:endParaRPr lang="en-CA" sz="1100" b="1" i="0" u="none" strike="noStrike">
                         <a:solidFill>
                           <a:srgbClr val="006100"/>
                         </a:solidFill>
@@ -26530,12 +26491,12 @@
                     <a:p>
                       <a:pPr algn="ctr" fontAlgn="b"/>
                       <a:r>
-                        <a:rPr lang="en-CA" sz="1100" b="1" u="none" strike="noStrike" dirty="0">
+                        <a:rPr lang="en-CA" sz="1100" b="1" u="none" strike="noStrike">
                           <a:effectLst/>
                         </a:rPr>
                         <a:t>With Feature Selection</a:t>
                       </a:r>
-                      <a:endParaRPr lang="en-CA" sz="1100" b="1" i="0" u="none" strike="noStrike" dirty="0">
+                      <a:endParaRPr lang="en-CA" sz="1100" b="1" i="0" u="none" strike="noStrike">
                         <a:solidFill>
                           <a:srgbClr val="006100"/>
                         </a:solidFill>
@@ -26687,12 +26648,12 @@
                     <a:p>
                       <a:pPr algn="ctr" fontAlgn="b"/>
                       <a:r>
-                        <a:rPr lang="en-CA" sz="1100" b="1" u="none" strike="noStrike" dirty="0">
+                        <a:rPr lang="en-CA" sz="1100" b="1" u="none" strike="noStrike">
                           <a:effectLst/>
                         </a:rPr>
                         <a:t>Regular</a:t>
                       </a:r>
-                      <a:endParaRPr lang="en-CA" sz="1100" b="1" i="0" u="none" strike="noStrike" dirty="0">
+                      <a:endParaRPr lang="en-CA" sz="1100" b="1" i="0" u="none" strike="noStrike">
                         <a:solidFill>
                           <a:srgbClr val="000000"/>
                         </a:solidFill>
@@ -26757,12 +26718,12 @@
                     <a:p>
                       <a:pPr algn="ctr" fontAlgn="b"/>
                       <a:r>
-                        <a:rPr lang="en-CA" sz="1100" b="1" u="none" strike="noStrike" dirty="0">
+                        <a:rPr lang="en-CA" sz="1100" b="1" u="none" strike="noStrike">
                           <a:effectLst/>
                         </a:rPr>
                         <a:t>SMOTE</a:t>
                       </a:r>
-                      <a:endParaRPr lang="en-CA" sz="1100" b="1" i="0" u="none" strike="noStrike" dirty="0">
+                      <a:endParaRPr lang="en-CA" sz="1100" b="1" i="0" u="none" strike="noStrike">
                         <a:solidFill>
                           <a:srgbClr val="FFFFFF"/>
                         </a:solidFill>
@@ -26827,12 +26788,12 @@
                     <a:p>
                       <a:pPr algn="ctr" fontAlgn="b"/>
                       <a:r>
-                        <a:rPr lang="en-CA" sz="1100" b="1" u="none" strike="noStrike" dirty="0">
+                        <a:rPr lang="en-CA" sz="1100" b="1" u="none" strike="noStrike">
                           <a:effectLst/>
                         </a:rPr>
                         <a:t>RFE (Optimal # of Features)</a:t>
                       </a:r>
-                      <a:endParaRPr lang="en-CA" sz="1100" b="1" i="0" u="none" strike="noStrike" dirty="0">
+                      <a:endParaRPr lang="en-CA" sz="1100" b="1" i="0" u="none" strike="noStrike">
                         <a:solidFill>
                           <a:srgbClr val="9C5700"/>
                         </a:solidFill>
@@ -26887,12 +26848,12 @@
                     <a:p>
                       <a:pPr algn="ctr" fontAlgn="b"/>
                       <a:r>
-                        <a:rPr lang="en-CA" sz="1100" b="1" u="none" strike="noStrike" dirty="0">
+                        <a:rPr lang="en-CA" sz="1100" b="1" u="none" strike="noStrike">
                           <a:effectLst/>
                         </a:rPr>
                         <a:t>SMOTE</a:t>
                       </a:r>
-                      <a:endParaRPr lang="en-CA" sz="1100" b="1" i="0" u="none" strike="noStrike" dirty="0">
+                      <a:endParaRPr lang="en-CA" sz="1100" b="1" i="0" u="none" strike="noStrike">
                         <a:solidFill>
                           <a:srgbClr val="FFFFFF"/>
                         </a:solidFill>
@@ -27224,12 +27185,12 @@
                     <a:p>
                       <a:pPr algn="ctr" fontAlgn="ctr"/>
                       <a:r>
-                        <a:rPr lang="en-CA" sz="1100" b="1" u="none" strike="noStrike" dirty="0">
+                        <a:rPr lang="en-CA" sz="1100" b="1" u="none" strike="noStrike">
                           <a:effectLst/>
                         </a:rPr>
                         <a:t>AUC-ROC</a:t>
                       </a:r>
-                      <a:endParaRPr lang="en-CA" sz="1100" b="1" i="0" u="none" strike="noStrike" dirty="0">
+                      <a:endParaRPr lang="en-CA" sz="1100" b="1" i="0" u="none" strike="noStrike">
                         <a:solidFill>
                           <a:srgbClr val="FFFFFF"/>
                         </a:solidFill>
@@ -27294,12 +27255,12 @@
                     <a:p>
                       <a:pPr algn="ctr" fontAlgn="ctr"/>
                       <a:r>
-                        <a:rPr lang="en-CA" sz="1100" b="1" u="none" strike="noStrike" dirty="0">
+                        <a:rPr lang="en-CA" sz="1100" b="1" u="none" strike="noStrike">
                           <a:effectLst/>
                         </a:rPr>
                         <a:t>Accuracy</a:t>
                       </a:r>
-                      <a:endParaRPr lang="en-CA" sz="1100" b="1" i="0" u="none" strike="noStrike" dirty="0">
+                      <a:endParaRPr lang="en-CA" sz="1100" b="1" i="0" u="none" strike="noStrike">
                         <a:solidFill>
                           <a:srgbClr val="FFFFFF"/>
                         </a:solidFill>
@@ -27354,12 +27315,12 @@
                     <a:p>
                       <a:pPr algn="ctr" fontAlgn="ctr"/>
                       <a:r>
-                        <a:rPr lang="en-CA" sz="1100" b="1" u="none" strike="noStrike" dirty="0">
+                        <a:rPr lang="en-CA" sz="1100" b="1" u="none" strike="noStrike">
                           <a:effectLst/>
                         </a:rPr>
                         <a:t>AUC-ROC</a:t>
                       </a:r>
-                      <a:endParaRPr lang="en-CA" sz="1100" b="1" i="0" u="none" strike="noStrike" dirty="0">
+                      <a:endParaRPr lang="en-CA" sz="1100" b="1" i="0" u="none" strike="noStrike">
                         <a:solidFill>
                           <a:srgbClr val="FFFFFF"/>
                         </a:solidFill>
@@ -27414,12 +27375,12 @@
                     <a:p>
                       <a:pPr algn="ctr" fontAlgn="ctr"/>
                       <a:r>
-                        <a:rPr lang="en-CA" sz="1100" b="1" u="none" strike="noStrike" dirty="0">
+                        <a:rPr lang="en-CA" sz="1100" b="1" u="none" strike="noStrike">
                           <a:effectLst/>
                         </a:rPr>
                         <a:t>Accuracy</a:t>
                       </a:r>
-                      <a:endParaRPr lang="en-CA" sz="1100" b="1" i="0" u="none" strike="noStrike" dirty="0">
+                      <a:endParaRPr lang="en-CA" sz="1100" b="1" i="0" u="none" strike="noStrike">
                         <a:solidFill>
                           <a:srgbClr val="FFFFFF"/>
                         </a:solidFill>
@@ -27474,12 +27435,12 @@
                     <a:p>
                       <a:pPr algn="ctr" fontAlgn="ctr"/>
                       <a:r>
-                        <a:rPr lang="en-CA" sz="1100" b="1" u="none" strike="noStrike" dirty="0">
+                        <a:rPr lang="en-CA" sz="1100" b="1" u="none" strike="noStrike">
                           <a:effectLst/>
                         </a:rPr>
                         <a:t>AUC-ROC</a:t>
                       </a:r>
-                      <a:endParaRPr lang="en-CA" sz="1100" b="1" i="0" u="none" strike="noStrike" dirty="0">
+                      <a:endParaRPr lang="en-CA" sz="1100" b="1" i="0" u="none" strike="noStrike">
                         <a:solidFill>
                           <a:srgbClr val="FFFFFF"/>
                         </a:solidFill>
@@ -27541,12 +27502,12 @@
                     <a:p>
                       <a:pPr algn="ctr" fontAlgn="b"/>
                       <a:r>
-                        <a:rPr lang="en-CA" sz="1100" b="1" u="none" strike="noStrike" dirty="0" err="1">
+                        <a:rPr lang="en-CA" sz="1100" b="1" u="none" strike="noStrike" err="1">
                           <a:effectLst/>
                         </a:rPr>
                         <a:t>LGBMClassifier</a:t>
                       </a:r>
-                      <a:endParaRPr lang="en-CA" sz="1100" b="1" i="0" u="none" strike="noStrike" dirty="0">
+                      <a:endParaRPr lang="en-CA" sz="1100" b="1" i="0" u="none" strike="noStrike">
                         <a:solidFill>
                           <a:srgbClr val="000000"/>
                         </a:solidFill>
@@ -27721,12 +27682,12 @@
                     <a:p>
                       <a:pPr algn="ctr" fontAlgn="ctr"/>
                       <a:r>
-                        <a:rPr lang="en-CA" sz="1100" u="none" strike="noStrike" dirty="0">
+                        <a:rPr lang="en-CA" sz="1100" u="none" strike="noStrike">
                           <a:effectLst/>
                         </a:rPr>
                         <a:t>0.8122</a:t>
                       </a:r>
-                      <a:endParaRPr lang="en-CA" sz="1100" b="0" i="0" u="none" strike="noStrike" dirty="0">
+                      <a:endParaRPr lang="en-CA" sz="1100" b="0" i="0" u="none" strike="noStrike">
                         <a:solidFill>
                           <a:srgbClr val="000000"/>
                         </a:solidFill>
@@ -27904,12 +27865,12 @@
                     <a:p>
                       <a:pPr algn="ctr" fontAlgn="b"/>
                       <a:r>
-                        <a:rPr lang="en-CA" sz="1100" u="none" strike="noStrike" dirty="0">
+                        <a:rPr lang="en-CA" sz="1100" u="none" strike="noStrike">
                           <a:effectLst/>
                         </a:rPr>
                         <a:t>0.8498</a:t>
                       </a:r>
-                      <a:endParaRPr lang="en-CA" sz="1100" b="0" i="0" u="none" strike="noStrike" dirty="0">
+                      <a:endParaRPr lang="en-CA" sz="1100" b="0" i="0" u="none" strike="noStrike">
                         <a:solidFill>
                           <a:srgbClr val="000000"/>
                         </a:solidFill>
@@ -27967,12 +27928,12 @@
                     <a:p>
                       <a:pPr algn="ctr" fontAlgn="b"/>
                       <a:r>
-                        <a:rPr lang="en-CA" sz="1100" u="none" strike="noStrike" dirty="0">
+                        <a:rPr lang="en-CA" sz="1100" u="none" strike="noStrike">
                           <a:effectLst/>
                         </a:rPr>
                         <a:t>0.653</a:t>
                       </a:r>
-                      <a:endParaRPr lang="en-CA" sz="1100" b="0" i="0" u="none" strike="noStrike" dirty="0">
+                      <a:endParaRPr lang="en-CA" sz="1100" b="0" i="0" u="none" strike="noStrike">
                         <a:solidFill>
                           <a:srgbClr val="000000"/>
                         </a:solidFill>
@@ -28027,12 +27988,12 @@
                     <a:p>
                       <a:pPr algn="ctr" fontAlgn="b"/>
                       <a:r>
-                        <a:rPr lang="en-CA" sz="1100" u="none" strike="noStrike" dirty="0">
+                        <a:rPr lang="en-CA" sz="1100" u="none" strike="noStrike">
                           <a:effectLst/>
                         </a:rPr>
                         <a:t>0.86</a:t>
                       </a:r>
-                      <a:endParaRPr lang="en-CA" sz="1100" b="0" i="0" u="none" strike="noStrike" dirty="0">
+                      <a:endParaRPr lang="en-CA" sz="1100" b="0" i="0" u="none" strike="noStrike">
                         <a:solidFill>
                           <a:srgbClr val="006100"/>
                         </a:solidFill>
@@ -28090,12 +28051,12 @@
                     <a:p>
                       <a:pPr algn="ctr" fontAlgn="b"/>
                       <a:r>
-                        <a:rPr lang="en-CA" sz="1100" u="none" strike="noStrike" dirty="0">
+                        <a:rPr lang="en-CA" sz="1100" u="none" strike="noStrike">
                           <a:effectLst/>
                         </a:rPr>
                         <a:t>67.5</a:t>
                       </a:r>
-                      <a:endParaRPr lang="en-CA" sz="1100" b="0" i="0" u="none" strike="noStrike" dirty="0">
+                      <a:endParaRPr lang="en-CA" sz="1100" b="0" i="0" u="none" strike="noStrike">
                         <a:solidFill>
                           <a:srgbClr val="000000"/>
                         </a:solidFill>
@@ -28157,12 +28118,12 @@
                     <a:p>
                       <a:pPr algn="ctr" fontAlgn="b"/>
                       <a:r>
-                        <a:rPr lang="en-CA" sz="1100" b="1" u="none" strike="noStrike" dirty="0">
+                        <a:rPr lang="en-CA" sz="1100" b="1" u="none" strike="noStrike">
                           <a:effectLst/>
                         </a:rPr>
                         <a:t>AdaBoost</a:t>
                       </a:r>
-                      <a:endParaRPr lang="en-CA" sz="1100" b="1" i="0" u="none" strike="noStrike" dirty="0">
+                      <a:endParaRPr lang="en-CA" sz="1100" b="1" i="0" u="none" strike="noStrike">
                         <a:solidFill>
                           <a:srgbClr val="000000"/>
                         </a:solidFill>
@@ -28217,12 +28178,12 @@
                     <a:p>
                       <a:pPr algn="ctr" fontAlgn="ctr"/>
                       <a:r>
-                        <a:rPr lang="en-CA" sz="1100" u="none" strike="noStrike" dirty="0">
+                        <a:rPr lang="en-CA" sz="1100" u="none" strike="noStrike">
                           <a:effectLst/>
                         </a:rPr>
                         <a:t>0.831</a:t>
                       </a:r>
-                      <a:endParaRPr lang="en-CA" sz="1100" b="0" i="0" u="none" strike="noStrike" dirty="0">
+                      <a:endParaRPr lang="en-CA" sz="1100" b="0" i="0" u="none" strike="noStrike">
                         <a:solidFill>
                           <a:srgbClr val="000000"/>
                         </a:solidFill>
@@ -28277,12 +28238,12 @@
                     <a:p>
                       <a:pPr algn="ctr" fontAlgn="ctr"/>
                       <a:r>
-                        <a:rPr lang="en-CA" sz="1100" u="none" strike="noStrike" dirty="0">
+                        <a:rPr lang="en-CA" sz="1100" u="none" strike="noStrike">
                           <a:effectLst/>
                         </a:rPr>
                         <a:t>0.672</a:t>
                       </a:r>
-                      <a:endParaRPr lang="en-CA" sz="1100" b="0" i="0" u="none" strike="noStrike" dirty="0">
+                      <a:endParaRPr lang="en-CA" sz="1100" b="0" i="0" u="none" strike="noStrike">
                         <a:solidFill>
                           <a:srgbClr val="000000"/>
                         </a:solidFill>
@@ -28340,12 +28301,12 @@
                     <a:p>
                       <a:pPr algn="ctr" fontAlgn="ctr"/>
                       <a:r>
-                        <a:rPr lang="en-CA" sz="1100" u="none" strike="noStrike" dirty="0">
+                        <a:rPr lang="en-CA" sz="1100" u="none" strike="noStrike">
                           <a:effectLst/>
                         </a:rPr>
                         <a:t>0.8075</a:t>
                       </a:r>
-                      <a:endParaRPr lang="en-CA" sz="1100" b="0" i="0" u="none" strike="noStrike" dirty="0">
+                      <a:endParaRPr lang="en-CA" sz="1100" b="0" i="0" u="none" strike="noStrike">
                         <a:solidFill>
                           <a:srgbClr val="000000"/>
                         </a:solidFill>
@@ -28403,12 +28364,12 @@
                     <a:p>
                       <a:pPr algn="ctr" fontAlgn="ctr"/>
                       <a:r>
-                        <a:rPr lang="en-CA" sz="1100" u="none" strike="noStrike" dirty="0">
+                        <a:rPr lang="en-CA" sz="1100" u="none" strike="noStrike">
                           <a:effectLst/>
                         </a:rPr>
                         <a:t>0.658</a:t>
                       </a:r>
-                      <a:endParaRPr lang="en-CA" sz="1100" b="0" i="0" u="none" strike="noStrike" dirty="0">
+                      <a:endParaRPr lang="en-CA" sz="1100" b="0" i="0" u="none" strike="noStrike">
                         <a:solidFill>
                           <a:srgbClr val="000000"/>
                         </a:solidFill>
@@ -28526,12 +28487,12 @@
                     <a:p>
                       <a:pPr algn="ctr" fontAlgn="b"/>
                       <a:r>
-                        <a:rPr lang="en-CA" sz="1100" u="none" strike="noStrike" dirty="0">
+                        <a:rPr lang="en-CA" sz="1100" u="none" strike="noStrike">
                           <a:effectLst/>
                         </a:rPr>
                         <a:t>0.8474</a:t>
                       </a:r>
-                      <a:endParaRPr lang="en-CA" sz="1100" b="0" i="0" u="none" strike="noStrike" dirty="0">
+                      <a:endParaRPr lang="en-CA" sz="1100" b="0" i="0" u="none" strike="noStrike">
                         <a:solidFill>
                           <a:srgbClr val="000000"/>
                         </a:solidFill>
@@ -28589,12 +28550,12 @@
                     <a:p>
                       <a:pPr algn="ctr" fontAlgn="b"/>
                       <a:r>
-                        <a:rPr lang="en-CA" sz="1100" u="none" strike="noStrike" dirty="0">
+                        <a:rPr lang="en-CA" sz="1100" u="none" strike="noStrike">
                           <a:effectLst/>
                         </a:rPr>
                         <a:t>0.7404</a:t>
                       </a:r>
-                      <a:endParaRPr lang="en-CA" sz="1100" b="0" i="0" u="none" strike="noStrike" dirty="0">
+                      <a:endParaRPr lang="en-CA" sz="1100" b="0" i="0" u="none" strike="noStrike">
                         <a:solidFill>
                           <a:srgbClr val="000000"/>
                         </a:solidFill>
@@ -28652,12 +28613,12 @@
                     <a:p>
                       <a:pPr algn="ctr" fontAlgn="b"/>
                       <a:r>
-                        <a:rPr lang="en-CA" sz="1100" u="none" strike="noStrike" dirty="0">
+                        <a:rPr lang="en-CA" sz="1100" u="none" strike="noStrike">
                           <a:effectLst/>
                         </a:rPr>
                         <a:t>84.5</a:t>
                       </a:r>
-                      <a:endParaRPr lang="en-CA" sz="1100" b="0" i="0" u="none" strike="noStrike" dirty="0">
+                      <a:endParaRPr lang="en-CA" sz="1100" b="0" i="0" u="none" strike="noStrike">
                         <a:solidFill>
                           <a:srgbClr val="000000"/>
                         </a:solidFill>
@@ -28715,12 +28676,12 @@
                     <a:p>
                       <a:pPr algn="ctr" fontAlgn="b"/>
                       <a:r>
-                        <a:rPr lang="en-CA" sz="1100" u="none" strike="noStrike" dirty="0">
+                        <a:rPr lang="en-CA" sz="1100" u="none" strike="noStrike">
                           <a:effectLst/>
                         </a:rPr>
                         <a:t>74.6</a:t>
                       </a:r>
-                      <a:endParaRPr lang="en-CA" sz="1100" b="0" i="0" u="none" strike="noStrike" dirty="0">
+                      <a:endParaRPr lang="en-CA" sz="1100" b="0" i="0" u="none" strike="noStrike">
                         <a:solidFill>
                           <a:srgbClr val="006100"/>
                         </a:solidFill>
@@ -28870,12 +28831,12 @@
                     <a:p>
                       <a:pPr algn="ctr" fontAlgn="ctr"/>
                       <a:r>
-                        <a:rPr lang="en-CA" sz="1100" b="1" u="none" strike="noStrike" dirty="0">
+                        <a:rPr lang="en-CA" sz="1100" b="1" u="none" strike="noStrike">
                           <a:effectLst/>
                         </a:rPr>
                         <a:t>Models</a:t>
                       </a:r>
-                      <a:endParaRPr lang="en-CA" sz="1100" b="1" i="0" u="none" strike="noStrike" dirty="0">
+                      <a:endParaRPr lang="en-CA" sz="1100" b="1" i="0" u="none" strike="noStrike">
                         <a:solidFill>
                           <a:srgbClr val="006100"/>
                         </a:solidFill>
@@ -28930,12 +28891,12 @@
                     <a:p>
                       <a:pPr algn="ctr" fontAlgn="b"/>
                       <a:r>
-                        <a:rPr lang="en-CA" sz="1100" b="1" u="none" strike="noStrike" dirty="0">
+                        <a:rPr lang="en-CA" sz="1100" b="1" u="none" strike="noStrike">
                           <a:effectLst/>
                         </a:rPr>
                         <a:t>No Feature Selection</a:t>
                       </a:r>
-                      <a:endParaRPr lang="en-CA" sz="1100" b="1" i="0" u="none" strike="noStrike" dirty="0">
+                      <a:endParaRPr lang="en-CA" sz="1100" b="1" i="0" u="none" strike="noStrike">
                         <a:solidFill>
                           <a:srgbClr val="9C0006"/>
                         </a:solidFill>
@@ -29197,12 +29158,12 @@
                     <a:p>
                       <a:pPr algn="ctr" fontAlgn="b"/>
                       <a:r>
-                        <a:rPr lang="en-CA" sz="1100" b="1" u="none" strike="noStrike" dirty="0">
+                        <a:rPr lang="en-CA" sz="1100" b="1" u="none" strike="noStrike">
                           <a:effectLst/>
                         </a:rPr>
                         <a:t>Rand Grid Search</a:t>
                       </a:r>
-                      <a:endParaRPr lang="en-CA" sz="1100" b="1" i="0" u="none" strike="noStrike" dirty="0">
+                      <a:endParaRPr lang="en-CA" sz="1100" b="1" i="0" u="none" strike="noStrike">
                         <a:solidFill>
                           <a:srgbClr val="000000"/>
                         </a:solidFill>
@@ -29284,12 +29245,12 @@
                     <a:p>
                       <a:pPr algn="ctr" fontAlgn="ctr"/>
                       <a:r>
-                        <a:rPr lang="en-CA" sz="1100" b="1" u="none" strike="noStrike" dirty="0">
+                        <a:rPr lang="en-CA" sz="1100" b="1" u="none" strike="noStrike">
                           <a:effectLst/>
                         </a:rPr>
                         <a:t>Accuracy</a:t>
                       </a:r>
-                      <a:endParaRPr lang="en-CA" sz="1100" b="1" i="0" u="none" strike="noStrike" dirty="0">
+                      <a:endParaRPr lang="en-CA" sz="1100" b="1" i="0" u="none" strike="noStrike">
                         <a:solidFill>
                           <a:srgbClr val="FFFFFF"/>
                         </a:solidFill>
@@ -29344,12 +29305,12 @@
                     <a:p>
                       <a:pPr algn="ctr" fontAlgn="ctr"/>
                       <a:r>
-                        <a:rPr lang="en-CA" sz="1100" b="1" u="none" strike="noStrike" dirty="0">
+                        <a:rPr lang="en-CA" sz="1100" b="1" u="none" strike="noStrike">
                           <a:effectLst/>
                         </a:rPr>
                         <a:t>AUC-ROC</a:t>
                       </a:r>
-                      <a:endParaRPr lang="en-CA" sz="1100" b="1" i="0" u="none" strike="noStrike" dirty="0">
+                      <a:endParaRPr lang="en-CA" sz="1100" b="1" i="0" u="none" strike="noStrike">
                         <a:solidFill>
                           <a:srgbClr val="FFFFFF"/>
                         </a:solidFill>
@@ -29404,12 +29365,12 @@
                     <a:p>
                       <a:pPr algn="ctr" fontAlgn="ctr"/>
                       <a:r>
-                        <a:rPr lang="en-CA" sz="1100" b="1" u="none" strike="noStrike" dirty="0">
+                        <a:rPr lang="en-CA" sz="1100" b="1" u="none" strike="noStrike">
                           <a:effectLst/>
                         </a:rPr>
                         <a:t>Accuracy</a:t>
                       </a:r>
-                      <a:endParaRPr lang="en-CA" sz="1100" b="1" i="0" u="none" strike="noStrike" dirty="0">
+                      <a:endParaRPr lang="en-CA" sz="1100" b="1" i="0" u="none" strike="noStrike">
                         <a:solidFill>
                           <a:srgbClr val="FFFFFF"/>
                         </a:solidFill>
@@ -29464,12 +29425,12 @@
                     <a:p>
                       <a:pPr algn="ctr" fontAlgn="ctr"/>
                       <a:r>
-                        <a:rPr lang="en-CA" sz="1100" b="1" u="none" strike="noStrike" dirty="0">
+                        <a:rPr lang="en-CA" sz="1100" b="1" u="none" strike="noStrike">
                           <a:effectLst/>
                         </a:rPr>
                         <a:t>AUC-ROC</a:t>
                       </a:r>
-                      <a:endParaRPr lang="en-CA" sz="1100" b="1" i="0" u="none" strike="noStrike" dirty="0">
+                      <a:endParaRPr lang="en-CA" sz="1100" b="1" i="0" u="none" strike="noStrike">
                         <a:solidFill>
                           <a:srgbClr val="FFFFFF"/>
                         </a:solidFill>
@@ -29524,12 +29485,12 @@
                     <a:p>
                       <a:pPr algn="ctr" fontAlgn="ctr"/>
                       <a:r>
-                        <a:rPr lang="en-CA" sz="1100" b="1" u="none" strike="noStrike" dirty="0">
+                        <a:rPr lang="en-CA" sz="1100" b="1" u="none" strike="noStrike">
                           <a:effectLst/>
                         </a:rPr>
                         <a:t>Accuracy</a:t>
                       </a:r>
-                      <a:endParaRPr lang="en-CA" sz="1100" b="1" i="0" u="none" strike="noStrike" dirty="0">
+                      <a:endParaRPr lang="en-CA" sz="1100" b="1" i="0" u="none" strike="noStrike">
                         <a:solidFill>
                           <a:srgbClr val="FFFFFF"/>
                         </a:solidFill>
@@ -29584,12 +29545,12 @@
                     <a:p>
                       <a:pPr algn="ctr" fontAlgn="ctr"/>
                       <a:r>
-                        <a:rPr lang="en-CA" sz="1100" b="1" u="none" strike="noStrike" dirty="0">
+                        <a:rPr lang="en-CA" sz="1100" b="1" u="none" strike="noStrike">
                           <a:effectLst/>
                         </a:rPr>
                         <a:t>AUC-ROC</a:t>
                       </a:r>
-                      <a:endParaRPr lang="en-CA" sz="1100" b="1" i="0" u="none" strike="noStrike" dirty="0">
+                      <a:endParaRPr lang="en-CA" sz="1100" b="1" i="0" u="none" strike="noStrike">
                         <a:solidFill>
                           <a:srgbClr val="FFFFFF"/>
                         </a:solidFill>
@@ -29651,12 +29612,12 @@
                     <a:p>
                       <a:pPr algn="ctr" fontAlgn="b"/>
                       <a:r>
-                        <a:rPr lang="en-CA" sz="1100" b="1" u="none" strike="noStrike" dirty="0" err="1">
+                        <a:rPr lang="en-CA" sz="1100" b="1" u="none" strike="noStrike" err="1">
                           <a:effectLst/>
                         </a:rPr>
                         <a:t>LGBMClassifier</a:t>
                       </a:r>
-                      <a:endParaRPr lang="en-CA" sz="1100" b="1" i="0" u="none" strike="noStrike" dirty="0">
+                      <a:endParaRPr lang="en-CA" sz="1100" b="1" i="0" u="none" strike="noStrike">
                         <a:solidFill>
                           <a:srgbClr val="000000"/>
                         </a:solidFill>
@@ -29711,12 +29672,12 @@
                     <a:p>
                       <a:pPr algn="ctr" fontAlgn="ctr"/>
                       <a:r>
-                        <a:rPr lang="en-CA" sz="1100" u="none" strike="noStrike" dirty="0">
+                        <a:rPr lang="en-CA" sz="1100" u="none" strike="noStrike">
                           <a:effectLst/>
                         </a:rPr>
                         <a:t>0.8451</a:t>
                       </a:r>
-                      <a:endParaRPr lang="en-CA" sz="1100" b="0" i="0" u="none" strike="noStrike" dirty="0">
+                      <a:endParaRPr lang="en-CA" sz="1100" b="0" i="0" u="none" strike="noStrike">
                         <a:solidFill>
                           <a:srgbClr val="000000"/>
                         </a:solidFill>
@@ -29834,12 +29795,12 @@
                     <a:p>
                       <a:pPr algn="ctr" fontAlgn="ctr"/>
                       <a:r>
-                        <a:rPr lang="en-CA" sz="1100" u="none" strike="noStrike" dirty="0">
+                        <a:rPr lang="en-CA" sz="1100" u="none" strike="noStrike">
                           <a:effectLst/>
                         </a:rPr>
                         <a:t>0.8404</a:t>
                       </a:r>
-                      <a:endParaRPr lang="en-CA" sz="1100" b="0" i="0" u="none" strike="noStrike" dirty="0">
+                      <a:endParaRPr lang="en-CA" sz="1100" b="0" i="0" u="none" strike="noStrike">
                         <a:solidFill>
                           <a:srgbClr val="000000"/>
                         </a:solidFill>
@@ -29957,12 +29918,12 @@
                     <a:p>
                       <a:pPr algn="ctr" fontAlgn="ctr"/>
                       <a:r>
-                        <a:rPr lang="en-CA" sz="1100" u="none" strike="noStrike" dirty="0">
+                        <a:rPr lang="en-CA" sz="1100" u="none" strike="noStrike">
                           <a:effectLst/>
                         </a:rPr>
                         <a:t>0.8404</a:t>
                       </a:r>
-                      <a:endParaRPr lang="en-CA" sz="1100" b="0" i="0" u="none" strike="noStrike" dirty="0">
+                      <a:endParaRPr lang="en-CA" sz="1100" b="0" i="0" u="none" strike="noStrike">
                         <a:solidFill>
                           <a:srgbClr val="000000"/>
                         </a:solidFill>
@@ -30017,12 +29978,12 @@
                     <a:p>
                       <a:pPr algn="ctr" fontAlgn="ctr"/>
                       <a:r>
-                        <a:rPr lang="en-CA" sz="1100" u="none" strike="noStrike" dirty="0">
+                        <a:rPr lang="en-CA" sz="1100" u="none" strike="noStrike">
                           <a:effectLst/>
                         </a:rPr>
                         <a:t>0.66</a:t>
                       </a:r>
-                      <a:endParaRPr lang="en-CA" sz="1100" b="0" i="0" u="none" strike="noStrike" dirty="0">
+                      <a:endParaRPr lang="en-CA" sz="1100" b="0" i="0" u="none" strike="noStrike">
                         <a:solidFill>
                           <a:srgbClr val="000000"/>
                         </a:solidFill>
@@ -30084,12 +30045,12 @@
                     <a:p>
                       <a:pPr algn="ctr" fontAlgn="b"/>
                       <a:r>
-                        <a:rPr lang="en-CA" sz="1100" b="1" u="none" strike="noStrike" dirty="0" err="1">
+                        <a:rPr lang="en-CA" sz="1100" b="1" u="none" strike="noStrike" err="1">
                           <a:effectLst/>
                         </a:rPr>
                         <a:t>GradientBoostingClassifier</a:t>
                       </a:r>
-                      <a:endParaRPr lang="en-CA" sz="1100" b="1" i="0" u="none" strike="noStrike" dirty="0">
+                      <a:endParaRPr lang="en-CA" sz="1100" b="1" i="0" u="none" strike="noStrike">
                         <a:solidFill>
                           <a:srgbClr val="000000"/>
                         </a:solidFill>
@@ -30264,12 +30225,12 @@
                     <a:p>
                       <a:pPr algn="ctr" fontAlgn="ctr"/>
                       <a:r>
-                        <a:rPr lang="en-CA" sz="1100" u="none" strike="noStrike" dirty="0">
+                        <a:rPr lang="en-CA" sz="1100" u="none" strike="noStrike">
                           <a:effectLst/>
                         </a:rPr>
                         <a:t>0.8357</a:t>
                       </a:r>
-                      <a:endParaRPr lang="en-CA" sz="1100" b="0" i="0" u="none" strike="noStrike" dirty="0">
+                      <a:endParaRPr lang="en-CA" sz="1100" b="0" i="0" u="none" strike="noStrike">
                         <a:solidFill>
                           <a:srgbClr val="000000"/>
                         </a:solidFill>
@@ -30387,12 +30348,12 @@
                     <a:p>
                       <a:pPr algn="ctr" fontAlgn="b"/>
                       <a:r>
-                        <a:rPr lang="en-CA" sz="1100" u="none" strike="noStrike" dirty="0">
+                        <a:rPr lang="en-CA" sz="1100" u="none" strike="noStrike">
                           <a:effectLst/>
                         </a:rPr>
                         <a:t>0.88</a:t>
                       </a:r>
-                      <a:endParaRPr lang="en-CA" sz="1100" b="0" i="0" u="none" strike="noStrike" dirty="0">
+                      <a:endParaRPr lang="en-CA" sz="1100" b="0" i="0" u="none" strike="noStrike">
                         <a:solidFill>
                           <a:srgbClr val="000000"/>
                         </a:solidFill>
@@ -30450,12 +30411,12 @@
                     <a:p>
                       <a:pPr algn="ctr" fontAlgn="b"/>
                       <a:r>
-                        <a:rPr lang="en-CA" sz="1100" u="none" strike="noStrike" dirty="0">
+                        <a:rPr lang="en-CA" sz="1100" u="none" strike="noStrike">
                           <a:effectLst/>
                         </a:rPr>
                         <a:t>0.71</a:t>
                       </a:r>
-                      <a:endParaRPr lang="en-CA" sz="1100" b="0" i="0" u="none" strike="noStrike" dirty="0">
+                      <a:endParaRPr lang="en-CA" sz="1100" b="0" i="0" u="none" strike="noStrike">
                         <a:solidFill>
                           <a:srgbClr val="000000"/>
                         </a:solidFill>
@@ -30517,12 +30478,12 @@
                     <a:p>
                       <a:pPr algn="ctr" fontAlgn="b"/>
                       <a:r>
-                        <a:rPr lang="en-CA" sz="1100" b="1" u="none" strike="noStrike" dirty="0">
+                        <a:rPr lang="en-CA" sz="1100" b="1" u="none" strike="noStrike">
                           <a:effectLst/>
                         </a:rPr>
                         <a:t>AdaBoost</a:t>
                       </a:r>
-                      <a:endParaRPr lang="en-CA" sz="1100" b="1" i="0" u="none" strike="noStrike" dirty="0">
+                      <a:endParaRPr lang="en-CA" sz="1100" b="1" i="0" u="none" strike="noStrike">
                         <a:solidFill>
                           <a:srgbClr val="000000"/>
                         </a:solidFill>
@@ -30577,12 +30538,12 @@
                     <a:p>
                       <a:pPr algn="ctr" fontAlgn="ctr"/>
                       <a:r>
-                        <a:rPr lang="en-CA" sz="1100" u="none" strike="noStrike" dirty="0">
+                        <a:rPr lang="en-CA" sz="1100" u="none" strike="noStrike">
                           <a:effectLst/>
                         </a:rPr>
                         <a:t>0.8592</a:t>
                       </a:r>
-                      <a:endParaRPr lang="en-CA" sz="1100" b="0" i="0" u="none" strike="noStrike" dirty="0">
+                      <a:endParaRPr lang="en-CA" sz="1100" b="0" i="0" u="none" strike="noStrike">
                         <a:solidFill>
                           <a:srgbClr val="000000"/>
                         </a:solidFill>
@@ -30640,12 +30601,12 @@
                     <a:p>
                       <a:pPr algn="ctr" fontAlgn="ctr"/>
                       <a:r>
-                        <a:rPr lang="en-CA" sz="1100" u="none" strike="noStrike" dirty="0">
+                        <a:rPr lang="en-CA" sz="1100" u="none" strike="noStrike">
                           <a:effectLst/>
                         </a:rPr>
                         <a:t>0.736</a:t>
                       </a:r>
-                      <a:endParaRPr lang="en-CA" sz="1100" b="0" i="0" u="none" strike="noStrike" dirty="0">
+                      <a:endParaRPr lang="en-CA" sz="1100" b="0" i="0" u="none" strike="noStrike">
                         <a:solidFill>
                           <a:srgbClr val="000000"/>
                         </a:solidFill>
@@ -30703,12 +30664,12 @@
                     <a:p>
                       <a:pPr algn="ctr" fontAlgn="ctr"/>
                       <a:r>
-                        <a:rPr lang="en-CA" sz="1100" u="none" strike="noStrike" dirty="0">
+                        <a:rPr lang="en-CA" sz="1100" u="none" strike="noStrike">
                           <a:effectLst/>
                         </a:rPr>
                         <a:t>0.8451</a:t>
                       </a:r>
-                      <a:endParaRPr lang="en-CA" sz="1100" b="0" i="0" u="none" strike="noStrike" dirty="0">
+                      <a:endParaRPr lang="en-CA" sz="1100" b="0" i="0" u="none" strike="noStrike">
                         <a:solidFill>
                           <a:srgbClr val="000000"/>
                         </a:solidFill>
@@ -30766,12 +30727,12 @@
                     <a:p>
                       <a:pPr algn="ctr" fontAlgn="ctr"/>
                       <a:r>
-                        <a:rPr lang="en-CA" sz="1100" u="none" strike="noStrike" dirty="0">
+                        <a:rPr lang="en-CA" sz="1100" u="none" strike="noStrike">
                           <a:effectLst/>
                         </a:rPr>
                         <a:t>0.746</a:t>
                       </a:r>
-                      <a:endParaRPr lang="en-CA" sz="1100" b="0" i="0" u="none" strike="noStrike" dirty="0">
+                      <a:endParaRPr lang="en-CA" sz="1100" b="0" i="0" u="none" strike="noStrike">
                         <a:solidFill>
                           <a:srgbClr val="000000"/>
                         </a:solidFill>
@@ -30829,12 +30790,12 @@
                     <a:p>
                       <a:pPr algn="ctr" fontAlgn="ctr"/>
                       <a:r>
-                        <a:rPr lang="en-CA" sz="1100" u="none" strike="noStrike" dirty="0">
+                        <a:rPr lang="en-CA" sz="1100" u="none" strike="noStrike">
                           <a:effectLst/>
                         </a:rPr>
                         <a:t>0.8357</a:t>
                       </a:r>
-                      <a:endParaRPr lang="en-CA" sz="1100" b="0" i="0" u="none" strike="noStrike" dirty="0">
+                      <a:endParaRPr lang="en-CA" sz="1100" b="0" i="0" u="none" strike="noStrike">
                         <a:solidFill>
                           <a:srgbClr val="000000"/>
                         </a:solidFill>
@@ -30889,12 +30850,12 @@
                     <a:p>
                       <a:pPr algn="ctr" fontAlgn="ctr"/>
                       <a:r>
-                        <a:rPr lang="en-CA" sz="1100" u="none" strike="noStrike" dirty="0">
+                        <a:rPr lang="en-CA" sz="1100" u="none" strike="noStrike">
                           <a:effectLst/>
                         </a:rPr>
                         <a:t>0.74</a:t>
                       </a:r>
-                      <a:endParaRPr lang="en-CA" sz="1100" b="0" i="0" u="none" strike="noStrike" dirty="0">
+                      <a:endParaRPr lang="en-CA" sz="1100" b="0" i="0" u="none" strike="noStrike">
                         <a:solidFill>
                           <a:srgbClr val="000000"/>
                         </a:solidFill>
@@ -31306,7 +31267,7 @@
           <a:lstStyle/>
           <a:p>
             <a:r>
-              <a:rPr lang="en-US" sz="4800" dirty="0"/>
+              <a:rPr lang="en-US" sz="4800"/>
               <a:t>Feature Importance</a:t>
             </a:r>
           </a:p>
@@ -31337,7 +31298,7 @@
               <a:rPr lang="en-US" smtClean="0"/>
               <a:t>8</a:t>
             </a:fld>
-            <a:endParaRPr lang="en-US" dirty="0"/>
+            <a:endParaRPr lang="en-US"/>
           </a:p>
         </p:txBody>
       </p:sp>
@@ -31430,7 +31391,7 @@
           <a:lstStyle/>
           <a:p>
             <a:r>
-              <a:rPr lang="en-US" dirty="0">
+              <a:rPr lang="en-US">
                 <a:solidFill>
                   <a:schemeClr val="bg1">
                     <a:lumMod val="65000"/>
@@ -31440,7 +31401,7 @@
               <a:t>A D A B O </a:t>
             </a:r>
             <a:r>
-              <a:rPr lang="en-US" dirty="0" err="1">
+              <a:rPr lang="en-US" err="1">
                 <a:solidFill>
                   <a:schemeClr val="bg1">
                     <a:lumMod val="65000"/>
@@ -31450,7 +31411,7 @@
               <a:t>O</a:t>
             </a:r>
             <a:r>
-              <a:rPr lang="en-US" dirty="0">
+              <a:rPr lang="en-US">
                 <a:solidFill>
                   <a:schemeClr val="bg1">
                     <a:lumMod val="65000"/>
@@ -31459,7 +31420,7 @@
               </a:rPr>
               <a:t> S T</a:t>
             </a:r>
-            <a:endParaRPr lang="en-CA" dirty="0">
+            <a:endParaRPr lang="en-CA">
               <a:solidFill>
                 <a:schemeClr val="bg1">
                   <a:lumMod val="65000"/>
@@ -31498,7 +31459,7 @@
           <a:lstStyle/>
           <a:p>
             <a:r>
-              <a:rPr lang="en-US" dirty="0">
+              <a:rPr lang="en-US">
                 <a:solidFill>
                   <a:schemeClr val="bg1">
                     <a:lumMod val="65000"/>
@@ -31508,7 +31469,7 @@
               <a:t>L G B M C l a s </a:t>
             </a:r>
             <a:r>
-              <a:rPr lang="en-US" dirty="0" err="1">
+              <a:rPr lang="en-US" err="1">
                 <a:solidFill>
                   <a:schemeClr val="bg1">
                     <a:lumMod val="65000"/>
@@ -31518,7 +31479,7 @@
               <a:t>s</a:t>
             </a:r>
             <a:r>
-              <a:rPr lang="en-US" dirty="0">
+              <a:rPr lang="en-US">
                 <a:solidFill>
                   <a:schemeClr val="bg1">
                     <a:lumMod val="65000"/>
@@ -31528,7 +31489,7 @@
               <a:t> </a:t>
             </a:r>
             <a:r>
-              <a:rPr lang="en-US" dirty="0" err="1">
+              <a:rPr lang="en-US" err="1">
                 <a:solidFill>
                   <a:schemeClr val="bg1">
                     <a:lumMod val="65000"/>
@@ -31538,7 +31499,7 @@
               <a:t>i</a:t>
             </a:r>
             <a:r>
-              <a:rPr lang="en-US" dirty="0">
+              <a:rPr lang="en-US">
                 <a:solidFill>
                   <a:schemeClr val="bg1">
                     <a:lumMod val="65000"/>
@@ -31548,7 +31509,7 @@
               <a:t> f </a:t>
             </a:r>
             <a:r>
-              <a:rPr lang="en-US" dirty="0" err="1">
+              <a:rPr lang="en-US" err="1">
                 <a:solidFill>
                   <a:schemeClr val="bg1">
                     <a:lumMod val="65000"/>
@@ -31558,7 +31519,7 @@
               <a:t>i</a:t>
             </a:r>
             <a:r>
-              <a:rPr lang="en-US" dirty="0">
+              <a:rPr lang="en-US">
                 <a:solidFill>
                   <a:schemeClr val="bg1">
                     <a:lumMod val="65000"/>
@@ -31567,7 +31528,7 @@
               </a:rPr>
               <a:t> e r</a:t>
             </a:r>
-            <a:endParaRPr lang="en-CA" dirty="0">
+            <a:endParaRPr lang="en-CA">
               <a:solidFill>
                 <a:schemeClr val="bg1">
                   <a:lumMod val="65000"/>
@@ -31666,7 +31627,7 @@
           <a:lstStyle/>
           <a:p>
             <a:r>
-              <a:rPr lang="en-US" dirty="0">
+              <a:rPr lang="en-US">
                 <a:solidFill>
                   <a:schemeClr val="bg1">
                     <a:lumMod val="65000"/>
@@ -31676,7 +31637,7 @@
               <a:t>X G B O </a:t>
             </a:r>
             <a:r>
-              <a:rPr lang="en-US" dirty="0" err="1">
+              <a:rPr lang="en-US" err="1">
                 <a:solidFill>
                   <a:schemeClr val="bg1">
                     <a:lumMod val="65000"/>
@@ -31686,7 +31647,7 @@
               <a:t>O</a:t>
             </a:r>
             <a:r>
-              <a:rPr lang="en-US" dirty="0">
+              <a:rPr lang="en-US">
                 <a:solidFill>
                   <a:schemeClr val="bg1">
                     <a:lumMod val="65000"/>
@@ -31695,7 +31656,7 @@
               </a:rPr>
               <a:t> S T</a:t>
             </a:r>
-            <a:endParaRPr lang="en-CA" dirty="0">
+            <a:endParaRPr lang="en-CA">
               <a:solidFill>
                 <a:schemeClr val="bg1">
                   <a:lumMod val="65000"/>
@@ -31734,7 +31695,7 @@
           <a:lstStyle/>
           <a:p>
             <a:r>
-              <a:rPr lang="en-US" dirty="0">
+              <a:rPr lang="en-US">
                 <a:solidFill>
                   <a:schemeClr val="bg1">
                     <a:lumMod val="65000"/>
@@ -31743,7 +31704,7 @@
               </a:rPr>
               <a:t>R a n d o m   F o r e s t s</a:t>
             </a:r>
-            <a:endParaRPr lang="en-CA" dirty="0">
+            <a:endParaRPr lang="en-CA">
               <a:solidFill>
                 <a:schemeClr val="bg1">
                   <a:lumMod val="65000"/>
@@ -31993,7 +31954,7 @@
               <a:buChar char="§"/>
             </a:pPr>
             <a:r>
-              <a:rPr lang="en-US" sz="2000" dirty="0">
+              <a:rPr lang="en-US" sz="2000">
                 <a:solidFill>
                   <a:schemeClr val="tx1"/>
                 </a:solidFill>
@@ -32010,7 +31971,7 @@
               <a:buChar char="§"/>
             </a:pPr>
             <a:r>
-              <a:rPr lang="en-US" sz="2000" dirty="0">
+              <a:rPr lang="en-US" sz="2000">
                 <a:solidFill>
                   <a:schemeClr val="tx1"/>
                 </a:solidFill>
@@ -32027,7 +31988,7 @@
               <a:buChar char="§"/>
             </a:pPr>
             <a:r>
-              <a:rPr lang="en-US" sz="1800" dirty="0">
+              <a:rPr lang="en-US" sz="1800">
                 <a:solidFill>
                   <a:schemeClr val="tx1"/>
                 </a:solidFill>
@@ -32035,7 +31996,7 @@
               <a:t>Err</a:t>
             </a:r>
             <a:r>
-              <a:rPr lang="en-US" sz="1800" dirty="0"/>
+              <a:rPr lang="en-US" sz="1800"/>
               <a:t>ors in data</a:t>
             </a:r>
           </a:p>
@@ -32048,14 +32009,14 @@
               <a:buChar char="§"/>
             </a:pPr>
             <a:r>
-              <a:rPr lang="en-US" sz="1800" dirty="0">
+              <a:rPr lang="en-US" sz="1800">
                 <a:solidFill>
                   <a:schemeClr val="tx1"/>
                 </a:solidFill>
               </a:rPr>
               <a:t>Veracity of data</a:t>
             </a:r>
-            <a:endParaRPr lang="en-US" sz="1800" dirty="0"/>
+            <a:endParaRPr lang="en-US" sz="1800"/>
           </a:p>
           <a:p>
             <a:pPr>
@@ -32065,7 +32026,7 @@
               <a:buFont typeface="Wingdings" panose="05000000000000000000" pitchFamily="2" charset="2"/>
               <a:buChar char="§"/>
             </a:pPr>
-            <a:endParaRPr lang="en-US" sz="1400" dirty="0">
+            <a:endParaRPr lang="en-US" sz="1400">
               <a:solidFill>
                 <a:schemeClr val="tx1"/>
               </a:solidFill>
@@ -33103,21 +33064,6 @@
 </file>
 
 <file path=customXml/item1.xml><?xml version="1.0" encoding="utf-8"?>
-<?mso-contentType ?>
-<FormTemplates xmlns="http://schemas.microsoft.com/sharepoint/v3/contenttype/forms">
-  <Display>DocumentLibraryForm</Display>
-  <Edit>DocumentLibraryForm</Edit>
-  <New>DocumentLibraryForm</New>
-</FormTemplates>
-</file>
-
-<file path=customXml/item2.xml><?xml version="1.0" encoding="utf-8"?>
-<p:properties xmlns:p="http://schemas.microsoft.com/office/2006/metadata/properties" xmlns:xsi="http://www.w3.org/2001/XMLSchema-instance" xmlns:pc="http://schemas.microsoft.com/office/infopath/2007/PartnerControls">
-  <documentManagement/>
-</p:properties>
-</file>
-
-<file path=customXml/item3.xml><?xml version="1.0" encoding="utf-8"?>
 <ct:contentTypeSchema xmlns:ct="http://schemas.microsoft.com/office/2006/metadata/contentType" xmlns:ma="http://schemas.microsoft.com/office/2006/metadata/properties/metaAttributes" ct:_="" ma:_="" ma:contentTypeName="Document" ma:contentTypeID="0x0101006593DFF804DEF348838BD69653ED6E72" ma:contentTypeVersion="2" ma:contentTypeDescription="Create a new document." ma:contentTypeScope="" ma:versionID="3a927d2f66b5a0edd40dd17273a915d9">
   <xsd:schema xmlns:xsd="http://www.w3.org/2001/XMLSchema" xmlns:xs="http://www.w3.org/2001/XMLSchema" xmlns:p="http://schemas.microsoft.com/office/2006/metadata/properties" xmlns:ns2="85b0e8f9-5ac1-4211-afa4-affbc99c3829" targetNamespace="http://schemas.microsoft.com/office/2006/metadata/properties" ma:root="true" ma:fieldsID="018a6002befd52b39dbad0eb225598a1" ns2:_="">
     <xsd:import namespace="85b0e8f9-5ac1-4211-afa4-affbc99c3829"/>
@@ -33249,31 +33195,22 @@
 </ct:contentTypeSchema>
 </file>
 
-<file path=customXml/itemProps1.xml><?xml version="1.0" encoding="utf-8"?>
-<ds:datastoreItem xmlns:ds="http://schemas.openxmlformats.org/officeDocument/2006/customXml" ds:itemID="{1B7E2D32-4FDD-4266-880C-17595B801432}">
-  <ds:schemaRefs>
-    <ds:schemaRef ds:uri="http://schemas.microsoft.com/sharepoint/v3/contenttype/forms"/>
-  </ds:schemaRefs>
-</ds:datastoreItem>
+<file path=customXml/item2.xml><?xml version="1.0" encoding="utf-8"?>
+<?mso-contentType ?>
+<FormTemplates xmlns="http://schemas.microsoft.com/sharepoint/v3/contenttype/forms">
+  <Display>DocumentLibraryForm</Display>
+  <Edit>DocumentLibraryForm</Edit>
+  <New>DocumentLibraryForm</New>
+</FormTemplates>
 </file>
 
-<file path=customXml/itemProps2.xml><?xml version="1.0" encoding="utf-8"?>
-<ds:datastoreItem xmlns:ds="http://schemas.openxmlformats.org/officeDocument/2006/customXml" ds:itemID="{E3D9F223-918A-45AF-9B53-56AB9E5E2182}">
-  <ds:schemaRefs>
-    <ds:schemaRef ds:uri="85b0e8f9-5ac1-4211-afa4-affbc99c3829"/>
-    <ds:schemaRef ds:uri="http://purl.org/dc/dcmitype/"/>
-    <ds:schemaRef ds:uri="http://purl.org/dc/elements/1.1/"/>
-    <ds:schemaRef ds:uri="http://purl.org/dc/terms/"/>
-    <ds:schemaRef ds:uri="http://schemas.microsoft.com/office/2006/documentManagement/types"/>
-    <ds:schemaRef ds:uri="http://schemas.microsoft.com/office/2006/metadata/properties"/>
-    <ds:schemaRef ds:uri="http://schemas.microsoft.com/office/infopath/2007/PartnerControls"/>
-    <ds:schemaRef ds:uri="http://schemas.openxmlformats.org/package/2006/metadata/core-properties"/>
-    <ds:schemaRef ds:uri="http://www.w3.org/XML/1998/namespace"/>
-  </ds:schemaRefs>
-</ds:datastoreItem>
+<file path=customXml/item3.xml><?xml version="1.0" encoding="utf-8"?>
+<p:properties xmlns:p="http://schemas.microsoft.com/office/2006/metadata/properties" xmlns:xsi="http://www.w3.org/2001/XMLSchema-instance" xmlns:pc="http://schemas.microsoft.com/office/infopath/2007/PartnerControls">
+  <documentManagement/>
+</p:properties>
 </file>
 
-<file path=customXml/itemProps3.xml><?xml version="1.0" encoding="utf-8"?>
+<file path=customXml/itemProps1.xml><?xml version="1.0" encoding="utf-8"?>
 <ds:datastoreItem xmlns:ds="http://schemas.openxmlformats.org/officeDocument/2006/customXml" ds:itemID="{E1E75057-E5F8-44F6-A64E-F1B671330003}">
   <ds:schemaRefs>
     <ds:schemaRef ds:uri="85b0e8f9-5ac1-4211-afa4-affbc99c3829"/>
@@ -33289,4 +33226,28 @@
     <ds:schemaRef ds:uri="http://www.w3.org/2001/XMLSchema"/>
   </ds:schemaRefs>
 </ds:datastoreItem>
+</file>
+
+<file path=customXml/itemProps2.xml><?xml version="1.0" encoding="utf-8"?>
+<ds:datastoreItem xmlns:ds="http://schemas.openxmlformats.org/officeDocument/2006/customXml" ds:itemID="{1B7E2D32-4FDD-4266-880C-17595B801432}">
+  <ds:schemaRefs>
+    <ds:schemaRef ds:uri="http://schemas.microsoft.com/sharepoint/v3/contenttype/forms"/>
+  </ds:schemaRefs>
+</ds:datastoreItem>
+</file>
+
+<file path=customXml/itemProps3.xml><?xml version="1.0" encoding="utf-8"?>
+<ds:datastoreItem xmlns:ds="http://schemas.openxmlformats.org/officeDocument/2006/customXml" ds:itemID="{E3D9F223-918A-45AF-9B53-56AB9E5E2182}">
+  <ds:schemaRefs>
+    <ds:schemaRef ds:uri="85b0e8f9-5ac1-4211-afa4-affbc99c3829"/>
+    <ds:schemaRef ds:uri="http://purl.org/dc/dcmitype/"/>
+    <ds:schemaRef ds:uri="http://purl.org/dc/elements/1.1/"/>
+    <ds:schemaRef ds:uri="http://purl.org/dc/terms/"/>
+    <ds:schemaRef ds:uri="http://schemas.microsoft.com/office/2006/documentManagement/types"/>
+    <ds:schemaRef ds:uri="http://schemas.microsoft.com/office/2006/metadata/properties"/>
+    <ds:schemaRef ds:uri="http://schemas.microsoft.com/office/infopath/2007/PartnerControls"/>
+    <ds:schemaRef ds:uri="http://schemas.openxmlformats.org/package/2006/metadata/core-properties"/>
+    <ds:schemaRef ds:uri="http://www.w3.org/XML/1998/namespace"/>
+  </ds:schemaRefs>
+</ds:datastoreItem>
 </file>